--- a/课程PPT/25.事件处理（事件流-待修改）.pptx
+++ b/课程PPT/25.事件处理（事件流-待修改）.pptx
@@ -10,7 +10,17 @@
   <p:sldIdLst>
     <p:sldId id="1234" r:id="rId3"/>
     <p:sldId id="1235" r:id="rId4"/>
-    <p:sldId id="1247" r:id="rId6"/>
+    <p:sldId id="1248" r:id="rId6"/>
+    <p:sldId id="1254" r:id="rId7"/>
+    <p:sldId id="1260" r:id="rId8"/>
+    <p:sldId id="1252" r:id="rId9"/>
+    <p:sldId id="1262" r:id="rId10"/>
+    <p:sldId id="1261" r:id="rId11"/>
+    <p:sldId id="1250" r:id="rId12"/>
+    <p:sldId id="1263" r:id="rId13"/>
+    <p:sldId id="1247" r:id="rId14"/>
+    <p:sldId id="1251" r:id="rId15"/>
+    <p:sldId id="1264" r:id="rId16"/>
   </p:sldIdLst>
   <p:sldSz cx="12192000" cy="6858000"/>
   <p:notesSz cx="6797675" cy="9928225"/>
@@ -633,6 +643,510 @@
 </p:notes>
 </file>
 
+<file path=ppt/notesSlides/notesSlide10.xml><?xml version="1.0" encoding="utf-8"?>
+<p:notes xmlns:a="http://schemas.openxmlformats.org/drawingml/2006/main" xmlns:r="http://schemas.openxmlformats.org/officeDocument/2006/relationships" xmlns:p="http://schemas.openxmlformats.org/presentationml/2006/main">
+  <p:cSld>
+    <p:spTree>
+      <p:nvGrpSpPr>
+        <p:cNvPr id="1" name=""/>
+        <p:cNvGrpSpPr/>
+        <p:nvPr/>
+      </p:nvGrpSpPr>
+      <p:grpSpPr>
+        <a:xfrm>
+          <a:off x="0" y="0"/>
+          <a:ext cx="0" cy="0"/>
+          <a:chOff x="0" y="0"/>
+          <a:chExt cx="0" cy="0"/>
+        </a:xfrm>
+      </p:grpSpPr>
+      <p:sp>
+        <p:nvSpPr>
+          <p:cNvPr id="2" name="幻灯片图像占位符 1"/>
+          <p:cNvSpPr>
+            <a:spLocks noGrp="1" noRot="1" noChangeAspect="1"/>
+          </p:cNvSpPr>
+          <p:nvPr>
+            <p:ph type="sldImg" idx="2"/>
+          </p:nvPr>
+        </p:nvSpPr>
+        <p:spPr/>
+      </p:sp>
+      <p:sp>
+        <p:nvSpPr>
+          <p:cNvPr id="3" name="文本占位符 2"/>
+          <p:cNvSpPr>
+            <a:spLocks noGrp="1"/>
+          </p:cNvSpPr>
+          <p:nvPr>
+            <p:ph type="body" idx="3"/>
+          </p:nvPr>
+        </p:nvSpPr>
+        <p:spPr/>
+        <p:txBody>
+          <a:bodyPr/>
+          <a:lstStyle/>
+          <a:p>
+            <a:endParaRPr lang="zh-CN" altLang="en-US"/>
+          </a:p>
+        </p:txBody>
+      </p:sp>
+    </p:spTree>
+  </p:cSld>
+  <p:clrMapOvr>
+    <a:masterClrMapping/>
+  </p:clrMapOvr>
+</p:notes>
+</file>
+
+<file path=ppt/notesSlides/notesSlide2.xml><?xml version="1.0" encoding="utf-8"?>
+<p:notes xmlns:a="http://schemas.openxmlformats.org/drawingml/2006/main" xmlns:r="http://schemas.openxmlformats.org/officeDocument/2006/relationships" xmlns:p="http://schemas.openxmlformats.org/presentationml/2006/main">
+  <p:cSld>
+    <p:spTree>
+      <p:nvGrpSpPr>
+        <p:cNvPr id="1" name=""/>
+        <p:cNvGrpSpPr/>
+        <p:nvPr/>
+      </p:nvGrpSpPr>
+      <p:grpSpPr>
+        <a:xfrm>
+          <a:off x="0" y="0"/>
+          <a:ext cx="0" cy="0"/>
+          <a:chOff x="0" y="0"/>
+          <a:chExt cx="0" cy="0"/>
+        </a:xfrm>
+      </p:grpSpPr>
+      <p:sp>
+        <p:nvSpPr>
+          <p:cNvPr id="2" name="幻灯片图像占位符 1"/>
+          <p:cNvSpPr>
+            <a:spLocks noGrp="1" noRot="1" noChangeAspect="1"/>
+          </p:cNvSpPr>
+          <p:nvPr>
+            <p:ph type="sldImg" idx="2"/>
+          </p:nvPr>
+        </p:nvSpPr>
+        <p:spPr/>
+      </p:sp>
+      <p:sp>
+        <p:nvSpPr>
+          <p:cNvPr id="3" name="文本占位符 2"/>
+          <p:cNvSpPr>
+            <a:spLocks noGrp="1"/>
+          </p:cNvSpPr>
+          <p:nvPr>
+            <p:ph type="body" idx="3"/>
+          </p:nvPr>
+        </p:nvSpPr>
+        <p:spPr/>
+        <p:txBody>
+          <a:bodyPr/>
+          <a:lstStyle/>
+          <a:p>
+            <a:endParaRPr lang="zh-CN" altLang="en-US"/>
+          </a:p>
+        </p:txBody>
+      </p:sp>
+    </p:spTree>
+  </p:cSld>
+  <p:clrMapOvr>
+    <a:masterClrMapping/>
+  </p:clrMapOvr>
+</p:notes>
+</file>
+
+<file path=ppt/notesSlides/notesSlide3.xml><?xml version="1.0" encoding="utf-8"?>
+<p:notes xmlns:a="http://schemas.openxmlformats.org/drawingml/2006/main" xmlns:r="http://schemas.openxmlformats.org/officeDocument/2006/relationships" xmlns:p="http://schemas.openxmlformats.org/presentationml/2006/main">
+  <p:cSld>
+    <p:spTree>
+      <p:nvGrpSpPr>
+        <p:cNvPr id="1" name=""/>
+        <p:cNvGrpSpPr/>
+        <p:nvPr/>
+      </p:nvGrpSpPr>
+      <p:grpSpPr>
+        <a:xfrm>
+          <a:off x="0" y="0"/>
+          <a:ext cx="0" cy="0"/>
+          <a:chOff x="0" y="0"/>
+          <a:chExt cx="0" cy="0"/>
+        </a:xfrm>
+      </p:grpSpPr>
+      <p:sp>
+        <p:nvSpPr>
+          <p:cNvPr id="2" name="幻灯片图像占位符 1"/>
+          <p:cNvSpPr>
+            <a:spLocks noGrp="1" noRot="1" noChangeAspect="1"/>
+          </p:cNvSpPr>
+          <p:nvPr>
+            <p:ph type="sldImg" idx="2"/>
+          </p:nvPr>
+        </p:nvSpPr>
+        <p:spPr/>
+      </p:sp>
+      <p:sp>
+        <p:nvSpPr>
+          <p:cNvPr id="3" name="文本占位符 2"/>
+          <p:cNvSpPr>
+            <a:spLocks noGrp="1"/>
+          </p:cNvSpPr>
+          <p:nvPr>
+            <p:ph type="body" idx="3"/>
+          </p:nvPr>
+        </p:nvSpPr>
+        <p:spPr/>
+        <p:txBody>
+          <a:bodyPr/>
+          <a:lstStyle/>
+          <a:p>
+            <a:endParaRPr lang="zh-CN" altLang="en-US"/>
+          </a:p>
+        </p:txBody>
+      </p:sp>
+    </p:spTree>
+  </p:cSld>
+  <p:clrMapOvr>
+    <a:masterClrMapping/>
+  </p:clrMapOvr>
+</p:notes>
+</file>
+
+<file path=ppt/notesSlides/notesSlide4.xml><?xml version="1.0" encoding="utf-8"?>
+<p:notes xmlns:a="http://schemas.openxmlformats.org/drawingml/2006/main" xmlns:r="http://schemas.openxmlformats.org/officeDocument/2006/relationships" xmlns:p="http://schemas.openxmlformats.org/presentationml/2006/main">
+  <p:cSld>
+    <p:spTree>
+      <p:nvGrpSpPr>
+        <p:cNvPr id="1" name=""/>
+        <p:cNvGrpSpPr/>
+        <p:nvPr/>
+      </p:nvGrpSpPr>
+      <p:grpSpPr>
+        <a:xfrm>
+          <a:off x="0" y="0"/>
+          <a:ext cx="0" cy="0"/>
+          <a:chOff x="0" y="0"/>
+          <a:chExt cx="0" cy="0"/>
+        </a:xfrm>
+      </p:grpSpPr>
+      <p:sp>
+        <p:nvSpPr>
+          <p:cNvPr id="2" name="幻灯片图像占位符 1"/>
+          <p:cNvSpPr>
+            <a:spLocks noGrp="1" noRot="1" noChangeAspect="1"/>
+          </p:cNvSpPr>
+          <p:nvPr>
+            <p:ph type="sldImg" idx="2"/>
+          </p:nvPr>
+        </p:nvSpPr>
+        <p:spPr/>
+      </p:sp>
+      <p:sp>
+        <p:nvSpPr>
+          <p:cNvPr id="3" name="文本占位符 2"/>
+          <p:cNvSpPr>
+            <a:spLocks noGrp="1"/>
+          </p:cNvSpPr>
+          <p:nvPr>
+            <p:ph type="body" idx="3"/>
+          </p:nvPr>
+        </p:nvSpPr>
+        <p:spPr/>
+        <p:txBody>
+          <a:bodyPr/>
+          <a:lstStyle/>
+          <a:p>
+            <a:endParaRPr lang="zh-CN" altLang="en-US"/>
+          </a:p>
+        </p:txBody>
+      </p:sp>
+    </p:spTree>
+  </p:cSld>
+  <p:clrMapOvr>
+    <a:masterClrMapping/>
+  </p:clrMapOvr>
+</p:notes>
+</file>
+
+<file path=ppt/notesSlides/notesSlide5.xml><?xml version="1.0" encoding="utf-8"?>
+<p:notes xmlns:a="http://schemas.openxmlformats.org/drawingml/2006/main" xmlns:r="http://schemas.openxmlformats.org/officeDocument/2006/relationships" xmlns:p="http://schemas.openxmlformats.org/presentationml/2006/main">
+  <p:cSld>
+    <p:spTree>
+      <p:nvGrpSpPr>
+        <p:cNvPr id="1" name=""/>
+        <p:cNvGrpSpPr/>
+        <p:nvPr/>
+      </p:nvGrpSpPr>
+      <p:grpSpPr>
+        <a:xfrm>
+          <a:off x="0" y="0"/>
+          <a:ext cx="0" cy="0"/>
+          <a:chOff x="0" y="0"/>
+          <a:chExt cx="0" cy="0"/>
+        </a:xfrm>
+      </p:grpSpPr>
+      <p:sp>
+        <p:nvSpPr>
+          <p:cNvPr id="2" name="幻灯片图像占位符 1"/>
+          <p:cNvSpPr>
+            <a:spLocks noGrp="1" noRot="1" noChangeAspect="1"/>
+          </p:cNvSpPr>
+          <p:nvPr>
+            <p:ph type="sldImg" idx="2"/>
+          </p:nvPr>
+        </p:nvSpPr>
+        <p:spPr/>
+      </p:sp>
+      <p:sp>
+        <p:nvSpPr>
+          <p:cNvPr id="3" name="文本占位符 2"/>
+          <p:cNvSpPr>
+            <a:spLocks noGrp="1"/>
+          </p:cNvSpPr>
+          <p:nvPr>
+            <p:ph type="body" idx="3"/>
+          </p:nvPr>
+        </p:nvSpPr>
+        <p:spPr/>
+        <p:txBody>
+          <a:bodyPr/>
+          <a:lstStyle/>
+          <a:p>
+            <a:endParaRPr lang="zh-CN" altLang="en-US"/>
+          </a:p>
+        </p:txBody>
+      </p:sp>
+    </p:spTree>
+  </p:cSld>
+  <p:clrMapOvr>
+    <a:masterClrMapping/>
+  </p:clrMapOvr>
+</p:notes>
+</file>
+
+<file path=ppt/notesSlides/notesSlide6.xml><?xml version="1.0" encoding="utf-8"?>
+<p:notes xmlns:a="http://schemas.openxmlformats.org/drawingml/2006/main" xmlns:r="http://schemas.openxmlformats.org/officeDocument/2006/relationships" xmlns:p="http://schemas.openxmlformats.org/presentationml/2006/main">
+  <p:cSld>
+    <p:spTree>
+      <p:nvGrpSpPr>
+        <p:cNvPr id="1" name=""/>
+        <p:cNvGrpSpPr/>
+        <p:nvPr/>
+      </p:nvGrpSpPr>
+      <p:grpSpPr>
+        <a:xfrm>
+          <a:off x="0" y="0"/>
+          <a:ext cx="0" cy="0"/>
+          <a:chOff x="0" y="0"/>
+          <a:chExt cx="0" cy="0"/>
+        </a:xfrm>
+      </p:grpSpPr>
+      <p:sp>
+        <p:nvSpPr>
+          <p:cNvPr id="2" name="幻灯片图像占位符 1"/>
+          <p:cNvSpPr>
+            <a:spLocks noGrp="1" noRot="1" noChangeAspect="1"/>
+          </p:cNvSpPr>
+          <p:nvPr>
+            <p:ph type="sldImg" idx="2"/>
+          </p:nvPr>
+        </p:nvSpPr>
+        <p:spPr/>
+      </p:sp>
+      <p:sp>
+        <p:nvSpPr>
+          <p:cNvPr id="3" name="文本占位符 2"/>
+          <p:cNvSpPr>
+            <a:spLocks noGrp="1"/>
+          </p:cNvSpPr>
+          <p:nvPr>
+            <p:ph type="body" idx="3"/>
+          </p:nvPr>
+        </p:nvSpPr>
+        <p:spPr/>
+        <p:txBody>
+          <a:bodyPr/>
+          <a:lstStyle/>
+          <a:p>
+            <a:endParaRPr lang="zh-CN" altLang="en-US"/>
+          </a:p>
+        </p:txBody>
+      </p:sp>
+    </p:spTree>
+  </p:cSld>
+  <p:clrMapOvr>
+    <a:masterClrMapping/>
+  </p:clrMapOvr>
+</p:notes>
+</file>
+
+<file path=ppt/notesSlides/notesSlide7.xml><?xml version="1.0" encoding="utf-8"?>
+<p:notes xmlns:a="http://schemas.openxmlformats.org/drawingml/2006/main" xmlns:r="http://schemas.openxmlformats.org/officeDocument/2006/relationships" xmlns:p="http://schemas.openxmlformats.org/presentationml/2006/main">
+  <p:cSld>
+    <p:spTree>
+      <p:nvGrpSpPr>
+        <p:cNvPr id="1" name=""/>
+        <p:cNvGrpSpPr/>
+        <p:nvPr/>
+      </p:nvGrpSpPr>
+      <p:grpSpPr>
+        <a:xfrm>
+          <a:off x="0" y="0"/>
+          <a:ext cx="0" cy="0"/>
+          <a:chOff x="0" y="0"/>
+          <a:chExt cx="0" cy="0"/>
+        </a:xfrm>
+      </p:grpSpPr>
+      <p:sp>
+        <p:nvSpPr>
+          <p:cNvPr id="2" name="幻灯片图像占位符 1"/>
+          <p:cNvSpPr>
+            <a:spLocks noGrp="1" noRot="1" noChangeAspect="1"/>
+          </p:cNvSpPr>
+          <p:nvPr>
+            <p:ph type="sldImg" idx="2"/>
+          </p:nvPr>
+        </p:nvSpPr>
+        <p:spPr/>
+      </p:sp>
+      <p:sp>
+        <p:nvSpPr>
+          <p:cNvPr id="3" name="文本占位符 2"/>
+          <p:cNvSpPr>
+            <a:spLocks noGrp="1"/>
+          </p:cNvSpPr>
+          <p:nvPr>
+            <p:ph type="body" idx="3"/>
+          </p:nvPr>
+        </p:nvSpPr>
+        <p:spPr/>
+        <p:txBody>
+          <a:bodyPr/>
+          <a:lstStyle/>
+          <a:p>
+            <a:endParaRPr lang="zh-CN" altLang="en-US"/>
+          </a:p>
+        </p:txBody>
+      </p:sp>
+    </p:spTree>
+  </p:cSld>
+  <p:clrMapOvr>
+    <a:masterClrMapping/>
+  </p:clrMapOvr>
+</p:notes>
+</file>
+
+<file path=ppt/notesSlides/notesSlide8.xml><?xml version="1.0" encoding="utf-8"?>
+<p:notes xmlns:a="http://schemas.openxmlformats.org/drawingml/2006/main" xmlns:r="http://schemas.openxmlformats.org/officeDocument/2006/relationships" xmlns:p="http://schemas.openxmlformats.org/presentationml/2006/main">
+  <p:cSld>
+    <p:spTree>
+      <p:nvGrpSpPr>
+        <p:cNvPr id="1" name=""/>
+        <p:cNvGrpSpPr/>
+        <p:nvPr/>
+      </p:nvGrpSpPr>
+      <p:grpSpPr>
+        <a:xfrm>
+          <a:off x="0" y="0"/>
+          <a:ext cx="0" cy="0"/>
+          <a:chOff x="0" y="0"/>
+          <a:chExt cx="0" cy="0"/>
+        </a:xfrm>
+      </p:grpSpPr>
+      <p:sp>
+        <p:nvSpPr>
+          <p:cNvPr id="2" name="幻灯片图像占位符 1"/>
+          <p:cNvSpPr>
+            <a:spLocks noGrp="1" noRot="1" noChangeAspect="1"/>
+          </p:cNvSpPr>
+          <p:nvPr>
+            <p:ph type="sldImg" idx="2"/>
+          </p:nvPr>
+        </p:nvSpPr>
+        <p:spPr/>
+      </p:sp>
+      <p:sp>
+        <p:nvSpPr>
+          <p:cNvPr id="3" name="文本占位符 2"/>
+          <p:cNvSpPr>
+            <a:spLocks noGrp="1"/>
+          </p:cNvSpPr>
+          <p:nvPr>
+            <p:ph type="body" idx="3"/>
+          </p:nvPr>
+        </p:nvSpPr>
+        <p:spPr/>
+        <p:txBody>
+          <a:bodyPr/>
+          <a:lstStyle/>
+          <a:p>
+            <a:endParaRPr lang="zh-CN" altLang="en-US"/>
+          </a:p>
+        </p:txBody>
+      </p:sp>
+    </p:spTree>
+  </p:cSld>
+  <p:clrMapOvr>
+    <a:masterClrMapping/>
+  </p:clrMapOvr>
+</p:notes>
+</file>
+
+<file path=ppt/notesSlides/notesSlide9.xml><?xml version="1.0" encoding="utf-8"?>
+<p:notes xmlns:a="http://schemas.openxmlformats.org/drawingml/2006/main" xmlns:r="http://schemas.openxmlformats.org/officeDocument/2006/relationships" xmlns:p="http://schemas.openxmlformats.org/presentationml/2006/main">
+  <p:cSld>
+    <p:spTree>
+      <p:nvGrpSpPr>
+        <p:cNvPr id="1" name=""/>
+        <p:cNvGrpSpPr/>
+        <p:nvPr/>
+      </p:nvGrpSpPr>
+      <p:grpSpPr>
+        <a:xfrm>
+          <a:off x="0" y="0"/>
+          <a:ext cx="0" cy="0"/>
+          <a:chOff x="0" y="0"/>
+          <a:chExt cx="0" cy="0"/>
+        </a:xfrm>
+      </p:grpSpPr>
+      <p:sp>
+        <p:nvSpPr>
+          <p:cNvPr id="2" name="幻灯片图像占位符 1"/>
+          <p:cNvSpPr>
+            <a:spLocks noGrp="1" noRot="1" noChangeAspect="1"/>
+          </p:cNvSpPr>
+          <p:nvPr>
+            <p:ph type="sldImg" idx="2"/>
+          </p:nvPr>
+        </p:nvSpPr>
+        <p:spPr/>
+      </p:sp>
+      <p:sp>
+        <p:nvSpPr>
+          <p:cNvPr id="3" name="文本占位符 2"/>
+          <p:cNvSpPr>
+            <a:spLocks noGrp="1"/>
+          </p:cNvSpPr>
+          <p:nvPr>
+            <p:ph type="body" idx="3"/>
+          </p:nvPr>
+        </p:nvSpPr>
+        <p:spPr/>
+        <p:txBody>
+          <a:bodyPr/>
+          <a:lstStyle/>
+          <a:p>
+            <a:endParaRPr lang="zh-CN" altLang="en-US"/>
+          </a:p>
+        </p:txBody>
+      </p:sp>
+    </p:spTree>
+  </p:cSld>
+  <p:clrMapOvr>
+    <a:masterClrMapping/>
+  </p:clrMapOvr>
+</p:notes>
+</file>
+
 <file path=ppt/slideLayouts/slideLayout1.xml><?xml version="1.0" encoding="utf-8"?>
 <p:sldLayout xmlns:a="http://schemas.openxmlformats.org/drawingml/2006/main" xmlns:r="http://schemas.openxmlformats.org/officeDocument/2006/relationships" xmlns:p="http://schemas.openxmlformats.org/presentationml/2006/main" preserve="1" userDrawn="1">
   <p:cSld name="标题和内容">
@@ -1850,13 +2364,181 @@
 </p:sldLayout>
 </file>
 
+<file path=ppt/slideLayouts/slideLayout9.xml><?xml version="1.0" encoding="utf-8"?>
+<p:sldLayout xmlns:a="http://schemas.openxmlformats.org/drawingml/2006/main" xmlns:r="http://schemas.openxmlformats.org/officeDocument/2006/relationships" xmlns:p="http://schemas.openxmlformats.org/presentationml/2006/main" userDrawn="1">
+  <p:cSld name="1_标题和内容">
+    <p:spTree>
+      <p:nvGrpSpPr>
+        <p:cNvPr id="1" name=""/>
+        <p:cNvGrpSpPr/>
+        <p:nvPr/>
+      </p:nvGrpSpPr>
+      <p:grpSpPr>
+        <a:xfrm>
+          <a:off x="0" y="0"/>
+          <a:ext cx="0" cy="0"/>
+          <a:chOff x="0" y="0"/>
+          <a:chExt cx="0" cy="0"/>
+        </a:xfrm>
+      </p:grpSpPr>
+      <p:sp>
+        <p:nvSpPr>
+          <p:cNvPr id="11" name="内容占位符 10"/>
+          <p:cNvSpPr>
+            <a:spLocks noGrp="1"/>
+          </p:cNvSpPr>
+          <p:nvPr>
+            <p:ph sz="quarter" idx="10"/>
+          </p:nvPr>
+        </p:nvSpPr>
+        <p:spPr>
+          <a:xfrm>
+            <a:off x="1142966" y="1285894"/>
+            <a:ext cx="9715500" cy="4643437"/>
+          </a:xfrm>
+          <a:prstGeom prst="rect">
+            <a:avLst/>
+          </a:prstGeom>
+        </p:spPr>
+        <p:txBody>
+          <a:bodyPr/>
+          <a:lstStyle>
+            <a:lvl1pPr>
+              <a:defRPr sz="2800"/>
+            </a:lvl1pPr>
+            <a:lvl2pPr>
+              <a:defRPr sz="2000">
+                <a:solidFill>
+                  <a:schemeClr val="tx1"/>
+                </a:solidFill>
+              </a:defRPr>
+            </a:lvl2pPr>
+            <a:lvl3pPr>
+              <a:defRPr>
+                <a:solidFill>
+                  <a:schemeClr val="tx1"/>
+                </a:solidFill>
+              </a:defRPr>
+            </a:lvl3pPr>
+            <a:lvl4pPr>
+              <a:defRPr>
+                <a:solidFill>
+                  <a:schemeClr val="tx1"/>
+                </a:solidFill>
+              </a:defRPr>
+            </a:lvl4pPr>
+          </a:lstStyle>
+          <a:p>
+            <a:pPr lvl="0"/>
+            <a:r>
+              <a:rPr lang="zh-CN" altLang="en-US" dirty="0" smtClean="0"/>
+              <a:t>单击此处编辑母版文本样式</a:t>
+            </a:r>
+            <a:endParaRPr lang="zh-CN" altLang="en-US" dirty="0" smtClean="0"/>
+          </a:p>
+          <a:p>
+            <a:pPr lvl="1"/>
+            <a:r>
+              <a:rPr lang="zh-CN" altLang="en-US" dirty="0" smtClean="0"/>
+              <a:t>第二级</a:t>
+            </a:r>
+            <a:endParaRPr lang="zh-CN" altLang="en-US" dirty="0" smtClean="0"/>
+          </a:p>
+          <a:p>
+            <a:pPr lvl="2"/>
+            <a:r>
+              <a:rPr lang="zh-CN" altLang="en-US" dirty="0" smtClean="0"/>
+              <a:t>第三级</a:t>
+            </a:r>
+            <a:endParaRPr lang="zh-CN" altLang="en-US" dirty="0" smtClean="0"/>
+          </a:p>
+          <a:p>
+            <a:pPr lvl="3"/>
+            <a:r>
+              <a:rPr lang="zh-CN" altLang="en-US" dirty="0" smtClean="0"/>
+              <a:t>第四级</a:t>
+            </a:r>
+            <a:endParaRPr lang="zh-CN" altLang="en-US" dirty="0" smtClean="0"/>
+          </a:p>
+        </p:txBody>
+      </p:sp>
+      <p:sp>
+        <p:nvSpPr>
+          <p:cNvPr id="13" name="内容占位符 10"/>
+          <p:cNvSpPr>
+            <a:spLocks noGrp="1"/>
+          </p:cNvSpPr>
+          <p:nvPr>
+            <p:ph sz="quarter" idx="11"/>
+          </p:nvPr>
+        </p:nvSpPr>
+        <p:spPr>
+          <a:xfrm>
+            <a:off x="1090714" y="236943"/>
+            <a:ext cx="8191557" cy="490476"/>
+          </a:xfrm>
+          <a:prstGeom prst="rect">
+            <a:avLst/>
+          </a:prstGeom>
+        </p:spPr>
+        <p:txBody>
+          <a:bodyPr/>
+          <a:lstStyle>
+            <a:lvl1pPr>
+              <a:buNone/>
+              <a:defRPr sz="3200" b="0">
+                <a:solidFill>
+                  <a:srgbClr val="C00000"/>
+                </a:solidFill>
+              </a:defRPr>
+            </a:lvl1pPr>
+            <a:lvl2pPr>
+              <a:defRPr sz="2000">
+                <a:solidFill>
+                  <a:schemeClr val="tx1"/>
+                </a:solidFill>
+              </a:defRPr>
+            </a:lvl2pPr>
+            <a:lvl3pPr>
+              <a:defRPr>
+                <a:solidFill>
+                  <a:schemeClr val="tx1"/>
+                </a:solidFill>
+              </a:defRPr>
+            </a:lvl3pPr>
+            <a:lvl4pPr>
+              <a:defRPr>
+                <a:solidFill>
+                  <a:schemeClr val="tx1"/>
+                </a:solidFill>
+              </a:defRPr>
+            </a:lvl4pPr>
+          </a:lstStyle>
+          <a:p>
+            <a:pPr lvl="0"/>
+            <a:r>
+              <a:rPr lang="zh-CN" altLang="en-US" dirty="0" smtClean="0"/>
+              <a:t>单击此处编辑母版文本样式</a:t>
+            </a:r>
+            <a:endParaRPr lang="zh-CN" altLang="en-US" dirty="0" smtClean="0"/>
+          </a:p>
+        </p:txBody>
+      </p:sp>
+    </p:spTree>
+  </p:cSld>
+  <p:clrMapOvr>
+    <a:masterClrMapping/>
+  </p:clrMapOvr>
+</p:sldLayout>
+</file>
+
 <file path=ppt/slideMasters/slideMaster1.xml><?xml version="1.0" encoding="utf-8"?>
 <p:sldMaster xmlns:a="http://schemas.openxmlformats.org/drawingml/2006/main" xmlns:r="http://schemas.openxmlformats.org/officeDocument/2006/relationships" xmlns:p="http://schemas.openxmlformats.org/presentationml/2006/main">
   <p:cSld>
     <p:bg bwMode="auto">
       <p:bgPr>
         <a:blipFill dpi="0" rotWithShape="0">
-          <a:blip r:embed="rId9"/>
+          <a:blip r:embed="rId10"/>
           <a:srcRect/>
           <a:stretch>
             <a:fillRect/>
@@ -1929,7 +2611,7 @@
           <p:nvPr/>
         </p:nvPicPr>
         <p:blipFill>
-          <a:blip r:embed="rId10">
+          <a:blip r:embed="rId11">
             <a:extLst>
               <a:ext uri="{28A0092B-C50C-407E-A947-70E740481C1C}">
                 <a14:useLocalDpi xmlns:a14="http://schemas.microsoft.com/office/drawing/2010/main" val="0"/>
@@ -1983,7 +2665,7 @@
           <p:nvPr/>
         </p:nvPicPr>
         <p:blipFill>
-          <a:blip r:embed="rId11">
+          <a:blip r:embed="rId12">
             <a:extLst>
               <a:ext uri="{28A0092B-C50C-407E-A947-70E740481C1C}">
                 <a14:useLocalDpi xmlns:a14="http://schemas.microsoft.com/office/drawing/2010/main" val="0"/>
@@ -2040,6 +2722,7 @@
     <p:sldLayoutId id="2147483654" r:id="rId6"/>
     <p:sldLayoutId id="2147483655" r:id="rId7"/>
     <p:sldLayoutId id="2147483656" r:id="rId8"/>
+    <p:sldLayoutId id="2147483657" r:id="rId9"/>
   </p:sldLayoutIdLst>
   <p:timing>
     <p:tnLst>
@@ -2757,16 +3440,23 @@
                 <a:latin typeface="微软雅黑" panose="020B0503020204020204" pitchFamily="34" charset="-122"/>
                 <a:ea typeface="宋体" panose="02010600030101010101" pitchFamily="2" charset="-122"/>
               </a:rPr>
-              <a:t>---</a:t>
+              <a:t>---JS</a:t>
             </a:r>
             <a:r>
               <a:rPr>
                 <a:latin typeface="+mj-ea"/>
                 <a:ea typeface="+mj-ea"/>
               </a:rPr>
-              <a:t>事件处理</a:t>
-            </a:r>
-            <a:endParaRPr>
+              <a:t>事件</a:t>
+            </a:r>
+            <a:r>
+              <a:rPr lang="zh-CN">
+                <a:latin typeface="+mj-ea"/>
+                <a:ea typeface="+mj-ea"/>
+              </a:rPr>
+              <a:t>及事件流</a:t>
+            </a:r>
+            <a:endParaRPr lang="zh-CN">
               <a:latin typeface="+mj-ea"/>
               <a:ea typeface="+mj-ea"/>
             </a:endParaRPr>
@@ -2843,7 +3533,7 @@
 </p:sld>
 </file>
 
-<file path=ppt/slides/slide2.xml><?xml version="1.0" encoding="utf-8"?>
+<file path=ppt/slides/slide10.xml><?xml version="1.0" encoding="utf-8"?>
 <p:sld xmlns:a="http://schemas.openxmlformats.org/drawingml/2006/main" xmlns:r="http://schemas.openxmlformats.org/officeDocument/2006/relationships" xmlns:p="http://schemas.openxmlformats.org/presentationml/2006/main">
   <p:cSld>
     <p:spTree>
@@ -2862,467 +3552,748 @@
       </p:grpSpPr>
       <p:sp>
         <p:nvSpPr>
-          <p:cNvPr id="5123" name="AutoShape 6"/>
+          <p:cNvPr id="2" name="内容占位符 1"/>
           <p:cNvSpPr>
-            <a:spLocks noChangeArrowheads="1"/>
+            <a:spLocks noGrp="1"/>
           </p:cNvSpPr>
-          <p:nvPr/>
+          <p:nvPr>
+            <p:ph sz="quarter" idx="10"/>
+          </p:nvPr>
         </p:nvSpPr>
-        <p:spPr bwMode="auto">
+        <p:spPr>
           <a:xfrm>
-            <a:off x="2566988" y="1339851"/>
-            <a:ext cx="6711950" cy="4214813"/>
+            <a:off x="927735" y="783590"/>
+            <a:ext cx="10781665" cy="5269230"/>
           </a:xfrm>
-          <a:prstGeom prst="roundRect">
-            <a:avLst>
-              <a:gd name="adj" fmla="val 16667"/>
-            </a:avLst>
-          </a:prstGeom>
-          <a:noFill/>
-          <a:ln w="28575">
-            <a:solidFill>
-              <a:srgbClr val="C0C0C0"/>
-            </a:solidFill>
-            <a:prstDash val="sysDot"/>
-            <a:round/>
-          </a:ln>
-          <a:extLst>
-            <a:ext uri="{909E8E84-426E-40DD-AFC4-6F175D3DCCD1}">
-              <a14:hiddenFill xmlns:a14="http://schemas.microsoft.com/office/drawing/2010/main">
-                <a:solidFill>
-                  <a:srgbClr val="FFFFFF"/>
-                </a:solidFill>
-              </a14:hiddenFill>
-            </a:ext>
-          </a:extLst>
         </p:spPr>
         <p:txBody>
-          <a:bodyPr wrap="none" anchor="ctr"/>
-          <a:lstStyle>
-            <a:lvl1pPr marL="457200" indent="-457200">
-              <a:defRPr sz="3200">
-                <a:solidFill>
-                  <a:schemeClr val="tx1"/>
-                </a:solidFill>
-                <a:latin typeface="Arial" panose="020B0604020202020204" pitchFamily="34" charset="0"/>
-                <a:ea typeface="微软雅黑" panose="020B0503020204020204" pitchFamily="34" charset="-122"/>
-              </a:defRPr>
-            </a:lvl1pPr>
-            <a:lvl2pPr marL="742950" indent="-285750">
-              <a:defRPr sz="3200">
-                <a:solidFill>
-                  <a:schemeClr val="tx1"/>
-                </a:solidFill>
-                <a:latin typeface="Arial" panose="020B0604020202020204" pitchFamily="34" charset="0"/>
-                <a:ea typeface="微软雅黑" panose="020B0503020204020204" pitchFamily="34" charset="-122"/>
-              </a:defRPr>
-            </a:lvl2pPr>
-            <a:lvl3pPr marL="1143000" indent="-228600">
-              <a:defRPr sz="3200">
-                <a:solidFill>
-                  <a:schemeClr val="tx1"/>
-                </a:solidFill>
-                <a:latin typeface="Arial" panose="020B0604020202020204" pitchFamily="34" charset="0"/>
-                <a:ea typeface="微软雅黑" panose="020B0503020204020204" pitchFamily="34" charset="-122"/>
-              </a:defRPr>
-            </a:lvl3pPr>
-            <a:lvl4pPr marL="1600200" indent="-228600">
-              <a:defRPr sz="3200">
-                <a:solidFill>
-                  <a:schemeClr val="tx1"/>
-                </a:solidFill>
-                <a:latin typeface="Arial" panose="020B0604020202020204" pitchFamily="34" charset="0"/>
-                <a:ea typeface="微软雅黑" panose="020B0503020204020204" pitchFamily="34" charset="-122"/>
-              </a:defRPr>
-            </a:lvl4pPr>
-            <a:lvl5pPr marL="2057400" indent="-228600">
-              <a:defRPr sz="3200">
-                <a:solidFill>
-                  <a:schemeClr val="tx1"/>
-                </a:solidFill>
-                <a:latin typeface="Arial" panose="020B0604020202020204" pitchFamily="34" charset="0"/>
-                <a:ea typeface="微软雅黑" panose="020B0503020204020204" pitchFamily="34" charset="-122"/>
-              </a:defRPr>
-            </a:lvl5pPr>
-            <a:lvl6pPr marL="2514600" indent="-228600" eaLnBrk="0" fontAlgn="base" hangingPunct="0">
-              <a:spcBef>
-                <a:spcPct val="0"/>
-              </a:spcBef>
-              <a:spcAft>
-                <a:spcPct val="0"/>
-              </a:spcAft>
-              <a:defRPr sz="3200">
-                <a:solidFill>
-                  <a:schemeClr val="tx1"/>
-                </a:solidFill>
-                <a:latin typeface="Arial" panose="020B0604020202020204" pitchFamily="34" charset="0"/>
-                <a:ea typeface="微软雅黑" panose="020B0503020204020204" pitchFamily="34" charset="-122"/>
-              </a:defRPr>
-            </a:lvl6pPr>
-            <a:lvl7pPr marL="2971800" indent="-228600" eaLnBrk="0" fontAlgn="base" hangingPunct="0">
-              <a:spcBef>
-                <a:spcPct val="0"/>
-              </a:spcBef>
-              <a:spcAft>
-                <a:spcPct val="0"/>
-              </a:spcAft>
-              <a:defRPr sz="3200">
-                <a:solidFill>
-                  <a:schemeClr val="tx1"/>
-                </a:solidFill>
-                <a:latin typeface="Arial" panose="020B0604020202020204" pitchFamily="34" charset="0"/>
-                <a:ea typeface="微软雅黑" panose="020B0503020204020204" pitchFamily="34" charset="-122"/>
-              </a:defRPr>
-            </a:lvl7pPr>
-            <a:lvl8pPr marL="3429000" indent="-228600" eaLnBrk="0" fontAlgn="base" hangingPunct="0">
-              <a:spcBef>
-                <a:spcPct val="0"/>
-              </a:spcBef>
-              <a:spcAft>
-                <a:spcPct val="0"/>
-              </a:spcAft>
-              <a:defRPr sz="3200">
-                <a:solidFill>
-                  <a:schemeClr val="tx1"/>
-                </a:solidFill>
-                <a:latin typeface="Arial" panose="020B0604020202020204" pitchFamily="34" charset="0"/>
-                <a:ea typeface="微软雅黑" panose="020B0503020204020204" pitchFamily="34" charset="-122"/>
-              </a:defRPr>
-            </a:lvl8pPr>
-            <a:lvl9pPr marL="3886200" indent="-228600" eaLnBrk="0" fontAlgn="base" hangingPunct="0">
-              <a:spcBef>
-                <a:spcPct val="0"/>
-              </a:spcBef>
-              <a:spcAft>
-                <a:spcPct val="0"/>
-              </a:spcAft>
-              <a:defRPr sz="3200">
-                <a:solidFill>
-                  <a:schemeClr val="tx1"/>
-                </a:solidFill>
-                <a:latin typeface="Arial" panose="020B0604020202020204" pitchFamily="34" charset="0"/>
-                <a:ea typeface="微软雅黑" panose="020B0503020204020204" pitchFamily="34" charset="-122"/>
-              </a:defRPr>
-            </a:lvl9pPr>
-          </a:lstStyle>
-          <a:p>
-            <a:pPr algn="l">
+          <a:bodyPr/>
+          <a:lstStyle/>
+          <a:p>
+            <a:pPr>
               <a:lnSpc>
                 <a:spcPct val="150000"/>
               </a:lnSpc>
-              <a:spcBef>
-                <a:spcPts val="1200"/>
-              </a:spcBef>
-              <a:spcAft>
-                <a:spcPts val="1200"/>
-              </a:spcAft>
-              <a:buClr>
-                <a:srgbClr val="92D050"/>
-              </a:buClr>
-              <a:buFont typeface="Wingdings" panose="05000000000000000000" pitchFamily="2" charset="2"/>
-              <a:buChar char="Ø"/>
             </a:pPr>
             <a:r>
-              <a:rPr lang="en-US" altLang="zh-CN" sz="2800" b="1">
-                <a:solidFill>
-                  <a:srgbClr val="FF0000"/>
+              <a:rPr lang="zh-CN" altLang="en-US" sz="3200" dirty="0">
+                <a:solidFill>
+                  <a:schemeClr val="tx1"/>
                 </a:solidFill>
                 <a:sym typeface="+mn-ea"/>
               </a:rPr>
-              <a:t>JS</a:t>
-            </a:r>
-            <a:r>
-              <a:rPr lang="zh-CN" altLang="en-US" sz="2800" b="1">
-                <a:solidFill>
-                  <a:srgbClr val="FF0000"/>
-                </a:solidFill>
-                <a:sym typeface="+mn-ea"/>
-              </a:rPr>
-              <a:t>事件处理</a:t>
-            </a:r>
-            <a:endParaRPr lang="zh-CN" altLang="en-US" sz="2800" b="1">
+              <a:t>咋谈事件对象的属性及方法</a:t>
+            </a:r>
+            <a:endParaRPr lang="zh-CN" altLang="en-US" sz="3200" dirty="0">
               <a:solidFill>
-                <a:srgbClr val="FF0000"/>
+                <a:schemeClr val="tx1"/>
               </a:solidFill>
               <a:sym typeface="+mn-ea"/>
             </a:endParaRPr>
           </a:p>
           <a:p>
-            <a:pPr algn="l">
+            <a:pPr>
               <a:lnSpc>
                 <a:spcPct val="150000"/>
               </a:lnSpc>
-              <a:spcBef>
-                <a:spcPts val="1200"/>
-              </a:spcBef>
-              <a:spcAft>
-                <a:spcPts val="1200"/>
-              </a:spcAft>
-              <a:buClr>
-                <a:srgbClr val="92D050"/>
-              </a:buClr>
-              <a:buFont typeface="Wingdings" panose="05000000000000000000" pitchFamily="2" charset="2"/>
-              <a:buChar char="Ø"/>
             </a:pPr>
             <a:r>
-              <a:rPr lang="en-US" altLang="zh-CN" sz="2800" b="1"/>
-              <a:t>JS</a:t>
-            </a:r>
-            <a:r>
-              <a:rPr lang="zh-CN" altLang="en-US" sz="2800" b="1"/>
-              <a:t>事件处理</a:t>
-            </a:r>
-            <a:endParaRPr lang="zh-CN" altLang="en-US" sz="2800" b="1"/>
-          </a:p>
-          <a:p>
-            <a:pPr algn="l">
+              <a:rPr lang="en-US" altLang="zh-CN" sz="3200" dirty="0">
+                <a:solidFill>
+                  <a:schemeClr val="tx1"/>
+                </a:solidFill>
+                <a:sym typeface="+mn-ea"/>
+              </a:rPr>
+              <a:t>preventbubl</a:t>
+            </a:r>
+            <a:endParaRPr lang="en-US" altLang="zh-CN" sz="3200" dirty="0">
+              <a:solidFill>
+                <a:schemeClr val="tx1"/>
+              </a:solidFill>
+              <a:sym typeface="+mn-ea"/>
+            </a:endParaRPr>
+          </a:p>
+          <a:p>
+            <a:pPr>
               <a:lnSpc>
                 <a:spcPct val="150000"/>
               </a:lnSpc>
-              <a:spcBef>
-                <a:spcPts val="1200"/>
-              </a:spcBef>
-              <a:spcAft>
-                <a:spcPts val="1200"/>
-              </a:spcAft>
-              <a:buClr>
-                <a:srgbClr val="92D050"/>
-              </a:buClr>
-              <a:buFont typeface="Wingdings" panose="05000000000000000000" pitchFamily="2" charset="2"/>
-              <a:buChar char="Ø"/>
             </a:pPr>
             <a:r>
-              <a:rPr lang="en-US" altLang="zh-CN" sz="2800" b="1">
+              <a:rPr lang="en-US" altLang="zh-CN" sz="3200" dirty="0">
+                <a:solidFill>
+                  <a:schemeClr val="tx1"/>
+                </a:solidFill>
                 <a:sym typeface="+mn-ea"/>
               </a:rPr>
-              <a:t>JS</a:t>
-            </a:r>
-            <a:r>
-              <a:rPr lang="zh-CN" altLang="en-US" sz="2800" b="1"/>
-              <a:t>事件处理</a:t>
-            </a:r>
-            <a:endParaRPr lang="zh-CN" altLang="en-US" sz="2800" b="1"/>
+              <a:t>preventdefault</a:t>
+            </a:r>
+            <a:br>
+              <a:rPr lang="zh-CN" altLang="en-US" sz="3200" dirty="0">
+                <a:solidFill>
+                  <a:schemeClr val="tx1"/>
+                </a:solidFill>
+                <a:sym typeface="+mn-ea"/>
+              </a:rPr>
+            </a:br>
+            <a:endParaRPr lang="zh-CN" altLang="en-US" sz="2000" dirty="0">
+              <a:solidFill>
+                <a:schemeClr val="tx1"/>
+              </a:solidFill>
+              <a:sym typeface="+mn-ea"/>
+            </a:endParaRPr>
+          </a:p>
+          <a:p>
+            <a:pPr marL="0" indent="0">
+              <a:lnSpc>
+                <a:spcPct val="150000"/>
+              </a:lnSpc>
+              <a:buNone/>
+            </a:pPr>
+            <a:endParaRPr lang="en-US" altLang="zh-CN" sz="2000" dirty="0">
+              <a:solidFill>
+                <a:schemeClr val="tx1"/>
+              </a:solidFill>
+              <a:sym typeface="+mn-ea"/>
+            </a:endParaRPr>
+          </a:p>
+          <a:p>
+            <a:pPr marL="0" indent="0">
+              <a:lnSpc>
+                <a:spcPct val="160000"/>
+              </a:lnSpc>
+              <a:buNone/>
+            </a:pPr>
+            <a:endParaRPr lang="en-US" altLang="zh-CN" sz="1800" dirty="0">
+              <a:solidFill>
+                <a:schemeClr val="tx1"/>
+              </a:solidFill>
+              <a:sym typeface="+mn-ea"/>
+            </a:endParaRPr>
           </a:p>
         </p:txBody>
       </p:sp>
       <p:sp>
         <p:nvSpPr>
-          <p:cNvPr id="4" name="内容占位符 3"/>
+          <p:cNvPr id="3" name="内容占位符 2"/>
+          <p:cNvSpPr>
+            <a:spLocks noGrp="1"/>
+          </p:cNvSpPr>
+          <p:nvPr>
+            <p:ph sz="quarter" idx="11"/>
+          </p:nvPr>
+        </p:nvSpPr>
+        <p:spPr>
+          <a:xfrm>
+            <a:off x="947204" y="236943"/>
+            <a:ext cx="8191557" cy="490476"/>
+          </a:xfrm>
+        </p:spPr>
+        <p:txBody>
+          <a:bodyPr/>
+          <a:lstStyle/>
+          <a:p>
+            <a:r>
+              <a:rPr lang="en-US" altLang="zh-CN" dirty="0"/>
+              <a:t>JS</a:t>
+            </a:r>
+            <a:r>
+              <a:rPr lang="zh-CN" altLang="en-US" dirty="0"/>
+              <a:t>事件概述</a:t>
+            </a:r>
+            <a:endParaRPr lang="en-US" altLang="zh-CN" dirty="0"/>
+          </a:p>
+        </p:txBody>
+      </p:sp>
+      <p:sp>
+        <p:nvSpPr>
+          <p:cNvPr id="6" name="文本框 5"/>
           <p:cNvSpPr txBox="1"/>
           <p:nvPr/>
         </p:nvSpPr>
         <p:spPr>
           <a:xfrm>
-            <a:off x="981657" y="236943"/>
-            <a:ext cx="8191557" cy="490476"/>
+            <a:off x="5575300" y="6339840"/>
+            <a:ext cx="5033010" cy="398780"/>
+          </a:xfrm>
+          <a:prstGeom prst="rect">
+            <a:avLst/>
+          </a:prstGeom>
+          <a:noFill/>
+        </p:spPr>
+        <p:txBody>
+          <a:bodyPr wrap="square" rtlCol="0">
+            <a:spAutoFit/>
+          </a:bodyPr>
+          <a:lstStyle/>
+          <a:p>
+            <a:r>
+              <a:rPr lang="zh-CN" altLang="en-US" sz="2000">
+                <a:solidFill>
+                  <a:srgbClr val="FF0000"/>
+                </a:solidFill>
+              </a:rPr>
+              <a:t>参见实例</a:t>
+            </a:r>
+            <a:r>
+              <a:rPr lang="en-US" altLang="zh-CN" sz="2000">
+                <a:solidFill>
+                  <a:srgbClr val="FF0000"/>
+                </a:solidFill>
+              </a:rPr>
+              <a:t>index03.html </a:t>
+            </a:r>
+            <a:r>
+              <a:rPr lang="zh-CN" altLang="en-US" sz="2000">
+                <a:solidFill>
+                  <a:srgbClr val="FF0000"/>
+                </a:solidFill>
+              </a:rPr>
+              <a:t>和 </a:t>
+            </a:r>
+            <a:r>
+              <a:rPr lang="en-US" altLang="zh-CN" sz="2000">
+                <a:solidFill>
+                  <a:srgbClr val="FF0000"/>
+                </a:solidFill>
+              </a:rPr>
+              <a:t>demo03.js</a:t>
+            </a:r>
+            <a:endParaRPr lang="en-US" altLang="zh-CN" sz="2000">
+              <a:solidFill>
+                <a:srgbClr val="FF0000"/>
+              </a:solidFill>
+            </a:endParaRPr>
+          </a:p>
+        </p:txBody>
+      </p:sp>
+    </p:spTree>
+  </p:cSld>
+  <p:clrMapOvr>
+    <a:masterClrMapping/>
+  </p:clrMapOvr>
+  <p:timing>
+    <p:tnLst>
+      <p:par>
+        <p:cTn id="1" dur="indefinite" restart="never" nodeType="tmRoot">
+          <p:childTnLst>
+            <p:seq concurrent="1" nextAc="seek">
+              <p:cTn id="2" dur="indefinite" nodeType="mainSeq">
+                <p:childTnLst>
+                  <p:par>
+                    <p:cTn id="3" fill="hold">
+                      <p:stCondLst>
+                        <p:cond delay="indefinite"/>
+                      </p:stCondLst>
+                      <p:childTnLst>
+                        <p:par>
+                          <p:cTn id="4" fill="hold">
+                            <p:stCondLst>
+                              <p:cond delay="0"/>
+                            </p:stCondLst>
+                            <p:childTnLst>
+                              <p:par>
+                                <p:cTn id="5" presetID="2" presetClass="entr" presetSubtype="4" fill="hold" nodeType="clickEffect">
+                                  <p:stCondLst>
+                                    <p:cond delay="0"/>
+                                  </p:stCondLst>
+                                  <p:childTnLst>
+                                    <p:set>
+                                      <p:cBhvr>
+                                        <p:cTn id="6" dur="1" fill="hold">
+                                          <p:stCondLst>
+                                            <p:cond delay="0"/>
+                                          </p:stCondLst>
+                                        </p:cTn>
+                                        <p:tgtEl>
+                                          <p:spTgt spid="2">
+                                            <p:txEl>
+                                              <p:pRg st="0" end="0"/>
+                                            </p:txEl>
+                                          </p:spTgt>
+                                        </p:tgtEl>
+                                        <p:attrNameLst>
+                                          <p:attrName>style.visibility</p:attrName>
+                                        </p:attrNameLst>
+                                      </p:cBhvr>
+                                      <p:to>
+                                        <p:strVal val="visible"/>
+                                      </p:to>
+                                    </p:set>
+                                    <p:anim calcmode="lin" valueType="num">
+                                      <p:cBhvr additive="base">
+                                        <p:cTn id="7" dur="500" fill="hold"/>
+                                        <p:tgtEl>
+                                          <p:spTgt spid="2">
+                                            <p:txEl>
+                                              <p:pRg st="0" end="0"/>
+                                            </p:txEl>
+                                          </p:spTgt>
+                                        </p:tgtEl>
+                                        <p:attrNameLst>
+                                          <p:attrName>ppt_x</p:attrName>
+                                        </p:attrNameLst>
+                                      </p:cBhvr>
+                                      <p:tavLst>
+                                        <p:tav tm="0">
+                                          <p:val>
+                                            <p:strVal val="#ppt_x"/>
+                                          </p:val>
+                                        </p:tav>
+                                        <p:tav tm="100000">
+                                          <p:val>
+                                            <p:strVal val="#ppt_x"/>
+                                          </p:val>
+                                        </p:tav>
+                                      </p:tavLst>
+                                    </p:anim>
+                                    <p:anim calcmode="lin" valueType="num">
+                                      <p:cBhvr additive="base">
+                                        <p:cTn id="8" dur="500" fill="hold"/>
+                                        <p:tgtEl>
+                                          <p:spTgt spid="2">
+                                            <p:txEl>
+                                              <p:pRg st="0" end="0"/>
+                                            </p:txEl>
+                                          </p:spTgt>
+                                        </p:tgtEl>
+                                        <p:attrNameLst>
+                                          <p:attrName>ppt_y</p:attrName>
+                                        </p:attrNameLst>
+                                      </p:cBhvr>
+                                      <p:tavLst>
+                                        <p:tav tm="0">
+                                          <p:val>
+                                            <p:strVal val="1+#ppt_h/2"/>
+                                          </p:val>
+                                        </p:tav>
+                                        <p:tav tm="100000">
+                                          <p:val>
+                                            <p:strVal val="#ppt_y"/>
+                                          </p:val>
+                                        </p:tav>
+                                      </p:tavLst>
+                                    </p:anim>
+                                  </p:childTnLst>
+                                </p:cTn>
+                              </p:par>
+                            </p:childTnLst>
+                          </p:cTn>
+                        </p:par>
+                      </p:childTnLst>
+                    </p:cTn>
+                  </p:par>
+                  <p:par>
+                    <p:cTn id="9" fill="hold">
+                      <p:stCondLst>
+                        <p:cond delay="indefinite"/>
+                      </p:stCondLst>
+                      <p:childTnLst>
+                        <p:par>
+                          <p:cTn id="10" fill="hold">
+                            <p:stCondLst>
+                              <p:cond delay="0"/>
+                            </p:stCondLst>
+                            <p:childTnLst>
+                              <p:par>
+                                <p:cTn id="11" presetID="2" presetClass="entr" presetSubtype="4" fill="hold" nodeType="clickEffect">
+                                  <p:stCondLst>
+                                    <p:cond delay="0"/>
+                                  </p:stCondLst>
+                                  <p:childTnLst>
+                                    <p:set>
+                                      <p:cBhvr>
+                                        <p:cTn id="12" dur="1" fill="hold">
+                                          <p:stCondLst>
+                                            <p:cond delay="0"/>
+                                          </p:stCondLst>
+                                        </p:cTn>
+                                        <p:tgtEl>
+                                          <p:spTgt spid="2">
+                                            <p:txEl>
+                                              <p:pRg st="1" end="1"/>
+                                            </p:txEl>
+                                          </p:spTgt>
+                                        </p:tgtEl>
+                                        <p:attrNameLst>
+                                          <p:attrName>style.visibility</p:attrName>
+                                        </p:attrNameLst>
+                                      </p:cBhvr>
+                                      <p:to>
+                                        <p:strVal val="visible"/>
+                                      </p:to>
+                                    </p:set>
+                                    <p:anim calcmode="lin" valueType="num">
+                                      <p:cBhvr additive="base">
+                                        <p:cTn id="13" dur="500" fill="hold"/>
+                                        <p:tgtEl>
+                                          <p:spTgt spid="2">
+                                            <p:txEl>
+                                              <p:pRg st="1" end="1"/>
+                                            </p:txEl>
+                                          </p:spTgt>
+                                        </p:tgtEl>
+                                        <p:attrNameLst>
+                                          <p:attrName>ppt_x</p:attrName>
+                                        </p:attrNameLst>
+                                      </p:cBhvr>
+                                      <p:tavLst>
+                                        <p:tav tm="0">
+                                          <p:val>
+                                            <p:strVal val="#ppt_x"/>
+                                          </p:val>
+                                        </p:tav>
+                                        <p:tav tm="100000">
+                                          <p:val>
+                                            <p:strVal val="#ppt_x"/>
+                                          </p:val>
+                                        </p:tav>
+                                      </p:tavLst>
+                                    </p:anim>
+                                    <p:anim calcmode="lin" valueType="num">
+                                      <p:cBhvr additive="base">
+                                        <p:cTn id="14" dur="500" fill="hold"/>
+                                        <p:tgtEl>
+                                          <p:spTgt spid="2">
+                                            <p:txEl>
+                                              <p:pRg st="1" end="1"/>
+                                            </p:txEl>
+                                          </p:spTgt>
+                                        </p:tgtEl>
+                                        <p:attrNameLst>
+                                          <p:attrName>ppt_y</p:attrName>
+                                        </p:attrNameLst>
+                                      </p:cBhvr>
+                                      <p:tavLst>
+                                        <p:tav tm="0">
+                                          <p:val>
+                                            <p:strVal val="1+#ppt_h/2"/>
+                                          </p:val>
+                                        </p:tav>
+                                        <p:tav tm="100000">
+                                          <p:val>
+                                            <p:strVal val="#ppt_y"/>
+                                          </p:val>
+                                        </p:tav>
+                                      </p:tavLst>
+                                    </p:anim>
+                                  </p:childTnLst>
+                                </p:cTn>
+                              </p:par>
+                            </p:childTnLst>
+                          </p:cTn>
+                        </p:par>
+                      </p:childTnLst>
+                    </p:cTn>
+                  </p:par>
+                  <p:par>
+                    <p:cTn id="15" fill="hold">
+                      <p:stCondLst>
+                        <p:cond delay="indefinite"/>
+                      </p:stCondLst>
+                      <p:childTnLst>
+                        <p:par>
+                          <p:cTn id="16" fill="hold">
+                            <p:stCondLst>
+                              <p:cond delay="0"/>
+                            </p:stCondLst>
+                            <p:childTnLst>
+                              <p:par>
+                                <p:cTn id="17" presetID="2" presetClass="entr" presetSubtype="4" fill="hold" nodeType="clickEffect">
+                                  <p:stCondLst>
+                                    <p:cond delay="0"/>
+                                  </p:stCondLst>
+                                  <p:childTnLst>
+                                    <p:set>
+                                      <p:cBhvr>
+                                        <p:cTn id="18" dur="1" fill="hold">
+                                          <p:stCondLst>
+                                            <p:cond delay="0"/>
+                                          </p:stCondLst>
+                                        </p:cTn>
+                                        <p:tgtEl>
+                                          <p:spTgt spid="2">
+                                            <p:txEl>
+                                              <p:pRg st="2" end="2"/>
+                                            </p:txEl>
+                                          </p:spTgt>
+                                        </p:tgtEl>
+                                        <p:attrNameLst>
+                                          <p:attrName>style.visibility</p:attrName>
+                                        </p:attrNameLst>
+                                      </p:cBhvr>
+                                      <p:to>
+                                        <p:strVal val="visible"/>
+                                      </p:to>
+                                    </p:set>
+                                    <p:anim calcmode="lin" valueType="num">
+                                      <p:cBhvr additive="base">
+                                        <p:cTn id="19" dur="500" fill="hold"/>
+                                        <p:tgtEl>
+                                          <p:spTgt spid="2">
+                                            <p:txEl>
+                                              <p:pRg st="2" end="2"/>
+                                            </p:txEl>
+                                          </p:spTgt>
+                                        </p:tgtEl>
+                                        <p:attrNameLst>
+                                          <p:attrName>ppt_x</p:attrName>
+                                        </p:attrNameLst>
+                                      </p:cBhvr>
+                                      <p:tavLst>
+                                        <p:tav tm="0">
+                                          <p:val>
+                                            <p:strVal val="#ppt_x"/>
+                                          </p:val>
+                                        </p:tav>
+                                        <p:tav tm="100000">
+                                          <p:val>
+                                            <p:strVal val="#ppt_x"/>
+                                          </p:val>
+                                        </p:tav>
+                                      </p:tavLst>
+                                    </p:anim>
+                                    <p:anim calcmode="lin" valueType="num">
+                                      <p:cBhvr additive="base">
+                                        <p:cTn id="20" dur="500" fill="hold"/>
+                                        <p:tgtEl>
+                                          <p:spTgt spid="2">
+                                            <p:txEl>
+                                              <p:pRg st="2" end="2"/>
+                                            </p:txEl>
+                                          </p:spTgt>
+                                        </p:tgtEl>
+                                        <p:attrNameLst>
+                                          <p:attrName>ppt_y</p:attrName>
+                                        </p:attrNameLst>
+                                      </p:cBhvr>
+                                      <p:tavLst>
+                                        <p:tav tm="0">
+                                          <p:val>
+                                            <p:strVal val="1+#ppt_h/2"/>
+                                          </p:val>
+                                        </p:tav>
+                                        <p:tav tm="100000">
+                                          <p:val>
+                                            <p:strVal val="#ppt_y"/>
+                                          </p:val>
+                                        </p:tav>
+                                      </p:tavLst>
+                                    </p:anim>
+                                  </p:childTnLst>
+                                </p:cTn>
+                              </p:par>
+                            </p:childTnLst>
+                          </p:cTn>
+                        </p:par>
+                        <p:par>
+                          <p:cTn id="21" fill="hold">
+                            <p:stCondLst>
+                              <p:cond delay="500"/>
+                            </p:stCondLst>
+                            <p:childTnLst>
+                              <p:par>
+                                <p:cTn id="22" presetID="2" presetClass="entr" presetSubtype="4" fill="hold" grpId="0" nodeType="afterEffect">
+                                  <p:stCondLst>
+                                    <p:cond delay="0"/>
+                                  </p:stCondLst>
+                                  <p:childTnLst>
+                                    <p:set>
+                                      <p:cBhvr>
+                                        <p:cTn id="23" dur="1" fill="hold">
+                                          <p:stCondLst>
+                                            <p:cond delay="0"/>
+                                          </p:stCondLst>
+                                        </p:cTn>
+                                        <p:tgtEl>
+                                          <p:spTgt spid="6"/>
+                                        </p:tgtEl>
+                                        <p:attrNameLst>
+                                          <p:attrName>style.visibility</p:attrName>
+                                        </p:attrNameLst>
+                                      </p:cBhvr>
+                                      <p:to>
+                                        <p:strVal val="visible"/>
+                                      </p:to>
+                                    </p:set>
+                                    <p:anim calcmode="lin" valueType="num">
+                                      <p:cBhvr additive="base">
+                                        <p:cTn id="24" dur="500" fill="hold"/>
+                                        <p:tgtEl>
+                                          <p:spTgt spid="6"/>
+                                        </p:tgtEl>
+                                        <p:attrNameLst>
+                                          <p:attrName>ppt_x</p:attrName>
+                                        </p:attrNameLst>
+                                      </p:cBhvr>
+                                      <p:tavLst>
+                                        <p:tav tm="0">
+                                          <p:val>
+                                            <p:strVal val="#ppt_x"/>
+                                          </p:val>
+                                        </p:tav>
+                                        <p:tav tm="100000">
+                                          <p:val>
+                                            <p:strVal val="#ppt_x"/>
+                                          </p:val>
+                                        </p:tav>
+                                      </p:tavLst>
+                                    </p:anim>
+                                    <p:anim calcmode="lin" valueType="num">
+                                      <p:cBhvr additive="base">
+                                        <p:cTn id="25" dur="500" fill="hold"/>
+                                        <p:tgtEl>
+                                          <p:spTgt spid="6"/>
+                                        </p:tgtEl>
+                                        <p:attrNameLst>
+                                          <p:attrName>ppt_y</p:attrName>
+                                        </p:attrNameLst>
+                                      </p:cBhvr>
+                                      <p:tavLst>
+                                        <p:tav tm="0">
+                                          <p:val>
+                                            <p:strVal val="1+#ppt_h/2"/>
+                                          </p:val>
+                                        </p:tav>
+                                        <p:tav tm="100000">
+                                          <p:val>
+                                            <p:strVal val="#ppt_y"/>
+                                          </p:val>
+                                        </p:tav>
+                                      </p:tavLst>
+                                    </p:anim>
+                                  </p:childTnLst>
+                                </p:cTn>
+                              </p:par>
+                            </p:childTnLst>
+                          </p:cTn>
+                        </p:par>
+                      </p:childTnLst>
+                    </p:cTn>
+                  </p:par>
+                </p:childTnLst>
+              </p:cTn>
+              <p:prevCondLst>
+                <p:cond evt="onPrev" delay="0">
+                  <p:tgtEl>
+                    <p:sldTgt/>
+                  </p:tgtEl>
+                </p:cond>
+              </p:prevCondLst>
+              <p:nextCondLst>
+                <p:cond evt="onNext" delay="0">
+                  <p:tgtEl>
+                    <p:sldTgt/>
+                  </p:tgtEl>
+                </p:cond>
+              </p:nextCondLst>
+            </p:seq>
+          </p:childTnLst>
+        </p:cTn>
+      </p:par>
+    </p:tnLst>
+    <p:bldLst>
+      <p:bldP spid="6" grpId="0"/>
+    </p:bldLst>
+  </p:timing>
+</p:sld>
+</file>
+
+<file path=ppt/slides/slide11.xml><?xml version="1.0" encoding="utf-8"?>
+<p:sld xmlns:a="http://schemas.openxmlformats.org/drawingml/2006/main" xmlns:r="http://schemas.openxmlformats.org/officeDocument/2006/relationships" xmlns:p="http://schemas.openxmlformats.org/presentationml/2006/main">
+  <p:cSld>
+    <p:spTree>
+      <p:nvGrpSpPr>
+        <p:cNvPr id="1" name=""/>
+        <p:cNvGrpSpPr/>
+        <p:nvPr/>
+      </p:nvGrpSpPr>
+      <p:grpSpPr>
+        <a:xfrm>
+          <a:off x="0" y="0"/>
+          <a:ext cx="0" cy="0"/>
+          <a:chOff x="0" y="0"/>
+          <a:chExt cx="0" cy="0"/>
+        </a:xfrm>
+      </p:grpSpPr>
+      <p:pic>
+        <p:nvPicPr>
+          <p:cNvPr id="38916" name="图片 3" descr="软院logo横版.png"/>
+          <p:cNvPicPr>
+            <a:picLocks noChangeAspect="1"/>
+          </p:cNvPicPr>
+          <p:nvPr/>
+        </p:nvPicPr>
+        <p:blipFill>
+          <a:blip r:embed="rId1">
+            <a:extLst>
+              <a:ext uri="{28A0092B-C50C-407E-A947-70E740481C1C}">
+                <a14:useLocalDpi xmlns:a14="http://schemas.microsoft.com/office/drawing/2010/main" val="0"/>
+              </a:ext>
+            </a:extLst>
+          </a:blip>
+          <a:srcRect/>
+          <a:stretch>
+            <a:fillRect/>
+          </a:stretch>
+        </p:blipFill>
+        <p:spPr bwMode="auto">
+          <a:xfrm>
+            <a:off x="2062164" y="5927725"/>
+            <a:ext cx="3381375" cy="527050"/>
+          </a:xfrm>
+          <a:prstGeom prst="rect">
+            <a:avLst/>
+          </a:prstGeom>
+          <a:noFill/>
+          <a:ln>
+            <a:noFill/>
+          </a:ln>
+          <a:extLst>
+            <a:ext uri="{909E8E84-426E-40DD-AFC4-6F175D3DCCD1}">
+              <a14:hiddenFill xmlns:a14="http://schemas.microsoft.com/office/drawing/2010/main">
+                <a:solidFill>
+                  <a:srgbClr val="FFFFFF"/>
+                </a:solidFill>
+              </a14:hiddenFill>
+            </a:ext>
+            <a:ext uri="{91240B29-F687-4F45-9708-019B960494DF}">
+              <a14:hiddenLine xmlns:a14="http://schemas.microsoft.com/office/drawing/2010/main" w="9525">
+                <a:solidFill>
+                  <a:srgbClr val="000000"/>
+                </a:solidFill>
+                <a:miter lim="800000"/>
+                <a:headEnd/>
+                <a:tailEnd/>
+              </a14:hiddenLine>
+            </a:ext>
+          </a:extLst>
+        </p:spPr>
+      </p:pic>
+      <p:pic>
+        <p:nvPicPr>
+          <p:cNvPr id="3" name="图片 2" descr="CY8Y3TX4)Y3`{4%H%DL00)J"/>
+          <p:cNvPicPr>
+            <a:picLocks noChangeAspect="1"/>
+          </p:cNvPicPr>
+          <p:nvPr/>
+        </p:nvPicPr>
+        <p:blipFill>
+          <a:blip r:embed="rId2"/>
+          <a:stretch>
+            <a:fillRect/>
+          </a:stretch>
+        </p:blipFill>
+        <p:spPr>
+          <a:xfrm>
+            <a:off x="1784985" y="1202690"/>
+            <a:ext cx="5238115" cy="2257425"/>
           </a:xfrm>
           <a:prstGeom prst="rect">
             <a:avLst/>
           </a:prstGeom>
         </p:spPr>
-        <p:txBody>
-          <a:bodyPr/>
-          <a:lstStyle>
-            <a:lvl1pPr marL="167005" indent="-167005" algn="l" defTabSz="0" rtl="0" eaLnBrk="0" fontAlgn="base" hangingPunct="0">
-              <a:spcBef>
-                <a:spcPct val="0"/>
-              </a:spcBef>
-              <a:spcAft>
-                <a:spcPct val="15000"/>
-              </a:spcAft>
-              <a:buClr>
-                <a:schemeClr val="tx2"/>
-              </a:buClr>
-              <a:buFont typeface="Arial" panose="020B0604020202020204" pitchFamily="34" charset="0"/>
-              <a:buChar char="•"/>
-              <a:defRPr kumimoji="1" sz="1600">
-                <a:solidFill>
-                  <a:srgbClr val="006F53"/>
-                </a:solidFill>
-                <a:latin typeface="微软雅黑" panose="020B0503020204020204" pitchFamily="34" charset="-122"/>
-                <a:ea typeface="微软雅黑" panose="020B0503020204020204" pitchFamily="34" charset="-122"/>
-                <a:cs typeface="微软雅黑" panose="020B0503020204020204" pitchFamily="34" charset="-122"/>
-              </a:defRPr>
-            </a:lvl1pPr>
-            <a:lvl2pPr marL="398780" indent="-230505" algn="l" defTabSz="0" rtl="0" eaLnBrk="0" fontAlgn="base" hangingPunct="0">
-              <a:spcBef>
-                <a:spcPct val="0"/>
-              </a:spcBef>
-              <a:spcAft>
-                <a:spcPct val="15000"/>
-              </a:spcAft>
-              <a:buClr>
-                <a:schemeClr val="tx2"/>
-              </a:buClr>
-              <a:buFont typeface="Arial" panose="020B0604020202020204" pitchFamily="34" charset="0"/>
-              <a:buChar char="–"/>
-              <a:defRPr kumimoji="1" sz="2800">
-                <a:solidFill>
-                  <a:schemeClr val="bg2"/>
-                </a:solidFill>
-                <a:latin typeface="微软雅黑" panose="020B0503020204020204" pitchFamily="34" charset="-122"/>
-                <a:ea typeface="微软雅黑" panose="020B0503020204020204" pitchFamily="34" charset="-122"/>
-                <a:cs typeface="微软雅黑" panose="020B0503020204020204" pitchFamily="34" charset="-122"/>
-              </a:defRPr>
-            </a:lvl2pPr>
-            <a:lvl3pPr marL="400050" indent="182880" algn="l" defTabSz="0" rtl="0" eaLnBrk="0" fontAlgn="base" hangingPunct="0">
-              <a:spcBef>
-                <a:spcPct val="0"/>
-              </a:spcBef>
-              <a:spcAft>
-                <a:spcPct val="15000"/>
-              </a:spcAft>
-              <a:buClr>
-                <a:schemeClr val="tx2"/>
-              </a:buClr>
-              <a:buFont typeface="Arial" panose="020B0604020202020204" pitchFamily="34" charset="0"/>
-              <a:buChar char="•"/>
-              <a:defRPr kumimoji="1" sz="1600">
-                <a:solidFill>
-                  <a:schemeClr val="bg2"/>
-                </a:solidFill>
-                <a:latin typeface="微软雅黑" panose="020B0503020204020204" pitchFamily="34" charset="-122"/>
-                <a:ea typeface="微软雅黑" panose="020B0503020204020204" pitchFamily="34" charset="-122"/>
-                <a:cs typeface="微软雅黑" panose="020B0503020204020204" pitchFamily="34" charset="-122"/>
-              </a:defRPr>
-            </a:lvl3pPr>
-            <a:lvl4pPr marL="825500" indent="-241300" algn="l" defTabSz="0" rtl="0" eaLnBrk="0" fontAlgn="base" hangingPunct="0">
-              <a:spcBef>
-                <a:spcPct val="0"/>
-              </a:spcBef>
-              <a:spcAft>
-                <a:spcPct val="15000"/>
-              </a:spcAft>
-              <a:buClr>
-                <a:schemeClr val="tx2"/>
-              </a:buClr>
-              <a:buFont typeface="Arial" panose="020B0604020202020204" pitchFamily="34" charset="0"/>
-              <a:buChar char="–"/>
-              <a:defRPr kumimoji="1" sz="1600">
-                <a:solidFill>
-                  <a:schemeClr val="bg2"/>
-                </a:solidFill>
-                <a:latin typeface="微软雅黑" panose="020B0503020204020204" pitchFamily="34" charset="-122"/>
-                <a:ea typeface="微软雅黑" panose="020B0503020204020204" pitchFamily="34" charset="-122"/>
-                <a:cs typeface="微软雅黑" panose="020B0503020204020204" pitchFamily="34" charset="-122"/>
-              </a:defRPr>
-            </a:lvl4pPr>
-            <a:lvl5pPr marL="2057400" indent="-228600" algn="l" defTabSz="0" rtl="0" eaLnBrk="0" fontAlgn="base" hangingPunct="0">
-              <a:spcBef>
-                <a:spcPct val="0"/>
-              </a:spcBef>
-              <a:spcAft>
-                <a:spcPct val="25000"/>
-              </a:spcAft>
-              <a:buClr>
-                <a:schemeClr val="tx2"/>
-              </a:buClr>
-              <a:buFont typeface="Arial" panose="020B0604020202020204" pitchFamily="34" charset="0"/>
-              <a:buChar char="–"/>
-              <a:defRPr kumimoji="1" sz="2000">
-                <a:solidFill>
-                  <a:schemeClr val="tx1"/>
-                </a:solidFill>
-                <a:latin typeface="+mn-lt"/>
-                <a:ea typeface="微软雅黑" panose="020B0503020204020204" pitchFamily="34" charset="-122"/>
-                <a:cs typeface="微软雅黑" panose="020B0503020204020204" pitchFamily="34" charset="-122"/>
-              </a:defRPr>
-            </a:lvl5pPr>
-            <a:lvl6pPr marL="2514600" indent="-228600" algn="l" defTabSz="0" rtl="0" eaLnBrk="0" fontAlgn="base" hangingPunct="0">
-              <a:spcBef>
-                <a:spcPct val="0"/>
-              </a:spcBef>
-              <a:spcAft>
-                <a:spcPct val="25000"/>
-              </a:spcAft>
-              <a:buClr>
-                <a:schemeClr val="tx2"/>
-              </a:buClr>
-              <a:buFont typeface="Arial" panose="020B0604020202020204" pitchFamily="34" charset="0"/>
-              <a:buChar char="–"/>
-              <a:defRPr>
-                <a:solidFill>
-                  <a:schemeClr val="tx1"/>
-                </a:solidFill>
-                <a:latin typeface="+mn-lt"/>
-              </a:defRPr>
-            </a:lvl6pPr>
-            <a:lvl7pPr marL="2971800" indent="-228600" algn="l" defTabSz="0" rtl="0" eaLnBrk="0" fontAlgn="base" hangingPunct="0">
-              <a:spcBef>
-                <a:spcPct val="0"/>
-              </a:spcBef>
-              <a:spcAft>
-                <a:spcPct val="25000"/>
-              </a:spcAft>
-              <a:buClr>
-                <a:schemeClr val="tx2"/>
-              </a:buClr>
-              <a:buFont typeface="Arial" panose="020B0604020202020204" pitchFamily="34" charset="0"/>
-              <a:buChar char="–"/>
-              <a:defRPr>
-                <a:solidFill>
-                  <a:schemeClr val="tx1"/>
-                </a:solidFill>
-                <a:latin typeface="+mn-lt"/>
-              </a:defRPr>
-            </a:lvl7pPr>
-            <a:lvl8pPr marL="3429000" indent="-228600" algn="l" defTabSz="0" rtl="0" eaLnBrk="0" fontAlgn="base" hangingPunct="0">
-              <a:spcBef>
-                <a:spcPct val="0"/>
-              </a:spcBef>
-              <a:spcAft>
-                <a:spcPct val="25000"/>
-              </a:spcAft>
-              <a:buClr>
-                <a:schemeClr val="tx2"/>
-              </a:buClr>
-              <a:buFont typeface="Arial" panose="020B0604020202020204" pitchFamily="34" charset="0"/>
-              <a:buChar char="–"/>
-              <a:defRPr>
-                <a:solidFill>
-                  <a:schemeClr val="tx1"/>
-                </a:solidFill>
-                <a:latin typeface="+mn-lt"/>
-              </a:defRPr>
-            </a:lvl8pPr>
-            <a:lvl9pPr marL="3886200" indent="-228600" algn="l" defTabSz="0" rtl="0" eaLnBrk="0" fontAlgn="base" hangingPunct="0">
-              <a:spcBef>
-                <a:spcPct val="0"/>
-              </a:spcBef>
-              <a:spcAft>
-                <a:spcPct val="25000"/>
-              </a:spcAft>
-              <a:buClr>
-                <a:schemeClr val="tx2"/>
-              </a:buClr>
-              <a:buFont typeface="Arial" panose="020B0604020202020204" pitchFamily="34" charset="0"/>
-              <a:buChar char="–"/>
-              <a:defRPr>
-                <a:solidFill>
-                  <a:schemeClr val="tx1"/>
-                </a:solidFill>
-                <a:latin typeface="+mn-lt"/>
-              </a:defRPr>
-            </a:lvl9pPr>
-          </a:lstStyle>
-          <a:p>
-            <a:pPr marL="0" indent="0">
-              <a:buNone/>
-            </a:pPr>
-            <a:r>
-              <a:rPr lang="zh-CN" altLang="en-US" sz="3200" dirty="0" smtClean="0">
-                <a:solidFill>
-                  <a:srgbClr val="C00000"/>
-                </a:solidFill>
-                <a:cs typeface="+mn-cs"/>
-                <a:sym typeface="+mn-ea"/>
-              </a:rPr>
-              <a:t>内容提纲</a:t>
-            </a:r>
-            <a:endParaRPr lang="zh-CN" altLang="en-US" kern="0" dirty="0"/>
-          </a:p>
-        </p:txBody>
-      </p:sp>
+      </p:pic>
     </p:spTree>
   </p:cSld>
   <p:clrMapOvr>
@@ -3338,7 +4309,7 @@
 </p:sld>
 </file>
 
-<file path=ppt/slides/slide3.xml><?xml version="1.0" encoding="utf-8"?>
+<file path=ppt/slides/slide12.xml><?xml version="1.0" encoding="utf-8"?>
 <p:sld xmlns:a="http://schemas.openxmlformats.org/drawingml/2006/main" xmlns:r="http://schemas.openxmlformats.org/officeDocument/2006/relationships" xmlns:p="http://schemas.openxmlformats.org/presentationml/2006/main">
   <p:cSld>
     <p:spTree>
@@ -3538,6 +4509,5017 @@
         <p:cTn id="1" dur="indefinite" restart="never" nodeType="tmRoot"/>
       </p:par>
     </p:tnLst>
+  </p:timing>
+</p:sld>
+</file>
+
+<file path=ppt/slides/slide13.xml><?xml version="1.0" encoding="utf-8"?>
+<p:sld xmlns:a="http://schemas.openxmlformats.org/drawingml/2006/main" xmlns:r="http://schemas.openxmlformats.org/officeDocument/2006/relationships" xmlns:p="http://schemas.openxmlformats.org/presentationml/2006/main">
+  <p:cSld>
+    <p:spTree>
+      <p:nvGrpSpPr>
+        <p:cNvPr id="1" name=""/>
+        <p:cNvGrpSpPr/>
+        <p:nvPr/>
+      </p:nvGrpSpPr>
+      <p:grpSpPr>
+        <a:xfrm>
+          <a:off x="0" y="0"/>
+          <a:ext cx="0" cy="0"/>
+          <a:chOff x="0" y="0"/>
+          <a:chExt cx="0" cy="0"/>
+        </a:xfrm>
+      </p:grpSpPr>
+      <p:sp>
+        <p:nvSpPr>
+          <p:cNvPr id="2" name="内容占位符 1"/>
+          <p:cNvSpPr>
+            <a:spLocks noGrp="1"/>
+          </p:cNvSpPr>
+          <p:nvPr>
+            <p:ph sz="quarter" idx="10"/>
+          </p:nvPr>
+        </p:nvSpPr>
+        <p:spPr>
+          <a:xfrm>
+            <a:off x="927735" y="783590"/>
+            <a:ext cx="10781665" cy="5269230"/>
+          </a:xfrm>
+        </p:spPr>
+        <p:txBody>
+          <a:bodyPr/>
+          <a:lstStyle/>
+          <a:p>
+            <a:pPr>
+              <a:lnSpc>
+                <a:spcPct val="150000"/>
+              </a:lnSpc>
+            </a:pPr>
+            <a:r>
+              <a:rPr lang="zh-CN" altLang="en-US" sz="3200" dirty="0">
+                <a:solidFill>
+                  <a:schemeClr val="tx1"/>
+                </a:solidFill>
+                <a:sym typeface="+mn-ea"/>
+              </a:rPr>
+              <a:t>咋谈事件对象的属性及方法</a:t>
+            </a:r>
+            <a:br>
+              <a:rPr lang="zh-CN" altLang="en-US" sz="3200" dirty="0">
+                <a:solidFill>
+                  <a:schemeClr val="tx1"/>
+                </a:solidFill>
+                <a:sym typeface="+mn-ea"/>
+              </a:rPr>
+            </a:br>
+            <a:endParaRPr lang="zh-CN" altLang="en-US" sz="2000" dirty="0">
+              <a:solidFill>
+                <a:schemeClr val="tx1"/>
+              </a:solidFill>
+              <a:sym typeface="+mn-ea"/>
+            </a:endParaRPr>
+          </a:p>
+          <a:p>
+            <a:pPr marL="0" indent="0">
+              <a:lnSpc>
+                <a:spcPct val="150000"/>
+              </a:lnSpc>
+              <a:buNone/>
+            </a:pPr>
+            <a:endParaRPr lang="en-US" altLang="zh-CN" sz="2000" dirty="0">
+              <a:solidFill>
+                <a:schemeClr val="tx1"/>
+              </a:solidFill>
+              <a:sym typeface="+mn-ea"/>
+            </a:endParaRPr>
+          </a:p>
+          <a:p>
+            <a:pPr marL="0" indent="0">
+              <a:lnSpc>
+                <a:spcPct val="160000"/>
+              </a:lnSpc>
+              <a:buNone/>
+            </a:pPr>
+            <a:endParaRPr lang="en-US" altLang="zh-CN" sz="1800" dirty="0">
+              <a:solidFill>
+                <a:schemeClr val="tx1"/>
+              </a:solidFill>
+              <a:sym typeface="+mn-ea"/>
+            </a:endParaRPr>
+          </a:p>
+        </p:txBody>
+      </p:sp>
+      <p:sp>
+        <p:nvSpPr>
+          <p:cNvPr id="3" name="内容占位符 2"/>
+          <p:cNvSpPr>
+            <a:spLocks noGrp="1"/>
+          </p:cNvSpPr>
+          <p:nvPr>
+            <p:ph sz="quarter" idx="11"/>
+          </p:nvPr>
+        </p:nvSpPr>
+        <p:spPr>
+          <a:xfrm>
+            <a:off x="947204" y="236943"/>
+            <a:ext cx="8191557" cy="490476"/>
+          </a:xfrm>
+        </p:spPr>
+        <p:txBody>
+          <a:bodyPr/>
+          <a:lstStyle/>
+          <a:p>
+            <a:r>
+              <a:rPr lang="zh-CN" altLang="en-US" dirty="0"/>
+              <a:t>补充：事件对象兼容性问题</a:t>
+            </a:r>
+            <a:endParaRPr lang="zh-CN" altLang="en-US" dirty="0"/>
+          </a:p>
+        </p:txBody>
+      </p:sp>
+      <p:sp>
+        <p:nvSpPr>
+          <p:cNvPr id="6" name="文本框 5"/>
+          <p:cNvSpPr txBox="1"/>
+          <p:nvPr/>
+        </p:nvSpPr>
+        <p:spPr>
+          <a:xfrm>
+            <a:off x="5575300" y="6339840"/>
+            <a:ext cx="5033010" cy="398780"/>
+          </a:xfrm>
+          <a:prstGeom prst="rect">
+            <a:avLst/>
+          </a:prstGeom>
+          <a:noFill/>
+        </p:spPr>
+        <p:txBody>
+          <a:bodyPr wrap="square" rtlCol="0">
+            <a:spAutoFit/>
+          </a:bodyPr>
+          <a:lstStyle/>
+          <a:p>
+            <a:r>
+              <a:rPr lang="zh-CN" altLang="en-US" sz="2000">
+                <a:solidFill>
+                  <a:srgbClr val="FF0000"/>
+                </a:solidFill>
+              </a:rPr>
+              <a:t>参见实例</a:t>
+            </a:r>
+            <a:r>
+              <a:rPr lang="en-US" altLang="zh-CN" sz="2000">
+                <a:solidFill>
+                  <a:srgbClr val="FF0000"/>
+                </a:solidFill>
+              </a:rPr>
+              <a:t>index03.html </a:t>
+            </a:r>
+            <a:r>
+              <a:rPr lang="zh-CN" altLang="en-US" sz="2000">
+                <a:solidFill>
+                  <a:srgbClr val="FF0000"/>
+                </a:solidFill>
+              </a:rPr>
+              <a:t>和 </a:t>
+            </a:r>
+            <a:r>
+              <a:rPr lang="en-US" altLang="zh-CN" sz="2000">
+                <a:solidFill>
+                  <a:srgbClr val="FF0000"/>
+                </a:solidFill>
+              </a:rPr>
+              <a:t>demo03.js</a:t>
+            </a:r>
+            <a:endParaRPr lang="en-US" altLang="zh-CN" sz="2000">
+              <a:solidFill>
+                <a:srgbClr val="FF0000"/>
+              </a:solidFill>
+            </a:endParaRPr>
+          </a:p>
+        </p:txBody>
+      </p:sp>
+    </p:spTree>
+  </p:cSld>
+  <p:clrMapOvr>
+    <a:masterClrMapping/>
+  </p:clrMapOvr>
+  <p:timing>
+    <p:tnLst>
+      <p:par>
+        <p:cTn id="1" dur="indefinite" restart="never" nodeType="tmRoot">
+          <p:childTnLst>
+            <p:seq concurrent="1" nextAc="seek">
+              <p:cTn id="2" dur="indefinite" nodeType="mainSeq">
+                <p:childTnLst>
+                  <p:par>
+                    <p:cTn id="3" fill="hold">
+                      <p:stCondLst>
+                        <p:cond delay="indefinite"/>
+                      </p:stCondLst>
+                      <p:childTnLst>
+                        <p:par>
+                          <p:cTn id="4" fill="hold">
+                            <p:stCondLst>
+                              <p:cond delay="0"/>
+                            </p:stCondLst>
+                            <p:childTnLst>
+                              <p:par>
+                                <p:cTn id="5" presetID="2" presetClass="entr" presetSubtype="4" fill="hold" nodeType="clickEffect">
+                                  <p:stCondLst>
+                                    <p:cond delay="0"/>
+                                  </p:stCondLst>
+                                  <p:childTnLst>
+                                    <p:set>
+                                      <p:cBhvr>
+                                        <p:cTn id="6" dur="1" fill="hold">
+                                          <p:stCondLst>
+                                            <p:cond delay="0"/>
+                                          </p:stCondLst>
+                                        </p:cTn>
+                                        <p:tgtEl>
+                                          <p:spTgt spid="2">
+                                            <p:txEl>
+                                              <p:pRg st="0" end="0"/>
+                                            </p:txEl>
+                                          </p:spTgt>
+                                        </p:tgtEl>
+                                        <p:attrNameLst>
+                                          <p:attrName>style.visibility</p:attrName>
+                                        </p:attrNameLst>
+                                      </p:cBhvr>
+                                      <p:to>
+                                        <p:strVal val="visible"/>
+                                      </p:to>
+                                    </p:set>
+                                    <p:anim calcmode="lin" valueType="num">
+                                      <p:cBhvr additive="base">
+                                        <p:cTn id="7" dur="500" fill="hold"/>
+                                        <p:tgtEl>
+                                          <p:spTgt spid="2">
+                                            <p:txEl>
+                                              <p:pRg st="0" end="0"/>
+                                            </p:txEl>
+                                          </p:spTgt>
+                                        </p:tgtEl>
+                                        <p:attrNameLst>
+                                          <p:attrName>ppt_x</p:attrName>
+                                        </p:attrNameLst>
+                                      </p:cBhvr>
+                                      <p:tavLst>
+                                        <p:tav tm="0">
+                                          <p:val>
+                                            <p:strVal val="#ppt_x"/>
+                                          </p:val>
+                                        </p:tav>
+                                        <p:tav tm="100000">
+                                          <p:val>
+                                            <p:strVal val="#ppt_x"/>
+                                          </p:val>
+                                        </p:tav>
+                                      </p:tavLst>
+                                    </p:anim>
+                                    <p:anim calcmode="lin" valueType="num">
+                                      <p:cBhvr additive="base">
+                                        <p:cTn id="8" dur="500" fill="hold"/>
+                                        <p:tgtEl>
+                                          <p:spTgt spid="2">
+                                            <p:txEl>
+                                              <p:pRg st="0" end="0"/>
+                                            </p:txEl>
+                                          </p:spTgt>
+                                        </p:tgtEl>
+                                        <p:attrNameLst>
+                                          <p:attrName>ppt_y</p:attrName>
+                                        </p:attrNameLst>
+                                      </p:cBhvr>
+                                      <p:tavLst>
+                                        <p:tav tm="0">
+                                          <p:val>
+                                            <p:strVal val="1+#ppt_h/2"/>
+                                          </p:val>
+                                        </p:tav>
+                                        <p:tav tm="100000">
+                                          <p:val>
+                                            <p:strVal val="#ppt_y"/>
+                                          </p:val>
+                                        </p:tav>
+                                      </p:tavLst>
+                                    </p:anim>
+                                  </p:childTnLst>
+                                </p:cTn>
+                              </p:par>
+                            </p:childTnLst>
+                          </p:cTn>
+                        </p:par>
+                        <p:par>
+                          <p:cTn id="9" fill="hold">
+                            <p:stCondLst>
+                              <p:cond delay="500"/>
+                            </p:stCondLst>
+                            <p:childTnLst>
+                              <p:par>
+                                <p:cTn id="10" presetID="2" presetClass="entr" presetSubtype="4" fill="hold" grpId="0" nodeType="afterEffect">
+                                  <p:stCondLst>
+                                    <p:cond delay="0"/>
+                                  </p:stCondLst>
+                                  <p:childTnLst>
+                                    <p:set>
+                                      <p:cBhvr>
+                                        <p:cTn id="11" dur="1" fill="hold">
+                                          <p:stCondLst>
+                                            <p:cond delay="0"/>
+                                          </p:stCondLst>
+                                        </p:cTn>
+                                        <p:tgtEl>
+                                          <p:spTgt spid="6"/>
+                                        </p:tgtEl>
+                                        <p:attrNameLst>
+                                          <p:attrName>style.visibility</p:attrName>
+                                        </p:attrNameLst>
+                                      </p:cBhvr>
+                                      <p:to>
+                                        <p:strVal val="visible"/>
+                                      </p:to>
+                                    </p:set>
+                                    <p:anim calcmode="lin" valueType="num">
+                                      <p:cBhvr additive="base">
+                                        <p:cTn id="12" dur="500" fill="hold"/>
+                                        <p:tgtEl>
+                                          <p:spTgt spid="6"/>
+                                        </p:tgtEl>
+                                        <p:attrNameLst>
+                                          <p:attrName>ppt_x</p:attrName>
+                                        </p:attrNameLst>
+                                      </p:cBhvr>
+                                      <p:tavLst>
+                                        <p:tav tm="0">
+                                          <p:val>
+                                            <p:strVal val="#ppt_x"/>
+                                          </p:val>
+                                        </p:tav>
+                                        <p:tav tm="100000">
+                                          <p:val>
+                                            <p:strVal val="#ppt_x"/>
+                                          </p:val>
+                                        </p:tav>
+                                      </p:tavLst>
+                                    </p:anim>
+                                    <p:anim calcmode="lin" valueType="num">
+                                      <p:cBhvr additive="base">
+                                        <p:cTn id="13" dur="500" fill="hold"/>
+                                        <p:tgtEl>
+                                          <p:spTgt spid="6"/>
+                                        </p:tgtEl>
+                                        <p:attrNameLst>
+                                          <p:attrName>ppt_y</p:attrName>
+                                        </p:attrNameLst>
+                                      </p:cBhvr>
+                                      <p:tavLst>
+                                        <p:tav tm="0">
+                                          <p:val>
+                                            <p:strVal val="1+#ppt_h/2"/>
+                                          </p:val>
+                                        </p:tav>
+                                        <p:tav tm="100000">
+                                          <p:val>
+                                            <p:strVal val="#ppt_y"/>
+                                          </p:val>
+                                        </p:tav>
+                                      </p:tavLst>
+                                    </p:anim>
+                                  </p:childTnLst>
+                                </p:cTn>
+                              </p:par>
+                            </p:childTnLst>
+                          </p:cTn>
+                        </p:par>
+                      </p:childTnLst>
+                    </p:cTn>
+                  </p:par>
+                </p:childTnLst>
+              </p:cTn>
+              <p:prevCondLst>
+                <p:cond evt="onPrev" delay="0">
+                  <p:tgtEl>
+                    <p:sldTgt/>
+                  </p:tgtEl>
+                </p:cond>
+              </p:prevCondLst>
+              <p:nextCondLst>
+                <p:cond evt="onNext" delay="0">
+                  <p:tgtEl>
+                    <p:sldTgt/>
+                  </p:tgtEl>
+                </p:cond>
+              </p:nextCondLst>
+            </p:seq>
+          </p:childTnLst>
+        </p:cTn>
+      </p:par>
+    </p:tnLst>
+    <p:bldLst>
+      <p:bldP spid="6" grpId="0"/>
+    </p:bldLst>
+  </p:timing>
+</p:sld>
+</file>
+
+<file path=ppt/slides/slide2.xml><?xml version="1.0" encoding="utf-8"?>
+<p:sld xmlns:a="http://schemas.openxmlformats.org/drawingml/2006/main" xmlns:r="http://schemas.openxmlformats.org/officeDocument/2006/relationships" xmlns:p="http://schemas.openxmlformats.org/presentationml/2006/main">
+  <p:cSld>
+    <p:spTree>
+      <p:nvGrpSpPr>
+        <p:cNvPr id="1" name=""/>
+        <p:cNvGrpSpPr/>
+        <p:nvPr/>
+      </p:nvGrpSpPr>
+      <p:grpSpPr>
+        <a:xfrm>
+          <a:off x="0" y="0"/>
+          <a:ext cx="0" cy="0"/>
+          <a:chOff x="0" y="0"/>
+          <a:chExt cx="0" cy="0"/>
+        </a:xfrm>
+      </p:grpSpPr>
+      <p:sp>
+        <p:nvSpPr>
+          <p:cNvPr id="5123" name="AutoShape 6"/>
+          <p:cNvSpPr>
+            <a:spLocks noChangeArrowheads="1"/>
+          </p:cNvSpPr>
+          <p:nvPr/>
+        </p:nvSpPr>
+        <p:spPr bwMode="auto">
+          <a:xfrm>
+            <a:off x="2566988" y="1339851"/>
+            <a:ext cx="6711950" cy="4214813"/>
+          </a:xfrm>
+          <a:prstGeom prst="roundRect">
+            <a:avLst>
+              <a:gd name="adj" fmla="val 16667"/>
+            </a:avLst>
+          </a:prstGeom>
+          <a:noFill/>
+          <a:ln w="28575">
+            <a:solidFill>
+              <a:srgbClr val="C0C0C0"/>
+            </a:solidFill>
+            <a:prstDash val="sysDot"/>
+            <a:round/>
+          </a:ln>
+          <a:extLst>
+            <a:ext uri="{909E8E84-426E-40DD-AFC4-6F175D3DCCD1}">
+              <a14:hiddenFill xmlns:a14="http://schemas.microsoft.com/office/drawing/2010/main">
+                <a:solidFill>
+                  <a:srgbClr val="FFFFFF"/>
+                </a:solidFill>
+              </a14:hiddenFill>
+            </a:ext>
+          </a:extLst>
+        </p:spPr>
+        <p:txBody>
+          <a:bodyPr wrap="none" anchor="ctr"/>
+          <a:lstStyle>
+            <a:lvl1pPr marL="457200" indent="-457200">
+              <a:defRPr sz="3200">
+                <a:solidFill>
+                  <a:schemeClr val="tx1"/>
+                </a:solidFill>
+                <a:latin typeface="Arial" panose="020B0604020202020204" pitchFamily="34" charset="0"/>
+                <a:ea typeface="微软雅黑" panose="020B0503020204020204" pitchFamily="34" charset="-122"/>
+              </a:defRPr>
+            </a:lvl1pPr>
+            <a:lvl2pPr marL="742950" indent="-285750">
+              <a:defRPr sz="3200">
+                <a:solidFill>
+                  <a:schemeClr val="tx1"/>
+                </a:solidFill>
+                <a:latin typeface="Arial" panose="020B0604020202020204" pitchFamily="34" charset="0"/>
+                <a:ea typeface="微软雅黑" panose="020B0503020204020204" pitchFamily="34" charset="-122"/>
+              </a:defRPr>
+            </a:lvl2pPr>
+            <a:lvl3pPr marL="1143000" indent="-228600">
+              <a:defRPr sz="3200">
+                <a:solidFill>
+                  <a:schemeClr val="tx1"/>
+                </a:solidFill>
+                <a:latin typeface="Arial" panose="020B0604020202020204" pitchFamily="34" charset="0"/>
+                <a:ea typeface="微软雅黑" panose="020B0503020204020204" pitchFamily="34" charset="-122"/>
+              </a:defRPr>
+            </a:lvl3pPr>
+            <a:lvl4pPr marL="1600200" indent="-228600">
+              <a:defRPr sz="3200">
+                <a:solidFill>
+                  <a:schemeClr val="tx1"/>
+                </a:solidFill>
+                <a:latin typeface="Arial" panose="020B0604020202020204" pitchFamily="34" charset="0"/>
+                <a:ea typeface="微软雅黑" panose="020B0503020204020204" pitchFamily="34" charset="-122"/>
+              </a:defRPr>
+            </a:lvl4pPr>
+            <a:lvl5pPr marL="2057400" indent="-228600">
+              <a:defRPr sz="3200">
+                <a:solidFill>
+                  <a:schemeClr val="tx1"/>
+                </a:solidFill>
+                <a:latin typeface="Arial" panose="020B0604020202020204" pitchFamily="34" charset="0"/>
+                <a:ea typeface="微软雅黑" panose="020B0503020204020204" pitchFamily="34" charset="-122"/>
+              </a:defRPr>
+            </a:lvl5pPr>
+            <a:lvl6pPr marL="2514600" indent="-228600" eaLnBrk="0" fontAlgn="base" hangingPunct="0">
+              <a:spcBef>
+                <a:spcPct val="0"/>
+              </a:spcBef>
+              <a:spcAft>
+                <a:spcPct val="0"/>
+              </a:spcAft>
+              <a:defRPr sz="3200">
+                <a:solidFill>
+                  <a:schemeClr val="tx1"/>
+                </a:solidFill>
+                <a:latin typeface="Arial" panose="020B0604020202020204" pitchFamily="34" charset="0"/>
+                <a:ea typeface="微软雅黑" panose="020B0503020204020204" pitchFamily="34" charset="-122"/>
+              </a:defRPr>
+            </a:lvl6pPr>
+            <a:lvl7pPr marL="2971800" indent="-228600" eaLnBrk="0" fontAlgn="base" hangingPunct="0">
+              <a:spcBef>
+                <a:spcPct val="0"/>
+              </a:spcBef>
+              <a:spcAft>
+                <a:spcPct val="0"/>
+              </a:spcAft>
+              <a:defRPr sz="3200">
+                <a:solidFill>
+                  <a:schemeClr val="tx1"/>
+                </a:solidFill>
+                <a:latin typeface="Arial" panose="020B0604020202020204" pitchFamily="34" charset="0"/>
+                <a:ea typeface="微软雅黑" panose="020B0503020204020204" pitchFamily="34" charset="-122"/>
+              </a:defRPr>
+            </a:lvl7pPr>
+            <a:lvl8pPr marL="3429000" indent="-228600" eaLnBrk="0" fontAlgn="base" hangingPunct="0">
+              <a:spcBef>
+                <a:spcPct val="0"/>
+              </a:spcBef>
+              <a:spcAft>
+                <a:spcPct val="0"/>
+              </a:spcAft>
+              <a:defRPr sz="3200">
+                <a:solidFill>
+                  <a:schemeClr val="tx1"/>
+                </a:solidFill>
+                <a:latin typeface="Arial" panose="020B0604020202020204" pitchFamily="34" charset="0"/>
+                <a:ea typeface="微软雅黑" panose="020B0503020204020204" pitchFamily="34" charset="-122"/>
+              </a:defRPr>
+            </a:lvl8pPr>
+            <a:lvl9pPr marL="3886200" indent="-228600" eaLnBrk="0" fontAlgn="base" hangingPunct="0">
+              <a:spcBef>
+                <a:spcPct val="0"/>
+              </a:spcBef>
+              <a:spcAft>
+                <a:spcPct val="0"/>
+              </a:spcAft>
+              <a:defRPr sz="3200">
+                <a:solidFill>
+                  <a:schemeClr val="tx1"/>
+                </a:solidFill>
+                <a:latin typeface="Arial" panose="020B0604020202020204" pitchFamily="34" charset="0"/>
+                <a:ea typeface="微软雅黑" panose="020B0503020204020204" pitchFamily="34" charset="-122"/>
+              </a:defRPr>
+            </a:lvl9pPr>
+          </a:lstStyle>
+          <a:p>
+            <a:pPr algn="l">
+              <a:lnSpc>
+                <a:spcPct val="150000"/>
+              </a:lnSpc>
+              <a:spcBef>
+                <a:spcPts val="1200"/>
+              </a:spcBef>
+              <a:spcAft>
+                <a:spcPts val="1200"/>
+              </a:spcAft>
+              <a:buClr>
+                <a:srgbClr val="92D050"/>
+              </a:buClr>
+              <a:buFont typeface="Wingdings" panose="05000000000000000000" pitchFamily="2" charset="2"/>
+              <a:buChar char="Ø"/>
+            </a:pPr>
+            <a:r>
+              <a:rPr lang="en-US" altLang="zh-CN" sz="2800" b="1">
+                <a:solidFill>
+                  <a:srgbClr val="FF0000"/>
+                </a:solidFill>
+                <a:sym typeface="+mn-ea"/>
+              </a:rPr>
+              <a:t>JS</a:t>
+            </a:r>
+            <a:r>
+              <a:rPr lang="zh-CN" altLang="en-US" sz="2800" b="1">
+                <a:solidFill>
+                  <a:srgbClr val="FF0000"/>
+                </a:solidFill>
+                <a:sym typeface="+mn-ea"/>
+              </a:rPr>
+              <a:t>事件及事件对象</a:t>
+            </a:r>
+            <a:endParaRPr lang="zh-CN" altLang="en-US" sz="2800" b="1">
+              <a:solidFill>
+                <a:srgbClr val="FF0000"/>
+              </a:solidFill>
+              <a:sym typeface="+mn-ea"/>
+            </a:endParaRPr>
+          </a:p>
+          <a:p>
+            <a:pPr algn="l">
+              <a:lnSpc>
+                <a:spcPct val="150000"/>
+              </a:lnSpc>
+              <a:spcBef>
+                <a:spcPts val="1200"/>
+              </a:spcBef>
+              <a:spcAft>
+                <a:spcPts val="1200"/>
+              </a:spcAft>
+              <a:buClr>
+                <a:srgbClr val="92D050"/>
+              </a:buClr>
+              <a:buFont typeface="Wingdings" panose="05000000000000000000" pitchFamily="2" charset="2"/>
+              <a:buChar char="Ø"/>
+            </a:pPr>
+            <a:r>
+              <a:rPr lang="en-US" altLang="zh-CN" sz="2800" b="1"/>
+              <a:t>JS</a:t>
+            </a:r>
+            <a:r>
+              <a:rPr lang="zh-CN" altLang="en-US" sz="2800" b="1"/>
+              <a:t>事件响应</a:t>
+            </a:r>
+            <a:endParaRPr lang="zh-CN" altLang="en-US" sz="2800" b="1"/>
+          </a:p>
+          <a:p>
+            <a:pPr algn="l">
+              <a:lnSpc>
+                <a:spcPct val="150000"/>
+              </a:lnSpc>
+              <a:spcBef>
+                <a:spcPts val="1200"/>
+              </a:spcBef>
+              <a:spcAft>
+                <a:spcPts val="1200"/>
+              </a:spcAft>
+              <a:buClr>
+                <a:srgbClr val="92D050"/>
+              </a:buClr>
+              <a:buFont typeface="Wingdings" panose="05000000000000000000" pitchFamily="2" charset="2"/>
+              <a:buChar char="Ø"/>
+            </a:pPr>
+            <a:r>
+              <a:rPr lang="en-US" altLang="zh-CN" sz="2800" b="1">
+                <a:sym typeface="+mn-ea"/>
+              </a:rPr>
+              <a:t>JS</a:t>
+            </a:r>
+            <a:r>
+              <a:rPr lang="zh-CN" altLang="en-US" sz="2800" b="1"/>
+              <a:t>事件流（冒泡、捕获）</a:t>
+            </a:r>
+            <a:endParaRPr lang="zh-CN" altLang="en-US" sz="2800" b="1"/>
+          </a:p>
+        </p:txBody>
+      </p:sp>
+      <p:sp>
+        <p:nvSpPr>
+          <p:cNvPr id="4" name="内容占位符 3"/>
+          <p:cNvSpPr txBox="1"/>
+          <p:nvPr/>
+        </p:nvSpPr>
+        <p:spPr>
+          <a:xfrm>
+            <a:off x="981657" y="236943"/>
+            <a:ext cx="8191557" cy="490476"/>
+          </a:xfrm>
+          <a:prstGeom prst="rect">
+            <a:avLst/>
+          </a:prstGeom>
+        </p:spPr>
+        <p:txBody>
+          <a:bodyPr/>
+          <a:lstStyle>
+            <a:lvl1pPr marL="167005" indent="-167005" algn="l" defTabSz="0" rtl="0" eaLnBrk="0" fontAlgn="base" hangingPunct="0">
+              <a:spcBef>
+                <a:spcPct val="0"/>
+              </a:spcBef>
+              <a:spcAft>
+                <a:spcPct val="15000"/>
+              </a:spcAft>
+              <a:buClr>
+                <a:schemeClr val="tx2"/>
+              </a:buClr>
+              <a:buFont typeface="Arial" panose="020B0604020202020204" pitchFamily="34" charset="0"/>
+              <a:buChar char="•"/>
+              <a:defRPr kumimoji="1" sz="1600">
+                <a:solidFill>
+                  <a:srgbClr val="006F53"/>
+                </a:solidFill>
+                <a:latin typeface="微软雅黑" panose="020B0503020204020204" pitchFamily="34" charset="-122"/>
+                <a:ea typeface="微软雅黑" panose="020B0503020204020204" pitchFamily="34" charset="-122"/>
+                <a:cs typeface="微软雅黑" panose="020B0503020204020204" pitchFamily="34" charset="-122"/>
+              </a:defRPr>
+            </a:lvl1pPr>
+            <a:lvl2pPr marL="398780" indent="-230505" algn="l" defTabSz="0" rtl="0" eaLnBrk="0" fontAlgn="base" hangingPunct="0">
+              <a:spcBef>
+                <a:spcPct val="0"/>
+              </a:spcBef>
+              <a:spcAft>
+                <a:spcPct val="15000"/>
+              </a:spcAft>
+              <a:buClr>
+                <a:schemeClr val="tx2"/>
+              </a:buClr>
+              <a:buFont typeface="Arial" panose="020B0604020202020204" pitchFamily="34" charset="0"/>
+              <a:buChar char="–"/>
+              <a:defRPr kumimoji="1" sz="2800">
+                <a:solidFill>
+                  <a:schemeClr val="bg2"/>
+                </a:solidFill>
+                <a:latin typeface="微软雅黑" panose="020B0503020204020204" pitchFamily="34" charset="-122"/>
+                <a:ea typeface="微软雅黑" panose="020B0503020204020204" pitchFamily="34" charset="-122"/>
+                <a:cs typeface="微软雅黑" panose="020B0503020204020204" pitchFamily="34" charset="-122"/>
+              </a:defRPr>
+            </a:lvl2pPr>
+            <a:lvl3pPr marL="400050" indent="182880" algn="l" defTabSz="0" rtl="0" eaLnBrk="0" fontAlgn="base" hangingPunct="0">
+              <a:spcBef>
+                <a:spcPct val="0"/>
+              </a:spcBef>
+              <a:spcAft>
+                <a:spcPct val="15000"/>
+              </a:spcAft>
+              <a:buClr>
+                <a:schemeClr val="tx2"/>
+              </a:buClr>
+              <a:buFont typeface="Arial" panose="020B0604020202020204" pitchFamily="34" charset="0"/>
+              <a:buChar char="•"/>
+              <a:defRPr kumimoji="1" sz="1600">
+                <a:solidFill>
+                  <a:schemeClr val="bg2"/>
+                </a:solidFill>
+                <a:latin typeface="微软雅黑" panose="020B0503020204020204" pitchFamily="34" charset="-122"/>
+                <a:ea typeface="微软雅黑" panose="020B0503020204020204" pitchFamily="34" charset="-122"/>
+                <a:cs typeface="微软雅黑" panose="020B0503020204020204" pitchFamily="34" charset="-122"/>
+              </a:defRPr>
+            </a:lvl3pPr>
+            <a:lvl4pPr marL="825500" indent="-241300" algn="l" defTabSz="0" rtl="0" eaLnBrk="0" fontAlgn="base" hangingPunct="0">
+              <a:spcBef>
+                <a:spcPct val="0"/>
+              </a:spcBef>
+              <a:spcAft>
+                <a:spcPct val="15000"/>
+              </a:spcAft>
+              <a:buClr>
+                <a:schemeClr val="tx2"/>
+              </a:buClr>
+              <a:buFont typeface="Arial" panose="020B0604020202020204" pitchFamily="34" charset="0"/>
+              <a:buChar char="–"/>
+              <a:defRPr kumimoji="1" sz="1600">
+                <a:solidFill>
+                  <a:schemeClr val="bg2"/>
+                </a:solidFill>
+                <a:latin typeface="微软雅黑" panose="020B0503020204020204" pitchFamily="34" charset="-122"/>
+                <a:ea typeface="微软雅黑" panose="020B0503020204020204" pitchFamily="34" charset="-122"/>
+                <a:cs typeface="微软雅黑" panose="020B0503020204020204" pitchFamily="34" charset="-122"/>
+              </a:defRPr>
+            </a:lvl4pPr>
+            <a:lvl5pPr marL="2057400" indent="-228600" algn="l" defTabSz="0" rtl="0" eaLnBrk="0" fontAlgn="base" hangingPunct="0">
+              <a:spcBef>
+                <a:spcPct val="0"/>
+              </a:spcBef>
+              <a:spcAft>
+                <a:spcPct val="25000"/>
+              </a:spcAft>
+              <a:buClr>
+                <a:schemeClr val="tx2"/>
+              </a:buClr>
+              <a:buFont typeface="Arial" panose="020B0604020202020204" pitchFamily="34" charset="0"/>
+              <a:buChar char="–"/>
+              <a:defRPr kumimoji="1" sz="2000">
+                <a:solidFill>
+                  <a:schemeClr val="tx1"/>
+                </a:solidFill>
+                <a:latin typeface="+mn-lt"/>
+                <a:ea typeface="微软雅黑" panose="020B0503020204020204" pitchFamily="34" charset="-122"/>
+                <a:cs typeface="微软雅黑" panose="020B0503020204020204" pitchFamily="34" charset="-122"/>
+              </a:defRPr>
+            </a:lvl5pPr>
+            <a:lvl6pPr marL="2514600" indent="-228600" algn="l" defTabSz="0" rtl="0" eaLnBrk="0" fontAlgn="base" hangingPunct="0">
+              <a:spcBef>
+                <a:spcPct val="0"/>
+              </a:spcBef>
+              <a:spcAft>
+                <a:spcPct val="25000"/>
+              </a:spcAft>
+              <a:buClr>
+                <a:schemeClr val="tx2"/>
+              </a:buClr>
+              <a:buFont typeface="Arial" panose="020B0604020202020204" pitchFamily="34" charset="0"/>
+              <a:buChar char="–"/>
+              <a:defRPr>
+                <a:solidFill>
+                  <a:schemeClr val="tx1"/>
+                </a:solidFill>
+                <a:latin typeface="+mn-lt"/>
+              </a:defRPr>
+            </a:lvl6pPr>
+            <a:lvl7pPr marL="2971800" indent="-228600" algn="l" defTabSz="0" rtl="0" eaLnBrk="0" fontAlgn="base" hangingPunct="0">
+              <a:spcBef>
+                <a:spcPct val="0"/>
+              </a:spcBef>
+              <a:spcAft>
+                <a:spcPct val="25000"/>
+              </a:spcAft>
+              <a:buClr>
+                <a:schemeClr val="tx2"/>
+              </a:buClr>
+              <a:buFont typeface="Arial" panose="020B0604020202020204" pitchFamily="34" charset="0"/>
+              <a:buChar char="–"/>
+              <a:defRPr>
+                <a:solidFill>
+                  <a:schemeClr val="tx1"/>
+                </a:solidFill>
+                <a:latin typeface="+mn-lt"/>
+              </a:defRPr>
+            </a:lvl7pPr>
+            <a:lvl8pPr marL="3429000" indent="-228600" algn="l" defTabSz="0" rtl="0" eaLnBrk="0" fontAlgn="base" hangingPunct="0">
+              <a:spcBef>
+                <a:spcPct val="0"/>
+              </a:spcBef>
+              <a:spcAft>
+                <a:spcPct val="25000"/>
+              </a:spcAft>
+              <a:buClr>
+                <a:schemeClr val="tx2"/>
+              </a:buClr>
+              <a:buFont typeface="Arial" panose="020B0604020202020204" pitchFamily="34" charset="0"/>
+              <a:buChar char="–"/>
+              <a:defRPr>
+                <a:solidFill>
+                  <a:schemeClr val="tx1"/>
+                </a:solidFill>
+                <a:latin typeface="+mn-lt"/>
+              </a:defRPr>
+            </a:lvl8pPr>
+            <a:lvl9pPr marL="3886200" indent="-228600" algn="l" defTabSz="0" rtl="0" eaLnBrk="0" fontAlgn="base" hangingPunct="0">
+              <a:spcBef>
+                <a:spcPct val="0"/>
+              </a:spcBef>
+              <a:spcAft>
+                <a:spcPct val="25000"/>
+              </a:spcAft>
+              <a:buClr>
+                <a:schemeClr val="tx2"/>
+              </a:buClr>
+              <a:buFont typeface="Arial" panose="020B0604020202020204" pitchFamily="34" charset="0"/>
+              <a:buChar char="–"/>
+              <a:defRPr>
+                <a:solidFill>
+                  <a:schemeClr val="tx1"/>
+                </a:solidFill>
+                <a:latin typeface="+mn-lt"/>
+              </a:defRPr>
+            </a:lvl9pPr>
+          </a:lstStyle>
+          <a:p>
+            <a:pPr marL="0" indent="0">
+              <a:buNone/>
+            </a:pPr>
+            <a:r>
+              <a:rPr lang="zh-CN" altLang="en-US" sz="3200" dirty="0" smtClean="0">
+                <a:solidFill>
+                  <a:srgbClr val="C00000"/>
+                </a:solidFill>
+                <a:cs typeface="+mn-cs"/>
+                <a:sym typeface="+mn-ea"/>
+              </a:rPr>
+              <a:t>内容提纲</a:t>
+            </a:r>
+            <a:endParaRPr lang="zh-CN" altLang="en-US" kern="0" dirty="0"/>
+          </a:p>
+        </p:txBody>
+      </p:sp>
+    </p:spTree>
+  </p:cSld>
+  <p:clrMapOvr>
+    <a:masterClrMapping/>
+  </p:clrMapOvr>
+  <p:timing>
+    <p:tnLst>
+      <p:par>
+        <p:cTn id="1" dur="indefinite" restart="never" nodeType="tmRoot"/>
+      </p:par>
+    </p:tnLst>
+  </p:timing>
+</p:sld>
+</file>
+
+<file path=ppt/slides/slide3.xml><?xml version="1.0" encoding="utf-8"?>
+<p:sld xmlns:a="http://schemas.openxmlformats.org/drawingml/2006/main" xmlns:r="http://schemas.openxmlformats.org/officeDocument/2006/relationships" xmlns:p="http://schemas.openxmlformats.org/presentationml/2006/main">
+  <p:cSld>
+    <p:spTree>
+      <p:nvGrpSpPr>
+        <p:cNvPr id="1" name=""/>
+        <p:cNvGrpSpPr/>
+        <p:nvPr/>
+      </p:nvGrpSpPr>
+      <p:grpSpPr>
+        <a:xfrm>
+          <a:off x="0" y="0"/>
+          <a:ext cx="0" cy="0"/>
+          <a:chOff x="0" y="0"/>
+          <a:chExt cx="0" cy="0"/>
+        </a:xfrm>
+      </p:grpSpPr>
+      <p:sp>
+        <p:nvSpPr>
+          <p:cNvPr id="2" name="内容占位符 1"/>
+          <p:cNvSpPr>
+            <a:spLocks noGrp="1"/>
+          </p:cNvSpPr>
+          <p:nvPr>
+            <p:ph sz="quarter" idx="10"/>
+          </p:nvPr>
+        </p:nvSpPr>
+        <p:spPr>
+          <a:xfrm>
+            <a:off x="927735" y="783590"/>
+            <a:ext cx="10781665" cy="5269230"/>
+          </a:xfrm>
+        </p:spPr>
+        <p:txBody>
+          <a:bodyPr/>
+          <a:lstStyle/>
+          <a:p>
+            <a:pPr>
+              <a:lnSpc>
+                <a:spcPct val="150000"/>
+              </a:lnSpc>
+            </a:pPr>
+            <a:r>
+              <a:rPr lang="zh-CN" sz="3200" dirty="0">
+                <a:solidFill>
+                  <a:schemeClr val="tx1"/>
+                </a:solidFill>
+                <a:sym typeface="+mn-ea"/>
+              </a:rPr>
+              <a:t>什么是</a:t>
+            </a:r>
+            <a:r>
+              <a:rPr lang="en-US" altLang="zh-CN" sz="3200" dirty="0">
+                <a:solidFill>
+                  <a:schemeClr val="tx1"/>
+                </a:solidFill>
+                <a:sym typeface="+mn-ea"/>
+              </a:rPr>
+              <a:t>JS</a:t>
+            </a:r>
+            <a:r>
+              <a:rPr lang="zh-CN" sz="3200" dirty="0">
+                <a:solidFill>
+                  <a:schemeClr val="tx1"/>
+                </a:solidFill>
+                <a:sym typeface="+mn-ea"/>
+              </a:rPr>
+              <a:t>事件</a:t>
+            </a:r>
+            <a:br>
+              <a:rPr lang="zh-CN" sz="3200" dirty="0">
+                <a:solidFill>
+                  <a:schemeClr val="tx1"/>
+                </a:solidFill>
+                <a:sym typeface="+mn-ea"/>
+              </a:rPr>
+            </a:br>
+            <a:r>
+              <a:rPr lang="en-US" altLang="zh-CN" sz="2000" dirty="0">
+                <a:solidFill>
+                  <a:schemeClr val="tx1"/>
+                </a:solidFill>
+                <a:sym typeface="+mn-ea"/>
+              </a:rPr>
+              <a:t>- JS事件是浏览器</a:t>
+            </a:r>
+            <a:r>
+              <a:rPr lang="zh-CN" altLang="en-US" sz="2000" dirty="0">
+                <a:solidFill>
+                  <a:schemeClr val="tx1"/>
+                </a:solidFill>
+                <a:sym typeface="+mn-ea"/>
+              </a:rPr>
+              <a:t>或</a:t>
+            </a:r>
+            <a:r>
+              <a:rPr lang="en-US" altLang="zh-CN" sz="2000" dirty="0">
+                <a:solidFill>
+                  <a:schemeClr val="tx1"/>
+                </a:solidFill>
+                <a:sym typeface="+mn-ea"/>
+              </a:rPr>
+              <a:t>用户自身执行的某种动作</a:t>
+            </a:r>
+            <a:r>
+              <a:rPr lang="zh-CN" altLang="en-US" sz="2000" dirty="0">
+                <a:solidFill>
+                  <a:schemeClr val="tx1"/>
+                </a:solidFill>
+                <a:sym typeface="+mn-ea"/>
+              </a:rPr>
+              <a:t>（包括前端中的事件、</a:t>
+            </a:r>
+            <a:r>
+              <a:rPr lang="en-US" altLang="zh-CN" sz="2000" dirty="0">
+                <a:solidFill>
+                  <a:schemeClr val="tx1"/>
+                </a:solidFill>
+                <a:sym typeface="+mn-ea"/>
+              </a:rPr>
+              <a:t>Node</a:t>
+            </a:r>
+            <a:r>
+              <a:rPr lang="zh-CN" altLang="en-US" sz="2000" dirty="0">
+                <a:solidFill>
+                  <a:schemeClr val="tx1"/>
+                </a:solidFill>
+                <a:sym typeface="+mn-ea"/>
+              </a:rPr>
+              <a:t>中的事件等）</a:t>
+            </a:r>
+            <a:br>
+              <a:rPr lang="zh-CN" altLang="en-US" sz="2000" dirty="0">
+                <a:solidFill>
+                  <a:schemeClr val="tx1"/>
+                </a:solidFill>
+                <a:sym typeface="+mn-ea"/>
+              </a:rPr>
+            </a:br>
+            <a:r>
+              <a:rPr lang="en-US" altLang="zh-CN" sz="2000" dirty="0">
+                <a:solidFill>
+                  <a:schemeClr val="tx1"/>
+                </a:solidFill>
+                <a:sym typeface="+mn-ea"/>
+              </a:rPr>
+              <a:t>- </a:t>
+            </a:r>
+            <a:r>
+              <a:rPr lang="zh-CN" altLang="en-US" sz="2000" dirty="0">
+                <a:solidFill>
+                  <a:schemeClr val="tx1"/>
+                </a:solidFill>
+                <a:sym typeface="+mn-ea"/>
+              </a:rPr>
+              <a:t>前端事件主要包括文档（</a:t>
+            </a:r>
+            <a:r>
+              <a:rPr lang="en-US" altLang="zh-CN" sz="2000" dirty="0">
+                <a:solidFill>
+                  <a:schemeClr val="tx1"/>
+                </a:solidFill>
+                <a:sym typeface="+mn-ea"/>
+              </a:rPr>
+              <a:t>DOM</a:t>
+            </a:r>
+            <a:r>
+              <a:rPr lang="zh-CN" altLang="en-US" sz="2000" dirty="0">
+                <a:solidFill>
+                  <a:schemeClr val="tx1"/>
+                </a:solidFill>
+                <a:sym typeface="+mn-ea"/>
+              </a:rPr>
+              <a:t>节点）或窗口中发生的特定的交互</a:t>
+            </a:r>
+            <a:br>
+              <a:rPr lang="zh-CN" altLang="en-US" sz="2000" dirty="0">
+                <a:solidFill>
+                  <a:schemeClr val="tx1"/>
+                </a:solidFill>
+                <a:sym typeface="+mn-ea"/>
+              </a:rPr>
+            </a:br>
+            <a:r>
+              <a:rPr lang="en-US" altLang="zh-CN" sz="2000" dirty="0">
+                <a:solidFill>
+                  <a:schemeClr val="tx1"/>
+                </a:solidFill>
+                <a:sym typeface="+mn-ea"/>
+              </a:rPr>
+              <a:t>- </a:t>
+            </a:r>
+            <a:r>
+              <a:rPr lang="zh-CN" altLang="en-US" sz="2000" dirty="0">
+                <a:solidFill>
+                  <a:schemeClr val="tx1"/>
+                </a:solidFill>
+                <a:sym typeface="+mn-ea"/>
+              </a:rPr>
+              <a:t>常见事件（</a:t>
+            </a:r>
+            <a:r>
+              <a:rPr lang="en-US" altLang="zh-CN" sz="2000" dirty="0">
+                <a:solidFill>
+                  <a:schemeClr val="tx1"/>
+                </a:solidFill>
+                <a:sym typeface="+mn-ea"/>
+              </a:rPr>
+              <a:t>onload</a:t>
+            </a:r>
+            <a:r>
+              <a:rPr lang="zh-CN" altLang="en-US" sz="2000" dirty="0">
+                <a:solidFill>
+                  <a:schemeClr val="tx1"/>
+                </a:solidFill>
+                <a:sym typeface="+mn-ea"/>
+              </a:rPr>
+              <a:t>、</a:t>
+            </a:r>
+            <a:r>
+              <a:rPr lang="en-US" altLang="zh-CN" sz="2000" dirty="0">
+                <a:solidFill>
+                  <a:schemeClr val="tx1"/>
+                </a:solidFill>
+                <a:sym typeface="+mn-ea"/>
+              </a:rPr>
+              <a:t>onclick</a:t>
+            </a:r>
+            <a:r>
+              <a:rPr lang="zh-CN" altLang="en-US" sz="2000" dirty="0">
+                <a:solidFill>
+                  <a:schemeClr val="tx1"/>
+                </a:solidFill>
+                <a:sym typeface="+mn-ea"/>
+              </a:rPr>
+              <a:t>、</a:t>
+            </a:r>
+            <a:r>
+              <a:rPr lang="en-US" altLang="zh-CN" sz="2000" dirty="0">
+                <a:solidFill>
+                  <a:schemeClr val="tx1"/>
+                </a:solidFill>
+                <a:sym typeface="+mn-ea"/>
+              </a:rPr>
+              <a:t>onmouseover</a:t>
+            </a:r>
+            <a:r>
+              <a:rPr lang="zh-CN" altLang="en-US" sz="2000" dirty="0">
+                <a:solidFill>
+                  <a:schemeClr val="tx1"/>
+                </a:solidFill>
+                <a:sym typeface="+mn-ea"/>
+              </a:rPr>
+              <a:t>、</a:t>
+            </a:r>
+            <a:r>
+              <a:rPr lang="en-US" altLang="zh-CN" sz="2000" dirty="0">
+                <a:solidFill>
+                  <a:schemeClr val="tx1"/>
+                </a:solidFill>
+                <a:sym typeface="+mn-ea"/>
+              </a:rPr>
+              <a:t>onkeydown</a:t>
+            </a:r>
+            <a:r>
+              <a:rPr lang="zh-CN" altLang="en-US" sz="2000" dirty="0">
+                <a:solidFill>
+                  <a:schemeClr val="tx1"/>
+                </a:solidFill>
+                <a:sym typeface="+mn-ea"/>
+              </a:rPr>
+              <a:t>、</a:t>
+            </a:r>
+            <a:r>
+              <a:rPr lang="en-US" altLang="zh-CN" sz="2000" dirty="0">
+                <a:solidFill>
+                  <a:schemeClr val="tx1"/>
+                </a:solidFill>
+                <a:sym typeface="+mn-ea"/>
+              </a:rPr>
+              <a:t>onkeyup</a:t>
+            </a:r>
+            <a:r>
+              <a:rPr lang="zh-CN" altLang="en-US" sz="2000" dirty="0">
+                <a:solidFill>
+                  <a:schemeClr val="tx1"/>
+                </a:solidFill>
+                <a:sym typeface="+mn-ea"/>
+              </a:rPr>
+              <a:t>等）</a:t>
+            </a:r>
+            <a:endParaRPr lang="zh-CN" altLang="en-US" sz="2000" dirty="0">
+              <a:solidFill>
+                <a:schemeClr val="tx1"/>
+              </a:solidFill>
+              <a:sym typeface="+mn-ea"/>
+            </a:endParaRPr>
+          </a:p>
+          <a:p>
+            <a:pPr marL="0" indent="0">
+              <a:lnSpc>
+                <a:spcPct val="150000"/>
+              </a:lnSpc>
+              <a:buNone/>
+            </a:pPr>
+            <a:endParaRPr lang="zh-CN" altLang="en-US" sz="2000" dirty="0">
+              <a:solidFill>
+                <a:schemeClr val="tx1"/>
+              </a:solidFill>
+              <a:sym typeface="+mn-ea"/>
+            </a:endParaRPr>
+          </a:p>
+          <a:p>
+            <a:pPr marL="0" indent="0">
+              <a:lnSpc>
+                <a:spcPct val="150000"/>
+              </a:lnSpc>
+              <a:buNone/>
+            </a:pPr>
+            <a:endParaRPr lang="en-US" altLang="zh-CN" sz="2000" dirty="0">
+              <a:solidFill>
+                <a:schemeClr val="tx1"/>
+              </a:solidFill>
+              <a:sym typeface="+mn-ea"/>
+            </a:endParaRPr>
+          </a:p>
+          <a:p>
+            <a:pPr marL="0" indent="0">
+              <a:lnSpc>
+                <a:spcPct val="160000"/>
+              </a:lnSpc>
+              <a:buNone/>
+            </a:pPr>
+            <a:endParaRPr lang="en-US" altLang="zh-CN" sz="1800" dirty="0">
+              <a:solidFill>
+                <a:schemeClr val="tx1"/>
+              </a:solidFill>
+              <a:sym typeface="+mn-ea"/>
+            </a:endParaRPr>
+          </a:p>
+        </p:txBody>
+      </p:sp>
+      <p:sp>
+        <p:nvSpPr>
+          <p:cNvPr id="3" name="内容占位符 2"/>
+          <p:cNvSpPr>
+            <a:spLocks noGrp="1"/>
+          </p:cNvSpPr>
+          <p:nvPr>
+            <p:ph sz="quarter" idx="11"/>
+          </p:nvPr>
+        </p:nvSpPr>
+        <p:spPr>
+          <a:xfrm>
+            <a:off x="947204" y="236943"/>
+            <a:ext cx="8191557" cy="490476"/>
+          </a:xfrm>
+        </p:spPr>
+        <p:txBody>
+          <a:bodyPr/>
+          <a:lstStyle/>
+          <a:p>
+            <a:r>
+              <a:rPr lang="en-US" altLang="zh-CN" dirty="0"/>
+              <a:t>JS</a:t>
+            </a:r>
+            <a:r>
+              <a:rPr lang="zh-CN" altLang="en-US" dirty="0"/>
+              <a:t>事件概述</a:t>
+            </a:r>
+            <a:endParaRPr lang="en-US" altLang="zh-CN" dirty="0"/>
+          </a:p>
+        </p:txBody>
+      </p:sp>
+      <p:sp>
+        <p:nvSpPr>
+          <p:cNvPr id="6" name="文本框 5"/>
+          <p:cNvSpPr txBox="1"/>
+          <p:nvPr/>
+        </p:nvSpPr>
+        <p:spPr>
+          <a:xfrm>
+            <a:off x="5575300" y="6124575"/>
+            <a:ext cx="5033010" cy="398780"/>
+          </a:xfrm>
+          <a:prstGeom prst="rect">
+            <a:avLst/>
+          </a:prstGeom>
+          <a:noFill/>
+        </p:spPr>
+        <p:txBody>
+          <a:bodyPr wrap="square" rtlCol="0">
+            <a:spAutoFit/>
+          </a:bodyPr>
+          <a:lstStyle/>
+          <a:p>
+            <a:r>
+              <a:rPr lang="zh-CN" altLang="en-US" sz="2000">
+                <a:solidFill>
+                  <a:srgbClr val="FF0000"/>
+                </a:solidFill>
+              </a:rPr>
+              <a:t>参见实例</a:t>
+            </a:r>
+            <a:r>
+              <a:rPr lang="en-US" altLang="zh-CN" sz="2000">
+                <a:solidFill>
+                  <a:srgbClr val="FF0000"/>
+                </a:solidFill>
+              </a:rPr>
+              <a:t>index01.html </a:t>
+            </a:r>
+            <a:r>
+              <a:rPr lang="zh-CN" altLang="en-US" sz="2000">
+                <a:solidFill>
+                  <a:srgbClr val="FF0000"/>
+                </a:solidFill>
+              </a:rPr>
+              <a:t>和 </a:t>
+            </a:r>
+            <a:r>
+              <a:rPr lang="en-US" altLang="zh-CN" sz="2000">
+                <a:solidFill>
+                  <a:srgbClr val="FF0000"/>
+                </a:solidFill>
+              </a:rPr>
+              <a:t>demo01.js  </a:t>
+            </a:r>
+            <a:endParaRPr lang="en-US" altLang="zh-CN" sz="2000">
+              <a:solidFill>
+                <a:srgbClr val="FF0000"/>
+              </a:solidFill>
+            </a:endParaRPr>
+          </a:p>
+        </p:txBody>
+      </p:sp>
+      <p:pic>
+        <p:nvPicPr>
+          <p:cNvPr id="5" name="图片 4" descr="5JUE}NXAZ{L{AS6EV29_8[H"/>
+          <p:cNvPicPr>
+            <a:picLocks noChangeAspect="1"/>
+          </p:cNvPicPr>
+          <p:nvPr/>
+        </p:nvPicPr>
+        <p:blipFill>
+          <a:blip r:embed="rId1"/>
+          <a:stretch>
+            <a:fillRect/>
+          </a:stretch>
+        </p:blipFill>
+        <p:spPr>
+          <a:xfrm>
+            <a:off x="1317625" y="3174365"/>
+            <a:ext cx="8361045" cy="2702560"/>
+          </a:xfrm>
+          <a:prstGeom prst="rect">
+            <a:avLst/>
+          </a:prstGeom>
+        </p:spPr>
+      </p:pic>
+    </p:spTree>
+  </p:cSld>
+  <p:clrMapOvr>
+    <a:masterClrMapping/>
+  </p:clrMapOvr>
+  <p:timing>
+    <p:tnLst>
+      <p:par>
+        <p:cTn id="1" dur="indefinite" restart="never" nodeType="tmRoot">
+          <p:childTnLst>
+            <p:seq concurrent="1" nextAc="seek">
+              <p:cTn id="2" dur="indefinite" nodeType="mainSeq">
+                <p:childTnLst>
+                  <p:par>
+                    <p:cTn id="3" fill="hold">
+                      <p:stCondLst>
+                        <p:cond delay="indefinite"/>
+                      </p:stCondLst>
+                      <p:childTnLst>
+                        <p:par>
+                          <p:cTn id="4" fill="hold">
+                            <p:stCondLst>
+                              <p:cond delay="0"/>
+                            </p:stCondLst>
+                            <p:childTnLst>
+                              <p:par>
+                                <p:cTn id="5" presetID="2" presetClass="entr" presetSubtype="4" fill="hold" nodeType="clickEffect">
+                                  <p:stCondLst>
+                                    <p:cond delay="0"/>
+                                  </p:stCondLst>
+                                  <p:childTnLst>
+                                    <p:set>
+                                      <p:cBhvr>
+                                        <p:cTn id="6" dur="1" fill="hold">
+                                          <p:stCondLst>
+                                            <p:cond delay="0"/>
+                                          </p:stCondLst>
+                                        </p:cTn>
+                                        <p:tgtEl>
+                                          <p:spTgt spid="2">
+                                            <p:txEl>
+                                              <p:pRg st="0" end="0"/>
+                                            </p:txEl>
+                                          </p:spTgt>
+                                        </p:tgtEl>
+                                        <p:attrNameLst>
+                                          <p:attrName>style.visibility</p:attrName>
+                                        </p:attrNameLst>
+                                      </p:cBhvr>
+                                      <p:to>
+                                        <p:strVal val="visible"/>
+                                      </p:to>
+                                    </p:set>
+                                    <p:anim calcmode="lin" valueType="num">
+                                      <p:cBhvr additive="base">
+                                        <p:cTn id="7" dur="500" fill="hold"/>
+                                        <p:tgtEl>
+                                          <p:spTgt spid="2">
+                                            <p:txEl>
+                                              <p:pRg st="0" end="0"/>
+                                            </p:txEl>
+                                          </p:spTgt>
+                                        </p:tgtEl>
+                                        <p:attrNameLst>
+                                          <p:attrName>ppt_x</p:attrName>
+                                        </p:attrNameLst>
+                                      </p:cBhvr>
+                                      <p:tavLst>
+                                        <p:tav tm="0">
+                                          <p:val>
+                                            <p:strVal val="#ppt_x"/>
+                                          </p:val>
+                                        </p:tav>
+                                        <p:tav tm="100000">
+                                          <p:val>
+                                            <p:strVal val="#ppt_x"/>
+                                          </p:val>
+                                        </p:tav>
+                                      </p:tavLst>
+                                    </p:anim>
+                                    <p:anim calcmode="lin" valueType="num">
+                                      <p:cBhvr additive="base">
+                                        <p:cTn id="8" dur="500" fill="hold"/>
+                                        <p:tgtEl>
+                                          <p:spTgt spid="2">
+                                            <p:txEl>
+                                              <p:pRg st="0" end="0"/>
+                                            </p:txEl>
+                                          </p:spTgt>
+                                        </p:tgtEl>
+                                        <p:attrNameLst>
+                                          <p:attrName>ppt_y</p:attrName>
+                                        </p:attrNameLst>
+                                      </p:cBhvr>
+                                      <p:tavLst>
+                                        <p:tav tm="0">
+                                          <p:val>
+                                            <p:strVal val="1+#ppt_h/2"/>
+                                          </p:val>
+                                        </p:tav>
+                                        <p:tav tm="100000">
+                                          <p:val>
+                                            <p:strVal val="#ppt_y"/>
+                                          </p:val>
+                                        </p:tav>
+                                      </p:tavLst>
+                                    </p:anim>
+                                  </p:childTnLst>
+                                </p:cTn>
+                              </p:par>
+                            </p:childTnLst>
+                          </p:cTn>
+                        </p:par>
+                      </p:childTnLst>
+                    </p:cTn>
+                  </p:par>
+                  <p:par>
+                    <p:cTn id="9" fill="hold">
+                      <p:stCondLst>
+                        <p:cond delay="indefinite"/>
+                      </p:stCondLst>
+                      <p:childTnLst>
+                        <p:par>
+                          <p:cTn id="10" fill="hold">
+                            <p:stCondLst>
+                              <p:cond delay="0"/>
+                            </p:stCondLst>
+                            <p:childTnLst>
+                              <p:par>
+                                <p:cTn id="11" presetID="2" presetClass="entr" presetSubtype="4" fill="hold" nodeType="clickEffect">
+                                  <p:stCondLst>
+                                    <p:cond delay="0"/>
+                                  </p:stCondLst>
+                                  <p:childTnLst>
+                                    <p:set>
+                                      <p:cBhvr>
+                                        <p:cTn id="12" dur="1" fill="hold">
+                                          <p:stCondLst>
+                                            <p:cond delay="0"/>
+                                          </p:stCondLst>
+                                        </p:cTn>
+                                        <p:tgtEl>
+                                          <p:spTgt spid="5"/>
+                                        </p:tgtEl>
+                                        <p:attrNameLst>
+                                          <p:attrName>style.visibility</p:attrName>
+                                        </p:attrNameLst>
+                                      </p:cBhvr>
+                                      <p:to>
+                                        <p:strVal val="visible"/>
+                                      </p:to>
+                                    </p:set>
+                                    <p:anim calcmode="lin" valueType="num">
+                                      <p:cBhvr additive="base">
+                                        <p:cTn id="13" dur="500" fill="hold"/>
+                                        <p:tgtEl>
+                                          <p:spTgt spid="5"/>
+                                        </p:tgtEl>
+                                        <p:attrNameLst>
+                                          <p:attrName>ppt_x</p:attrName>
+                                        </p:attrNameLst>
+                                      </p:cBhvr>
+                                      <p:tavLst>
+                                        <p:tav tm="0">
+                                          <p:val>
+                                            <p:strVal val="#ppt_x"/>
+                                          </p:val>
+                                        </p:tav>
+                                        <p:tav tm="100000">
+                                          <p:val>
+                                            <p:strVal val="#ppt_x"/>
+                                          </p:val>
+                                        </p:tav>
+                                      </p:tavLst>
+                                    </p:anim>
+                                    <p:anim calcmode="lin" valueType="num">
+                                      <p:cBhvr additive="base">
+                                        <p:cTn id="14" dur="500" fill="hold"/>
+                                        <p:tgtEl>
+                                          <p:spTgt spid="5"/>
+                                        </p:tgtEl>
+                                        <p:attrNameLst>
+                                          <p:attrName>ppt_y</p:attrName>
+                                        </p:attrNameLst>
+                                      </p:cBhvr>
+                                      <p:tavLst>
+                                        <p:tav tm="0">
+                                          <p:val>
+                                            <p:strVal val="1+#ppt_h/2"/>
+                                          </p:val>
+                                        </p:tav>
+                                        <p:tav tm="100000">
+                                          <p:val>
+                                            <p:strVal val="#ppt_y"/>
+                                          </p:val>
+                                        </p:tav>
+                                      </p:tavLst>
+                                    </p:anim>
+                                  </p:childTnLst>
+                                </p:cTn>
+                              </p:par>
+                            </p:childTnLst>
+                          </p:cTn>
+                        </p:par>
+                        <p:par>
+                          <p:cTn id="15" fill="hold">
+                            <p:stCondLst>
+                              <p:cond delay="500"/>
+                            </p:stCondLst>
+                            <p:childTnLst>
+                              <p:par>
+                                <p:cTn id="16" presetID="2" presetClass="entr" presetSubtype="4" fill="hold" grpId="0" nodeType="afterEffect">
+                                  <p:stCondLst>
+                                    <p:cond delay="0"/>
+                                  </p:stCondLst>
+                                  <p:childTnLst>
+                                    <p:set>
+                                      <p:cBhvr>
+                                        <p:cTn id="17" dur="1" fill="hold">
+                                          <p:stCondLst>
+                                            <p:cond delay="0"/>
+                                          </p:stCondLst>
+                                        </p:cTn>
+                                        <p:tgtEl>
+                                          <p:spTgt spid="6"/>
+                                        </p:tgtEl>
+                                        <p:attrNameLst>
+                                          <p:attrName>style.visibility</p:attrName>
+                                        </p:attrNameLst>
+                                      </p:cBhvr>
+                                      <p:to>
+                                        <p:strVal val="visible"/>
+                                      </p:to>
+                                    </p:set>
+                                    <p:anim calcmode="lin" valueType="num">
+                                      <p:cBhvr additive="base">
+                                        <p:cTn id="18" dur="500" fill="hold"/>
+                                        <p:tgtEl>
+                                          <p:spTgt spid="6"/>
+                                        </p:tgtEl>
+                                        <p:attrNameLst>
+                                          <p:attrName>ppt_x</p:attrName>
+                                        </p:attrNameLst>
+                                      </p:cBhvr>
+                                      <p:tavLst>
+                                        <p:tav tm="0">
+                                          <p:val>
+                                            <p:strVal val="#ppt_x"/>
+                                          </p:val>
+                                        </p:tav>
+                                        <p:tav tm="100000">
+                                          <p:val>
+                                            <p:strVal val="#ppt_x"/>
+                                          </p:val>
+                                        </p:tav>
+                                      </p:tavLst>
+                                    </p:anim>
+                                    <p:anim calcmode="lin" valueType="num">
+                                      <p:cBhvr additive="base">
+                                        <p:cTn id="19" dur="500" fill="hold"/>
+                                        <p:tgtEl>
+                                          <p:spTgt spid="6"/>
+                                        </p:tgtEl>
+                                        <p:attrNameLst>
+                                          <p:attrName>ppt_y</p:attrName>
+                                        </p:attrNameLst>
+                                      </p:cBhvr>
+                                      <p:tavLst>
+                                        <p:tav tm="0">
+                                          <p:val>
+                                            <p:strVal val="1+#ppt_h/2"/>
+                                          </p:val>
+                                        </p:tav>
+                                        <p:tav tm="100000">
+                                          <p:val>
+                                            <p:strVal val="#ppt_y"/>
+                                          </p:val>
+                                        </p:tav>
+                                      </p:tavLst>
+                                    </p:anim>
+                                  </p:childTnLst>
+                                </p:cTn>
+                              </p:par>
+                            </p:childTnLst>
+                          </p:cTn>
+                        </p:par>
+                      </p:childTnLst>
+                    </p:cTn>
+                  </p:par>
+                </p:childTnLst>
+              </p:cTn>
+              <p:prevCondLst>
+                <p:cond evt="onPrev" delay="0">
+                  <p:tgtEl>
+                    <p:sldTgt/>
+                  </p:tgtEl>
+                </p:cond>
+              </p:prevCondLst>
+              <p:nextCondLst>
+                <p:cond evt="onNext" delay="0">
+                  <p:tgtEl>
+                    <p:sldTgt/>
+                  </p:tgtEl>
+                </p:cond>
+              </p:nextCondLst>
+            </p:seq>
+          </p:childTnLst>
+        </p:cTn>
+      </p:par>
+    </p:tnLst>
+    <p:bldLst>
+      <p:bldP spid="6" grpId="0"/>
+    </p:bldLst>
+  </p:timing>
+</p:sld>
+</file>
+
+<file path=ppt/slides/slide4.xml><?xml version="1.0" encoding="utf-8"?>
+<p:sld xmlns:a="http://schemas.openxmlformats.org/drawingml/2006/main" xmlns:r="http://schemas.openxmlformats.org/officeDocument/2006/relationships" xmlns:p="http://schemas.openxmlformats.org/presentationml/2006/main">
+  <p:cSld>
+    <p:spTree>
+      <p:nvGrpSpPr>
+        <p:cNvPr id="1" name=""/>
+        <p:cNvGrpSpPr/>
+        <p:nvPr/>
+      </p:nvGrpSpPr>
+      <p:grpSpPr>
+        <a:xfrm>
+          <a:off x="0" y="0"/>
+          <a:ext cx="0" cy="0"/>
+          <a:chOff x="0" y="0"/>
+          <a:chExt cx="0" cy="0"/>
+        </a:xfrm>
+      </p:grpSpPr>
+      <p:sp>
+        <p:nvSpPr>
+          <p:cNvPr id="2" name="内容占位符 1"/>
+          <p:cNvSpPr>
+            <a:spLocks noGrp="1"/>
+          </p:cNvSpPr>
+          <p:nvPr>
+            <p:ph sz="quarter" idx="10"/>
+          </p:nvPr>
+        </p:nvSpPr>
+        <p:spPr>
+          <a:xfrm>
+            <a:off x="927735" y="783590"/>
+            <a:ext cx="10781665" cy="5269230"/>
+          </a:xfrm>
+        </p:spPr>
+        <p:txBody>
+          <a:bodyPr/>
+          <a:lstStyle/>
+          <a:p>
+            <a:pPr>
+              <a:lnSpc>
+                <a:spcPct val="150000"/>
+              </a:lnSpc>
+            </a:pPr>
+            <a:r>
+              <a:rPr lang="zh-CN" altLang="en-US" sz="3200" dirty="0">
+                <a:solidFill>
+                  <a:schemeClr val="tx1"/>
+                </a:solidFill>
+                <a:sym typeface="+mn-ea"/>
+              </a:rPr>
+              <a:t>事件对象（包含事件中相应的信息）</a:t>
+            </a:r>
+            <a:br>
+              <a:rPr lang="zh-CN" altLang="en-US" sz="3200" dirty="0">
+                <a:solidFill>
+                  <a:schemeClr val="tx1"/>
+                </a:solidFill>
+                <a:sym typeface="+mn-ea"/>
+              </a:rPr>
+            </a:br>
+            <a:r>
+              <a:rPr lang="en-US" altLang="zh-CN" sz="2000" dirty="0">
+                <a:solidFill>
+                  <a:schemeClr val="tx1"/>
+                </a:solidFill>
+                <a:sym typeface="+mn-ea"/>
+              </a:rPr>
+              <a:t>- </a:t>
+            </a:r>
+            <a:r>
+              <a:rPr lang="zh-CN" altLang="en-US" sz="2000" dirty="0">
+                <a:solidFill>
+                  <a:schemeClr val="tx1"/>
+                </a:solidFill>
+                <a:sym typeface="+mn-ea"/>
+              </a:rPr>
+              <a:t>当事件发生时会生成对应的事件对象（如：鼠标事件对象、键盘事件对象等）</a:t>
+            </a:r>
+            <a:br>
+              <a:rPr lang="zh-CN" altLang="en-US" sz="2000" dirty="0">
+                <a:solidFill>
+                  <a:schemeClr val="tx1"/>
+                </a:solidFill>
+                <a:sym typeface="+mn-ea"/>
+              </a:rPr>
+            </a:br>
+            <a:r>
+              <a:rPr lang="en-US" altLang="zh-CN" sz="2000" dirty="0">
+                <a:solidFill>
+                  <a:schemeClr val="tx1"/>
+                </a:solidFill>
+                <a:sym typeface="+mn-ea"/>
+              </a:rPr>
+              <a:t>- </a:t>
+            </a:r>
+            <a:r>
+              <a:rPr lang="zh-CN" altLang="en-US" sz="2000" dirty="0">
+                <a:solidFill>
+                  <a:schemeClr val="tx1"/>
+                </a:solidFill>
+                <a:sym typeface="+mn-ea"/>
+              </a:rPr>
+              <a:t>事件对象（</a:t>
+            </a:r>
+            <a:r>
+              <a:rPr lang="en-US" altLang="zh-CN" sz="2000" dirty="0">
+                <a:solidFill>
+                  <a:schemeClr val="tx1"/>
+                </a:solidFill>
+                <a:sym typeface="+mn-ea"/>
+              </a:rPr>
+              <a:t>Event</a:t>
+            </a:r>
+            <a:r>
+              <a:rPr lang="zh-CN" altLang="en-US" sz="2000" dirty="0">
+                <a:solidFill>
+                  <a:schemeClr val="tx1"/>
+                </a:solidFill>
+                <a:sym typeface="+mn-ea"/>
+              </a:rPr>
+              <a:t>）包含对应事件的相关信息（如触发的元素、坐标信息、状态信息等）</a:t>
+            </a:r>
+            <a:br>
+              <a:rPr lang="zh-CN" altLang="en-US" sz="2000" dirty="0">
+                <a:solidFill>
+                  <a:schemeClr val="tx1"/>
+                </a:solidFill>
+                <a:sym typeface="+mn-ea"/>
+              </a:rPr>
+            </a:br>
+            <a:r>
+              <a:rPr lang="en-US" altLang="zh-CN" sz="2000" dirty="0">
+                <a:solidFill>
+                  <a:schemeClr val="tx1"/>
+                </a:solidFill>
+                <a:sym typeface="+mn-ea"/>
+              </a:rPr>
+              <a:t>- </a:t>
+            </a:r>
+            <a:r>
+              <a:rPr lang="zh-CN" altLang="en-US" sz="2000" dirty="0">
+                <a:solidFill>
+                  <a:schemeClr val="tx1"/>
+                </a:solidFill>
+                <a:sym typeface="+mn-ea"/>
+              </a:rPr>
+              <a:t>理解事件对象的继承关系（</a:t>
+            </a:r>
+            <a:r>
+              <a:rPr lang="en-US" altLang="zh-CN" sz="2000" dirty="0">
+                <a:solidFill>
+                  <a:schemeClr val="tx1"/>
+                </a:solidFill>
+                <a:sym typeface="+mn-ea"/>
+              </a:rPr>
+              <a:t>Event--UIEvent--MouseEvent</a:t>
+            </a:r>
+            <a:r>
+              <a:rPr lang="zh-CN" altLang="en-US" sz="2000" dirty="0">
+                <a:solidFill>
+                  <a:schemeClr val="tx1"/>
+                </a:solidFill>
+                <a:sym typeface="+mn-ea"/>
+              </a:rPr>
+              <a:t>）</a:t>
+            </a:r>
+            <a:endParaRPr lang="en-US" altLang="zh-CN" sz="2000" dirty="0">
+              <a:solidFill>
+                <a:schemeClr val="tx1"/>
+              </a:solidFill>
+              <a:sym typeface="+mn-ea"/>
+            </a:endParaRPr>
+          </a:p>
+          <a:p>
+            <a:pPr marL="0" indent="0">
+              <a:lnSpc>
+                <a:spcPct val="160000"/>
+              </a:lnSpc>
+              <a:buNone/>
+            </a:pPr>
+            <a:endParaRPr lang="en-US" altLang="zh-CN" sz="1800" dirty="0">
+              <a:solidFill>
+                <a:schemeClr val="tx1"/>
+              </a:solidFill>
+              <a:sym typeface="+mn-ea"/>
+            </a:endParaRPr>
+          </a:p>
+        </p:txBody>
+      </p:sp>
+      <p:sp>
+        <p:nvSpPr>
+          <p:cNvPr id="3" name="内容占位符 2"/>
+          <p:cNvSpPr>
+            <a:spLocks noGrp="1"/>
+          </p:cNvSpPr>
+          <p:nvPr>
+            <p:ph sz="quarter" idx="11"/>
+          </p:nvPr>
+        </p:nvSpPr>
+        <p:spPr>
+          <a:xfrm>
+            <a:off x="947204" y="236943"/>
+            <a:ext cx="8191557" cy="490476"/>
+          </a:xfrm>
+        </p:spPr>
+        <p:txBody>
+          <a:bodyPr/>
+          <a:lstStyle/>
+          <a:p>
+            <a:r>
+              <a:rPr lang="en-US" altLang="zh-CN" dirty="0"/>
+              <a:t>JS</a:t>
+            </a:r>
+            <a:r>
+              <a:rPr lang="zh-CN" altLang="en-US" dirty="0"/>
+              <a:t>事件概述</a:t>
+            </a:r>
+            <a:endParaRPr lang="en-US" altLang="zh-CN" dirty="0"/>
+          </a:p>
+        </p:txBody>
+      </p:sp>
+      <p:sp>
+        <p:nvSpPr>
+          <p:cNvPr id="6" name="文本框 5"/>
+          <p:cNvSpPr txBox="1"/>
+          <p:nvPr/>
+        </p:nvSpPr>
+        <p:spPr>
+          <a:xfrm>
+            <a:off x="5575300" y="6124575"/>
+            <a:ext cx="5033010" cy="398780"/>
+          </a:xfrm>
+          <a:prstGeom prst="rect">
+            <a:avLst/>
+          </a:prstGeom>
+          <a:noFill/>
+        </p:spPr>
+        <p:txBody>
+          <a:bodyPr wrap="square" rtlCol="0">
+            <a:spAutoFit/>
+          </a:bodyPr>
+          <a:lstStyle/>
+          <a:p>
+            <a:r>
+              <a:rPr lang="zh-CN" altLang="en-US" sz="2000">
+                <a:solidFill>
+                  <a:srgbClr val="FF0000"/>
+                </a:solidFill>
+              </a:rPr>
+              <a:t>参见实例</a:t>
+            </a:r>
+            <a:r>
+              <a:rPr lang="en-US" altLang="zh-CN" sz="2000">
+                <a:solidFill>
+                  <a:srgbClr val="FF0000"/>
+                </a:solidFill>
+              </a:rPr>
+              <a:t>index02.html </a:t>
+            </a:r>
+            <a:r>
+              <a:rPr lang="zh-CN" altLang="en-US" sz="2000">
+                <a:solidFill>
+                  <a:srgbClr val="FF0000"/>
+                </a:solidFill>
+              </a:rPr>
+              <a:t>和 </a:t>
+            </a:r>
+            <a:r>
+              <a:rPr lang="en-US" altLang="zh-CN" sz="2000">
+                <a:solidFill>
+                  <a:srgbClr val="FF0000"/>
+                </a:solidFill>
+              </a:rPr>
+              <a:t>demo02.js  </a:t>
+            </a:r>
+            <a:endParaRPr lang="en-US" altLang="zh-CN" sz="2000">
+              <a:solidFill>
+                <a:srgbClr val="FF0000"/>
+              </a:solidFill>
+            </a:endParaRPr>
+          </a:p>
+        </p:txBody>
+      </p:sp>
+      <p:pic>
+        <p:nvPicPr>
+          <p:cNvPr id="4" name="图片 3" descr="Z)NTHRKZQ0A(8Y7M3M8[U}9"/>
+          <p:cNvPicPr>
+            <a:picLocks noChangeAspect="1"/>
+          </p:cNvPicPr>
+          <p:nvPr/>
+        </p:nvPicPr>
+        <p:blipFill>
+          <a:blip r:embed="rId1"/>
+          <a:stretch>
+            <a:fillRect/>
+          </a:stretch>
+        </p:blipFill>
+        <p:spPr>
+          <a:xfrm>
+            <a:off x="1280160" y="3027045"/>
+            <a:ext cx="8326755" cy="3052445"/>
+          </a:xfrm>
+          <a:prstGeom prst="rect">
+            <a:avLst/>
+          </a:prstGeom>
+        </p:spPr>
+      </p:pic>
+      <p:sp>
+        <p:nvSpPr>
+          <p:cNvPr id="5" name="文本框 4"/>
+          <p:cNvSpPr txBox="1"/>
+          <p:nvPr/>
+        </p:nvSpPr>
+        <p:spPr>
+          <a:xfrm>
+            <a:off x="9138920" y="3492500"/>
+            <a:ext cx="2212975" cy="1014730"/>
+          </a:xfrm>
+          <a:prstGeom prst="rect">
+            <a:avLst/>
+          </a:prstGeom>
+          <a:noFill/>
+        </p:spPr>
+        <p:txBody>
+          <a:bodyPr wrap="square" rtlCol="0">
+            <a:spAutoFit/>
+          </a:bodyPr>
+          <a:p>
+            <a:r>
+              <a:rPr lang="zh-CN" altLang="en-US" sz="2000" dirty="0">
+                <a:sym typeface="+mn-ea"/>
+              </a:rPr>
+              <a:t>除了默认的事件外，</a:t>
+            </a:r>
+            <a:r>
+              <a:rPr lang="zh-CN" altLang="en-US" sz="2000" dirty="0">
+                <a:solidFill>
+                  <a:srgbClr val="FF0000"/>
+                </a:solidFill>
+                <a:sym typeface="+mn-ea"/>
+              </a:rPr>
+              <a:t>用户也可自定义事件对象</a:t>
+            </a:r>
+            <a:r>
+              <a:rPr lang="en-US" altLang="zh-CN" sz="2000">
+                <a:solidFill>
+                  <a:srgbClr val="FF0000"/>
+                </a:solidFill>
+              </a:rPr>
+              <a:t> </a:t>
+            </a:r>
+            <a:endParaRPr lang="en-US" altLang="zh-CN" sz="2000">
+              <a:solidFill>
+                <a:srgbClr val="FF0000"/>
+              </a:solidFill>
+            </a:endParaRPr>
+          </a:p>
+        </p:txBody>
+      </p:sp>
+    </p:spTree>
+  </p:cSld>
+  <p:clrMapOvr>
+    <a:masterClrMapping/>
+  </p:clrMapOvr>
+  <p:timing>
+    <p:tnLst>
+      <p:par>
+        <p:cTn id="1" dur="indefinite" restart="never" nodeType="tmRoot">
+          <p:childTnLst>
+            <p:seq concurrent="1" nextAc="seek">
+              <p:cTn id="2" dur="indefinite" nodeType="mainSeq">
+                <p:childTnLst>
+                  <p:par>
+                    <p:cTn id="3" fill="hold">
+                      <p:stCondLst>
+                        <p:cond delay="indefinite"/>
+                      </p:stCondLst>
+                      <p:childTnLst>
+                        <p:par>
+                          <p:cTn id="4" fill="hold">
+                            <p:stCondLst>
+                              <p:cond delay="0"/>
+                            </p:stCondLst>
+                            <p:childTnLst>
+                              <p:par>
+                                <p:cTn id="5" presetID="2" presetClass="entr" presetSubtype="4" fill="hold" nodeType="clickEffect">
+                                  <p:stCondLst>
+                                    <p:cond delay="0"/>
+                                  </p:stCondLst>
+                                  <p:childTnLst>
+                                    <p:set>
+                                      <p:cBhvr>
+                                        <p:cTn id="6" dur="1" fill="hold">
+                                          <p:stCondLst>
+                                            <p:cond delay="0"/>
+                                          </p:stCondLst>
+                                        </p:cTn>
+                                        <p:tgtEl>
+                                          <p:spTgt spid="2">
+                                            <p:txEl>
+                                              <p:pRg st="0" end="0"/>
+                                            </p:txEl>
+                                          </p:spTgt>
+                                        </p:tgtEl>
+                                        <p:attrNameLst>
+                                          <p:attrName>style.visibility</p:attrName>
+                                        </p:attrNameLst>
+                                      </p:cBhvr>
+                                      <p:to>
+                                        <p:strVal val="visible"/>
+                                      </p:to>
+                                    </p:set>
+                                    <p:anim calcmode="lin" valueType="num">
+                                      <p:cBhvr additive="base">
+                                        <p:cTn id="7" dur="500" fill="hold"/>
+                                        <p:tgtEl>
+                                          <p:spTgt spid="2">
+                                            <p:txEl>
+                                              <p:pRg st="0" end="0"/>
+                                            </p:txEl>
+                                          </p:spTgt>
+                                        </p:tgtEl>
+                                        <p:attrNameLst>
+                                          <p:attrName>ppt_x</p:attrName>
+                                        </p:attrNameLst>
+                                      </p:cBhvr>
+                                      <p:tavLst>
+                                        <p:tav tm="0">
+                                          <p:val>
+                                            <p:strVal val="#ppt_x"/>
+                                          </p:val>
+                                        </p:tav>
+                                        <p:tav tm="100000">
+                                          <p:val>
+                                            <p:strVal val="#ppt_x"/>
+                                          </p:val>
+                                        </p:tav>
+                                      </p:tavLst>
+                                    </p:anim>
+                                    <p:anim calcmode="lin" valueType="num">
+                                      <p:cBhvr additive="base">
+                                        <p:cTn id="8" dur="500" fill="hold"/>
+                                        <p:tgtEl>
+                                          <p:spTgt spid="2">
+                                            <p:txEl>
+                                              <p:pRg st="0" end="0"/>
+                                            </p:txEl>
+                                          </p:spTgt>
+                                        </p:tgtEl>
+                                        <p:attrNameLst>
+                                          <p:attrName>ppt_y</p:attrName>
+                                        </p:attrNameLst>
+                                      </p:cBhvr>
+                                      <p:tavLst>
+                                        <p:tav tm="0">
+                                          <p:val>
+                                            <p:strVal val="1+#ppt_h/2"/>
+                                          </p:val>
+                                        </p:tav>
+                                        <p:tav tm="100000">
+                                          <p:val>
+                                            <p:strVal val="#ppt_y"/>
+                                          </p:val>
+                                        </p:tav>
+                                      </p:tavLst>
+                                    </p:anim>
+                                  </p:childTnLst>
+                                </p:cTn>
+                              </p:par>
+                            </p:childTnLst>
+                          </p:cTn>
+                        </p:par>
+                      </p:childTnLst>
+                    </p:cTn>
+                  </p:par>
+                  <p:par>
+                    <p:cTn id="9" fill="hold">
+                      <p:stCondLst>
+                        <p:cond delay="indefinite"/>
+                      </p:stCondLst>
+                      <p:childTnLst>
+                        <p:par>
+                          <p:cTn id="10" fill="hold">
+                            <p:stCondLst>
+                              <p:cond delay="0"/>
+                            </p:stCondLst>
+                            <p:childTnLst>
+                              <p:par>
+                                <p:cTn id="11" presetID="2" presetClass="entr" presetSubtype="4" fill="hold" nodeType="clickEffect">
+                                  <p:stCondLst>
+                                    <p:cond delay="0"/>
+                                  </p:stCondLst>
+                                  <p:childTnLst>
+                                    <p:set>
+                                      <p:cBhvr>
+                                        <p:cTn id="12" dur="1" fill="hold">
+                                          <p:stCondLst>
+                                            <p:cond delay="0"/>
+                                          </p:stCondLst>
+                                        </p:cTn>
+                                        <p:tgtEl>
+                                          <p:spTgt spid="4"/>
+                                        </p:tgtEl>
+                                        <p:attrNameLst>
+                                          <p:attrName>style.visibility</p:attrName>
+                                        </p:attrNameLst>
+                                      </p:cBhvr>
+                                      <p:to>
+                                        <p:strVal val="visible"/>
+                                      </p:to>
+                                    </p:set>
+                                    <p:anim calcmode="lin" valueType="num">
+                                      <p:cBhvr additive="base">
+                                        <p:cTn id="13" dur="500" fill="hold"/>
+                                        <p:tgtEl>
+                                          <p:spTgt spid="4"/>
+                                        </p:tgtEl>
+                                        <p:attrNameLst>
+                                          <p:attrName>ppt_x</p:attrName>
+                                        </p:attrNameLst>
+                                      </p:cBhvr>
+                                      <p:tavLst>
+                                        <p:tav tm="0">
+                                          <p:val>
+                                            <p:strVal val="#ppt_x"/>
+                                          </p:val>
+                                        </p:tav>
+                                        <p:tav tm="100000">
+                                          <p:val>
+                                            <p:strVal val="#ppt_x"/>
+                                          </p:val>
+                                        </p:tav>
+                                      </p:tavLst>
+                                    </p:anim>
+                                    <p:anim calcmode="lin" valueType="num">
+                                      <p:cBhvr additive="base">
+                                        <p:cTn id="14" dur="500" fill="hold"/>
+                                        <p:tgtEl>
+                                          <p:spTgt spid="4"/>
+                                        </p:tgtEl>
+                                        <p:attrNameLst>
+                                          <p:attrName>ppt_y</p:attrName>
+                                        </p:attrNameLst>
+                                      </p:cBhvr>
+                                      <p:tavLst>
+                                        <p:tav tm="0">
+                                          <p:val>
+                                            <p:strVal val="1+#ppt_h/2"/>
+                                          </p:val>
+                                        </p:tav>
+                                        <p:tav tm="100000">
+                                          <p:val>
+                                            <p:strVal val="#ppt_y"/>
+                                          </p:val>
+                                        </p:tav>
+                                      </p:tavLst>
+                                    </p:anim>
+                                  </p:childTnLst>
+                                </p:cTn>
+                              </p:par>
+                            </p:childTnLst>
+                          </p:cTn>
+                        </p:par>
+                        <p:par>
+                          <p:cTn id="15" fill="hold">
+                            <p:stCondLst>
+                              <p:cond delay="500"/>
+                            </p:stCondLst>
+                            <p:childTnLst>
+                              <p:par>
+                                <p:cTn id="16" presetID="2" presetClass="entr" presetSubtype="4" fill="hold" grpId="0" nodeType="afterEffect">
+                                  <p:stCondLst>
+                                    <p:cond delay="0"/>
+                                  </p:stCondLst>
+                                  <p:childTnLst>
+                                    <p:set>
+                                      <p:cBhvr>
+                                        <p:cTn id="17" dur="1" fill="hold">
+                                          <p:stCondLst>
+                                            <p:cond delay="0"/>
+                                          </p:stCondLst>
+                                        </p:cTn>
+                                        <p:tgtEl>
+                                          <p:spTgt spid="5"/>
+                                        </p:tgtEl>
+                                        <p:attrNameLst>
+                                          <p:attrName>style.visibility</p:attrName>
+                                        </p:attrNameLst>
+                                      </p:cBhvr>
+                                      <p:to>
+                                        <p:strVal val="visible"/>
+                                      </p:to>
+                                    </p:set>
+                                    <p:anim calcmode="lin" valueType="num">
+                                      <p:cBhvr additive="base">
+                                        <p:cTn id="18" dur="500" fill="hold"/>
+                                        <p:tgtEl>
+                                          <p:spTgt spid="5"/>
+                                        </p:tgtEl>
+                                        <p:attrNameLst>
+                                          <p:attrName>ppt_x</p:attrName>
+                                        </p:attrNameLst>
+                                      </p:cBhvr>
+                                      <p:tavLst>
+                                        <p:tav tm="0">
+                                          <p:val>
+                                            <p:strVal val="#ppt_x"/>
+                                          </p:val>
+                                        </p:tav>
+                                        <p:tav tm="100000">
+                                          <p:val>
+                                            <p:strVal val="#ppt_x"/>
+                                          </p:val>
+                                        </p:tav>
+                                      </p:tavLst>
+                                    </p:anim>
+                                    <p:anim calcmode="lin" valueType="num">
+                                      <p:cBhvr additive="base">
+                                        <p:cTn id="19" dur="500" fill="hold"/>
+                                        <p:tgtEl>
+                                          <p:spTgt spid="5"/>
+                                        </p:tgtEl>
+                                        <p:attrNameLst>
+                                          <p:attrName>ppt_y</p:attrName>
+                                        </p:attrNameLst>
+                                      </p:cBhvr>
+                                      <p:tavLst>
+                                        <p:tav tm="0">
+                                          <p:val>
+                                            <p:strVal val="1+#ppt_h/2"/>
+                                          </p:val>
+                                        </p:tav>
+                                        <p:tav tm="100000">
+                                          <p:val>
+                                            <p:strVal val="#ppt_y"/>
+                                          </p:val>
+                                        </p:tav>
+                                      </p:tavLst>
+                                    </p:anim>
+                                  </p:childTnLst>
+                                </p:cTn>
+                              </p:par>
+                            </p:childTnLst>
+                          </p:cTn>
+                        </p:par>
+                      </p:childTnLst>
+                    </p:cTn>
+                  </p:par>
+                  <p:par>
+                    <p:cTn id="20" fill="hold">
+                      <p:stCondLst>
+                        <p:cond delay="indefinite"/>
+                      </p:stCondLst>
+                      <p:childTnLst>
+                        <p:par>
+                          <p:cTn id="21" fill="hold">
+                            <p:stCondLst>
+                              <p:cond delay="0"/>
+                            </p:stCondLst>
+                            <p:childTnLst>
+                              <p:par>
+                                <p:cTn id="22" presetID="2" presetClass="entr" presetSubtype="4" fill="hold" grpId="0" nodeType="clickEffect">
+                                  <p:stCondLst>
+                                    <p:cond delay="0"/>
+                                  </p:stCondLst>
+                                  <p:childTnLst>
+                                    <p:set>
+                                      <p:cBhvr>
+                                        <p:cTn id="23" dur="1" fill="hold">
+                                          <p:stCondLst>
+                                            <p:cond delay="0"/>
+                                          </p:stCondLst>
+                                        </p:cTn>
+                                        <p:tgtEl>
+                                          <p:spTgt spid="6"/>
+                                        </p:tgtEl>
+                                        <p:attrNameLst>
+                                          <p:attrName>style.visibility</p:attrName>
+                                        </p:attrNameLst>
+                                      </p:cBhvr>
+                                      <p:to>
+                                        <p:strVal val="visible"/>
+                                      </p:to>
+                                    </p:set>
+                                    <p:anim calcmode="lin" valueType="num">
+                                      <p:cBhvr additive="base">
+                                        <p:cTn id="24" dur="500" fill="hold"/>
+                                        <p:tgtEl>
+                                          <p:spTgt spid="6"/>
+                                        </p:tgtEl>
+                                        <p:attrNameLst>
+                                          <p:attrName>ppt_x</p:attrName>
+                                        </p:attrNameLst>
+                                      </p:cBhvr>
+                                      <p:tavLst>
+                                        <p:tav tm="0">
+                                          <p:val>
+                                            <p:strVal val="#ppt_x"/>
+                                          </p:val>
+                                        </p:tav>
+                                        <p:tav tm="100000">
+                                          <p:val>
+                                            <p:strVal val="#ppt_x"/>
+                                          </p:val>
+                                        </p:tav>
+                                      </p:tavLst>
+                                    </p:anim>
+                                    <p:anim calcmode="lin" valueType="num">
+                                      <p:cBhvr additive="base">
+                                        <p:cTn id="25" dur="500" fill="hold"/>
+                                        <p:tgtEl>
+                                          <p:spTgt spid="6"/>
+                                        </p:tgtEl>
+                                        <p:attrNameLst>
+                                          <p:attrName>ppt_y</p:attrName>
+                                        </p:attrNameLst>
+                                      </p:cBhvr>
+                                      <p:tavLst>
+                                        <p:tav tm="0">
+                                          <p:val>
+                                            <p:strVal val="1+#ppt_h/2"/>
+                                          </p:val>
+                                        </p:tav>
+                                        <p:tav tm="100000">
+                                          <p:val>
+                                            <p:strVal val="#ppt_y"/>
+                                          </p:val>
+                                        </p:tav>
+                                      </p:tavLst>
+                                    </p:anim>
+                                  </p:childTnLst>
+                                </p:cTn>
+                              </p:par>
+                            </p:childTnLst>
+                          </p:cTn>
+                        </p:par>
+                      </p:childTnLst>
+                    </p:cTn>
+                  </p:par>
+                </p:childTnLst>
+              </p:cTn>
+              <p:prevCondLst>
+                <p:cond evt="onPrev" delay="0">
+                  <p:tgtEl>
+                    <p:sldTgt/>
+                  </p:tgtEl>
+                </p:cond>
+              </p:prevCondLst>
+              <p:nextCondLst>
+                <p:cond evt="onNext" delay="0">
+                  <p:tgtEl>
+                    <p:sldTgt/>
+                  </p:tgtEl>
+                </p:cond>
+              </p:nextCondLst>
+            </p:seq>
+          </p:childTnLst>
+        </p:cTn>
+      </p:par>
+    </p:tnLst>
+    <p:bldLst>
+      <p:bldP spid="6" grpId="0"/>
+      <p:bldP spid="5" grpId="0"/>
+    </p:bldLst>
+  </p:timing>
+</p:sld>
+</file>
+
+<file path=ppt/slides/slide5.xml><?xml version="1.0" encoding="utf-8"?>
+<p:sld xmlns:a="http://schemas.openxmlformats.org/drawingml/2006/main" xmlns:r="http://schemas.openxmlformats.org/officeDocument/2006/relationships" xmlns:p="http://schemas.openxmlformats.org/presentationml/2006/main">
+  <p:cSld>
+    <p:spTree>
+      <p:nvGrpSpPr>
+        <p:cNvPr id="1" name=""/>
+        <p:cNvGrpSpPr/>
+        <p:nvPr/>
+      </p:nvGrpSpPr>
+      <p:grpSpPr>
+        <a:xfrm>
+          <a:off x="0" y="0"/>
+          <a:ext cx="0" cy="0"/>
+          <a:chOff x="0" y="0"/>
+          <a:chExt cx="0" cy="0"/>
+        </a:xfrm>
+      </p:grpSpPr>
+      <p:sp>
+        <p:nvSpPr>
+          <p:cNvPr id="5123" name="AutoShape 6"/>
+          <p:cNvSpPr>
+            <a:spLocks noChangeArrowheads="1"/>
+          </p:cNvSpPr>
+          <p:nvPr/>
+        </p:nvSpPr>
+        <p:spPr bwMode="auto">
+          <a:xfrm>
+            <a:off x="2566988" y="1339851"/>
+            <a:ext cx="6711950" cy="4214813"/>
+          </a:xfrm>
+          <a:prstGeom prst="roundRect">
+            <a:avLst>
+              <a:gd name="adj" fmla="val 16667"/>
+            </a:avLst>
+          </a:prstGeom>
+          <a:noFill/>
+          <a:ln w="28575">
+            <a:solidFill>
+              <a:srgbClr val="C0C0C0"/>
+            </a:solidFill>
+            <a:prstDash val="sysDot"/>
+            <a:round/>
+          </a:ln>
+          <a:extLst>
+            <a:ext uri="{909E8E84-426E-40DD-AFC4-6F175D3DCCD1}">
+              <a14:hiddenFill xmlns:a14="http://schemas.microsoft.com/office/drawing/2010/main">
+                <a:solidFill>
+                  <a:srgbClr val="FFFFFF"/>
+                </a:solidFill>
+              </a14:hiddenFill>
+            </a:ext>
+          </a:extLst>
+        </p:spPr>
+        <p:txBody>
+          <a:bodyPr wrap="none" anchor="ctr"/>
+          <a:lstStyle>
+            <a:lvl1pPr marL="457200" indent="-457200">
+              <a:defRPr sz="3200">
+                <a:solidFill>
+                  <a:schemeClr val="tx1"/>
+                </a:solidFill>
+                <a:latin typeface="Arial" panose="020B0604020202020204" pitchFamily="34" charset="0"/>
+                <a:ea typeface="微软雅黑" panose="020B0503020204020204" pitchFamily="34" charset="-122"/>
+              </a:defRPr>
+            </a:lvl1pPr>
+            <a:lvl2pPr marL="742950" indent="-285750">
+              <a:defRPr sz="3200">
+                <a:solidFill>
+                  <a:schemeClr val="tx1"/>
+                </a:solidFill>
+                <a:latin typeface="Arial" panose="020B0604020202020204" pitchFamily="34" charset="0"/>
+                <a:ea typeface="微软雅黑" panose="020B0503020204020204" pitchFamily="34" charset="-122"/>
+              </a:defRPr>
+            </a:lvl2pPr>
+            <a:lvl3pPr marL="1143000" indent="-228600">
+              <a:defRPr sz="3200">
+                <a:solidFill>
+                  <a:schemeClr val="tx1"/>
+                </a:solidFill>
+                <a:latin typeface="Arial" panose="020B0604020202020204" pitchFamily="34" charset="0"/>
+                <a:ea typeface="微软雅黑" panose="020B0503020204020204" pitchFamily="34" charset="-122"/>
+              </a:defRPr>
+            </a:lvl3pPr>
+            <a:lvl4pPr marL="1600200" indent="-228600">
+              <a:defRPr sz="3200">
+                <a:solidFill>
+                  <a:schemeClr val="tx1"/>
+                </a:solidFill>
+                <a:latin typeface="Arial" panose="020B0604020202020204" pitchFamily="34" charset="0"/>
+                <a:ea typeface="微软雅黑" panose="020B0503020204020204" pitchFamily="34" charset="-122"/>
+              </a:defRPr>
+            </a:lvl4pPr>
+            <a:lvl5pPr marL="2057400" indent="-228600">
+              <a:defRPr sz="3200">
+                <a:solidFill>
+                  <a:schemeClr val="tx1"/>
+                </a:solidFill>
+                <a:latin typeface="Arial" panose="020B0604020202020204" pitchFamily="34" charset="0"/>
+                <a:ea typeface="微软雅黑" panose="020B0503020204020204" pitchFamily="34" charset="-122"/>
+              </a:defRPr>
+            </a:lvl5pPr>
+            <a:lvl6pPr marL="2514600" indent="-228600" eaLnBrk="0" fontAlgn="base" hangingPunct="0">
+              <a:spcBef>
+                <a:spcPct val="0"/>
+              </a:spcBef>
+              <a:spcAft>
+                <a:spcPct val="0"/>
+              </a:spcAft>
+              <a:defRPr sz="3200">
+                <a:solidFill>
+                  <a:schemeClr val="tx1"/>
+                </a:solidFill>
+                <a:latin typeface="Arial" panose="020B0604020202020204" pitchFamily="34" charset="0"/>
+                <a:ea typeface="微软雅黑" panose="020B0503020204020204" pitchFamily="34" charset="-122"/>
+              </a:defRPr>
+            </a:lvl6pPr>
+            <a:lvl7pPr marL="2971800" indent="-228600" eaLnBrk="0" fontAlgn="base" hangingPunct="0">
+              <a:spcBef>
+                <a:spcPct val="0"/>
+              </a:spcBef>
+              <a:spcAft>
+                <a:spcPct val="0"/>
+              </a:spcAft>
+              <a:defRPr sz="3200">
+                <a:solidFill>
+                  <a:schemeClr val="tx1"/>
+                </a:solidFill>
+                <a:latin typeface="Arial" panose="020B0604020202020204" pitchFamily="34" charset="0"/>
+                <a:ea typeface="微软雅黑" panose="020B0503020204020204" pitchFamily="34" charset="-122"/>
+              </a:defRPr>
+            </a:lvl7pPr>
+            <a:lvl8pPr marL="3429000" indent="-228600" eaLnBrk="0" fontAlgn="base" hangingPunct="0">
+              <a:spcBef>
+                <a:spcPct val="0"/>
+              </a:spcBef>
+              <a:spcAft>
+                <a:spcPct val="0"/>
+              </a:spcAft>
+              <a:defRPr sz="3200">
+                <a:solidFill>
+                  <a:schemeClr val="tx1"/>
+                </a:solidFill>
+                <a:latin typeface="Arial" panose="020B0604020202020204" pitchFamily="34" charset="0"/>
+                <a:ea typeface="微软雅黑" panose="020B0503020204020204" pitchFamily="34" charset="-122"/>
+              </a:defRPr>
+            </a:lvl8pPr>
+            <a:lvl9pPr marL="3886200" indent="-228600" eaLnBrk="0" fontAlgn="base" hangingPunct="0">
+              <a:spcBef>
+                <a:spcPct val="0"/>
+              </a:spcBef>
+              <a:spcAft>
+                <a:spcPct val="0"/>
+              </a:spcAft>
+              <a:defRPr sz="3200">
+                <a:solidFill>
+                  <a:schemeClr val="tx1"/>
+                </a:solidFill>
+                <a:latin typeface="Arial" panose="020B0604020202020204" pitchFamily="34" charset="0"/>
+                <a:ea typeface="微软雅黑" panose="020B0503020204020204" pitchFamily="34" charset="-122"/>
+              </a:defRPr>
+            </a:lvl9pPr>
+          </a:lstStyle>
+          <a:p>
+            <a:pPr algn="l">
+              <a:lnSpc>
+                <a:spcPct val="150000"/>
+              </a:lnSpc>
+              <a:spcBef>
+                <a:spcPts val="1200"/>
+              </a:spcBef>
+              <a:spcAft>
+                <a:spcPts val="1200"/>
+              </a:spcAft>
+              <a:buClr>
+                <a:srgbClr val="92D050"/>
+              </a:buClr>
+              <a:buFont typeface="Wingdings" panose="05000000000000000000" pitchFamily="2" charset="2"/>
+              <a:buChar char="Ø"/>
+            </a:pPr>
+            <a:r>
+              <a:rPr lang="en-US" altLang="zh-CN" sz="2800" b="1">
+                <a:solidFill>
+                  <a:schemeClr val="tx1"/>
+                </a:solidFill>
+                <a:sym typeface="+mn-ea"/>
+              </a:rPr>
+              <a:t>JS</a:t>
+            </a:r>
+            <a:r>
+              <a:rPr lang="zh-CN" altLang="en-US" sz="2800" b="1">
+                <a:solidFill>
+                  <a:schemeClr val="tx1"/>
+                </a:solidFill>
+                <a:sym typeface="+mn-ea"/>
+              </a:rPr>
+              <a:t>事件及事件对象</a:t>
+            </a:r>
+            <a:endParaRPr lang="zh-CN" altLang="en-US" sz="2800" b="1">
+              <a:solidFill>
+                <a:schemeClr val="tx1"/>
+              </a:solidFill>
+              <a:sym typeface="+mn-ea"/>
+            </a:endParaRPr>
+          </a:p>
+          <a:p>
+            <a:pPr algn="l">
+              <a:lnSpc>
+                <a:spcPct val="150000"/>
+              </a:lnSpc>
+              <a:spcBef>
+                <a:spcPts val="1200"/>
+              </a:spcBef>
+              <a:spcAft>
+                <a:spcPts val="1200"/>
+              </a:spcAft>
+              <a:buClr>
+                <a:srgbClr val="92D050"/>
+              </a:buClr>
+              <a:buFont typeface="Wingdings" panose="05000000000000000000" pitchFamily="2" charset="2"/>
+              <a:buChar char="Ø"/>
+            </a:pPr>
+            <a:r>
+              <a:rPr lang="en-US" altLang="zh-CN" sz="2800" b="1">
+                <a:solidFill>
+                  <a:srgbClr val="FF0000"/>
+                </a:solidFill>
+              </a:rPr>
+              <a:t>JS</a:t>
+            </a:r>
+            <a:r>
+              <a:rPr lang="zh-CN" altLang="en-US" sz="2800" b="1">
+                <a:solidFill>
+                  <a:srgbClr val="FF0000"/>
+                </a:solidFill>
+              </a:rPr>
+              <a:t>事件响应</a:t>
+            </a:r>
+            <a:endParaRPr lang="zh-CN" altLang="en-US" sz="2800" b="1">
+              <a:solidFill>
+                <a:srgbClr val="FF0000"/>
+              </a:solidFill>
+            </a:endParaRPr>
+          </a:p>
+          <a:p>
+            <a:pPr algn="l">
+              <a:lnSpc>
+                <a:spcPct val="150000"/>
+              </a:lnSpc>
+              <a:spcBef>
+                <a:spcPts val="1200"/>
+              </a:spcBef>
+              <a:spcAft>
+                <a:spcPts val="1200"/>
+              </a:spcAft>
+              <a:buClr>
+                <a:srgbClr val="92D050"/>
+              </a:buClr>
+              <a:buFont typeface="Wingdings" panose="05000000000000000000" pitchFamily="2" charset="2"/>
+              <a:buChar char="Ø"/>
+            </a:pPr>
+            <a:r>
+              <a:rPr lang="en-US" altLang="zh-CN" sz="2800" b="1">
+                <a:solidFill>
+                  <a:schemeClr val="tx1"/>
+                </a:solidFill>
+                <a:sym typeface="+mn-ea"/>
+              </a:rPr>
+              <a:t>JS</a:t>
+            </a:r>
+            <a:r>
+              <a:rPr lang="zh-CN" altLang="en-US" sz="2800" b="1">
+                <a:solidFill>
+                  <a:schemeClr val="tx1"/>
+                </a:solidFill>
+              </a:rPr>
+              <a:t>事件流（冒泡、捕获）</a:t>
+            </a:r>
+            <a:endParaRPr lang="zh-CN" altLang="en-US" sz="2800" b="1">
+              <a:solidFill>
+                <a:schemeClr val="tx1"/>
+              </a:solidFill>
+            </a:endParaRPr>
+          </a:p>
+        </p:txBody>
+      </p:sp>
+      <p:sp>
+        <p:nvSpPr>
+          <p:cNvPr id="4" name="内容占位符 3"/>
+          <p:cNvSpPr txBox="1"/>
+          <p:nvPr/>
+        </p:nvSpPr>
+        <p:spPr>
+          <a:xfrm>
+            <a:off x="981657" y="236943"/>
+            <a:ext cx="8191557" cy="490476"/>
+          </a:xfrm>
+          <a:prstGeom prst="rect">
+            <a:avLst/>
+          </a:prstGeom>
+        </p:spPr>
+        <p:txBody>
+          <a:bodyPr/>
+          <a:lstStyle>
+            <a:lvl1pPr marL="167005" indent="-167005" algn="l" defTabSz="0" rtl="0" eaLnBrk="0" fontAlgn="base" hangingPunct="0">
+              <a:spcBef>
+                <a:spcPct val="0"/>
+              </a:spcBef>
+              <a:spcAft>
+                <a:spcPct val="15000"/>
+              </a:spcAft>
+              <a:buClr>
+                <a:schemeClr val="tx2"/>
+              </a:buClr>
+              <a:buFont typeface="Arial" panose="020B0604020202020204" pitchFamily="34" charset="0"/>
+              <a:buChar char="•"/>
+              <a:defRPr kumimoji="1" sz="1600">
+                <a:solidFill>
+                  <a:srgbClr val="006F53"/>
+                </a:solidFill>
+                <a:latin typeface="微软雅黑" panose="020B0503020204020204" pitchFamily="34" charset="-122"/>
+                <a:ea typeface="微软雅黑" panose="020B0503020204020204" pitchFamily="34" charset="-122"/>
+                <a:cs typeface="微软雅黑" panose="020B0503020204020204" pitchFamily="34" charset="-122"/>
+              </a:defRPr>
+            </a:lvl1pPr>
+            <a:lvl2pPr marL="398780" indent="-230505" algn="l" defTabSz="0" rtl="0" eaLnBrk="0" fontAlgn="base" hangingPunct="0">
+              <a:spcBef>
+                <a:spcPct val="0"/>
+              </a:spcBef>
+              <a:spcAft>
+                <a:spcPct val="15000"/>
+              </a:spcAft>
+              <a:buClr>
+                <a:schemeClr val="tx2"/>
+              </a:buClr>
+              <a:buFont typeface="Arial" panose="020B0604020202020204" pitchFamily="34" charset="0"/>
+              <a:buChar char="–"/>
+              <a:defRPr kumimoji="1" sz="2800">
+                <a:solidFill>
+                  <a:schemeClr val="bg2"/>
+                </a:solidFill>
+                <a:latin typeface="微软雅黑" panose="020B0503020204020204" pitchFamily="34" charset="-122"/>
+                <a:ea typeface="微软雅黑" panose="020B0503020204020204" pitchFamily="34" charset="-122"/>
+                <a:cs typeface="微软雅黑" panose="020B0503020204020204" pitchFamily="34" charset="-122"/>
+              </a:defRPr>
+            </a:lvl2pPr>
+            <a:lvl3pPr marL="400050" indent="182880" algn="l" defTabSz="0" rtl="0" eaLnBrk="0" fontAlgn="base" hangingPunct="0">
+              <a:spcBef>
+                <a:spcPct val="0"/>
+              </a:spcBef>
+              <a:spcAft>
+                <a:spcPct val="15000"/>
+              </a:spcAft>
+              <a:buClr>
+                <a:schemeClr val="tx2"/>
+              </a:buClr>
+              <a:buFont typeface="Arial" panose="020B0604020202020204" pitchFamily="34" charset="0"/>
+              <a:buChar char="•"/>
+              <a:defRPr kumimoji="1" sz="1600">
+                <a:solidFill>
+                  <a:schemeClr val="bg2"/>
+                </a:solidFill>
+                <a:latin typeface="微软雅黑" panose="020B0503020204020204" pitchFamily="34" charset="-122"/>
+                <a:ea typeface="微软雅黑" panose="020B0503020204020204" pitchFamily="34" charset="-122"/>
+                <a:cs typeface="微软雅黑" panose="020B0503020204020204" pitchFamily="34" charset="-122"/>
+              </a:defRPr>
+            </a:lvl3pPr>
+            <a:lvl4pPr marL="825500" indent="-241300" algn="l" defTabSz="0" rtl="0" eaLnBrk="0" fontAlgn="base" hangingPunct="0">
+              <a:spcBef>
+                <a:spcPct val="0"/>
+              </a:spcBef>
+              <a:spcAft>
+                <a:spcPct val="15000"/>
+              </a:spcAft>
+              <a:buClr>
+                <a:schemeClr val="tx2"/>
+              </a:buClr>
+              <a:buFont typeface="Arial" panose="020B0604020202020204" pitchFamily="34" charset="0"/>
+              <a:buChar char="–"/>
+              <a:defRPr kumimoji="1" sz="1600">
+                <a:solidFill>
+                  <a:schemeClr val="bg2"/>
+                </a:solidFill>
+                <a:latin typeface="微软雅黑" panose="020B0503020204020204" pitchFamily="34" charset="-122"/>
+                <a:ea typeface="微软雅黑" panose="020B0503020204020204" pitchFamily="34" charset="-122"/>
+                <a:cs typeface="微软雅黑" panose="020B0503020204020204" pitchFamily="34" charset="-122"/>
+              </a:defRPr>
+            </a:lvl4pPr>
+            <a:lvl5pPr marL="2057400" indent="-228600" algn="l" defTabSz="0" rtl="0" eaLnBrk="0" fontAlgn="base" hangingPunct="0">
+              <a:spcBef>
+                <a:spcPct val="0"/>
+              </a:spcBef>
+              <a:spcAft>
+                <a:spcPct val="25000"/>
+              </a:spcAft>
+              <a:buClr>
+                <a:schemeClr val="tx2"/>
+              </a:buClr>
+              <a:buFont typeface="Arial" panose="020B0604020202020204" pitchFamily="34" charset="0"/>
+              <a:buChar char="–"/>
+              <a:defRPr kumimoji="1" sz="2000">
+                <a:solidFill>
+                  <a:schemeClr val="tx1"/>
+                </a:solidFill>
+                <a:latin typeface="+mn-lt"/>
+                <a:ea typeface="微软雅黑" panose="020B0503020204020204" pitchFamily="34" charset="-122"/>
+                <a:cs typeface="微软雅黑" panose="020B0503020204020204" pitchFamily="34" charset="-122"/>
+              </a:defRPr>
+            </a:lvl5pPr>
+            <a:lvl6pPr marL="2514600" indent="-228600" algn="l" defTabSz="0" rtl="0" eaLnBrk="0" fontAlgn="base" hangingPunct="0">
+              <a:spcBef>
+                <a:spcPct val="0"/>
+              </a:spcBef>
+              <a:spcAft>
+                <a:spcPct val="25000"/>
+              </a:spcAft>
+              <a:buClr>
+                <a:schemeClr val="tx2"/>
+              </a:buClr>
+              <a:buFont typeface="Arial" panose="020B0604020202020204" pitchFamily="34" charset="0"/>
+              <a:buChar char="–"/>
+              <a:defRPr>
+                <a:solidFill>
+                  <a:schemeClr val="tx1"/>
+                </a:solidFill>
+                <a:latin typeface="+mn-lt"/>
+              </a:defRPr>
+            </a:lvl6pPr>
+            <a:lvl7pPr marL="2971800" indent="-228600" algn="l" defTabSz="0" rtl="0" eaLnBrk="0" fontAlgn="base" hangingPunct="0">
+              <a:spcBef>
+                <a:spcPct val="0"/>
+              </a:spcBef>
+              <a:spcAft>
+                <a:spcPct val="25000"/>
+              </a:spcAft>
+              <a:buClr>
+                <a:schemeClr val="tx2"/>
+              </a:buClr>
+              <a:buFont typeface="Arial" panose="020B0604020202020204" pitchFamily="34" charset="0"/>
+              <a:buChar char="–"/>
+              <a:defRPr>
+                <a:solidFill>
+                  <a:schemeClr val="tx1"/>
+                </a:solidFill>
+                <a:latin typeface="+mn-lt"/>
+              </a:defRPr>
+            </a:lvl7pPr>
+            <a:lvl8pPr marL="3429000" indent="-228600" algn="l" defTabSz="0" rtl="0" eaLnBrk="0" fontAlgn="base" hangingPunct="0">
+              <a:spcBef>
+                <a:spcPct val="0"/>
+              </a:spcBef>
+              <a:spcAft>
+                <a:spcPct val="25000"/>
+              </a:spcAft>
+              <a:buClr>
+                <a:schemeClr val="tx2"/>
+              </a:buClr>
+              <a:buFont typeface="Arial" panose="020B0604020202020204" pitchFamily="34" charset="0"/>
+              <a:buChar char="–"/>
+              <a:defRPr>
+                <a:solidFill>
+                  <a:schemeClr val="tx1"/>
+                </a:solidFill>
+                <a:latin typeface="+mn-lt"/>
+              </a:defRPr>
+            </a:lvl8pPr>
+            <a:lvl9pPr marL="3886200" indent="-228600" algn="l" defTabSz="0" rtl="0" eaLnBrk="0" fontAlgn="base" hangingPunct="0">
+              <a:spcBef>
+                <a:spcPct val="0"/>
+              </a:spcBef>
+              <a:spcAft>
+                <a:spcPct val="25000"/>
+              </a:spcAft>
+              <a:buClr>
+                <a:schemeClr val="tx2"/>
+              </a:buClr>
+              <a:buFont typeface="Arial" panose="020B0604020202020204" pitchFamily="34" charset="0"/>
+              <a:buChar char="–"/>
+              <a:defRPr>
+                <a:solidFill>
+                  <a:schemeClr val="tx1"/>
+                </a:solidFill>
+                <a:latin typeface="+mn-lt"/>
+              </a:defRPr>
+            </a:lvl9pPr>
+          </a:lstStyle>
+          <a:p>
+            <a:pPr marL="0" indent="0">
+              <a:buNone/>
+            </a:pPr>
+            <a:r>
+              <a:rPr lang="zh-CN" altLang="en-US" sz="3200" dirty="0" smtClean="0">
+                <a:solidFill>
+                  <a:srgbClr val="C00000"/>
+                </a:solidFill>
+                <a:cs typeface="+mn-cs"/>
+                <a:sym typeface="+mn-ea"/>
+              </a:rPr>
+              <a:t>内容提纲</a:t>
+            </a:r>
+            <a:endParaRPr lang="zh-CN" altLang="en-US" kern="0" dirty="0"/>
+          </a:p>
+        </p:txBody>
+      </p:sp>
+    </p:spTree>
+  </p:cSld>
+  <p:clrMapOvr>
+    <a:masterClrMapping/>
+  </p:clrMapOvr>
+  <p:timing>
+    <p:tnLst>
+      <p:par>
+        <p:cTn id="1" dur="indefinite" restart="never" nodeType="tmRoot"/>
+      </p:par>
+    </p:tnLst>
+  </p:timing>
+</p:sld>
+</file>
+
+<file path=ppt/slides/slide6.xml><?xml version="1.0" encoding="utf-8"?>
+<p:sld xmlns:a="http://schemas.openxmlformats.org/drawingml/2006/main" xmlns:r="http://schemas.openxmlformats.org/officeDocument/2006/relationships" xmlns:p="http://schemas.openxmlformats.org/presentationml/2006/main">
+  <p:cSld>
+    <p:spTree>
+      <p:nvGrpSpPr>
+        <p:cNvPr id="1" name=""/>
+        <p:cNvGrpSpPr/>
+        <p:nvPr/>
+      </p:nvGrpSpPr>
+      <p:grpSpPr>
+        <a:xfrm>
+          <a:off x="0" y="0"/>
+          <a:ext cx="0" cy="0"/>
+          <a:chOff x="0" y="0"/>
+          <a:chExt cx="0" cy="0"/>
+        </a:xfrm>
+      </p:grpSpPr>
+      <p:sp>
+        <p:nvSpPr>
+          <p:cNvPr id="2" name="内容占位符 1"/>
+          <p:cNvSpPr>
+            <a:spLocks noGrp="1"/>
+          </p:cNvSpPr>
+          <p:nvPr>
+            <p:ph sz="quarter" idx="10"/>
+          </p:nvPr>
+        </p:nvSpPr>
+        <p:spPr>
+          <a:xfrm>
+            <a:off x="927735" y="783590"/>
+            <a:ext cx="10781665" cy="5269230"/>
+          </a:xfrm>
+        </p:spPr>
+        <p:txBody>
+          <a:bodyPr/>
+          <a:lstStyle/>
+          <a:p>
+            <a:pPr>
+              <a:lnSpc>
+                <a:spcPct val="150000"/>
+              </a:lnSpc>
+            </a:pPr>
+            <a:r>
+              <a:rPr lang="zh-CN" altLang="en-US" sz="3200" dirty="0">
+                <a:solidFill>
+                  <a:schemeClr val="tx1"/>
+                </a:solidFill>
+                <a:sym typeface="+mn-ea"/>
+              </a:rPr>
+              <a:t>事件响应方式</a:t>
+            </a:r>
+            <a:br>
+              <a:rPr lang="zh-CN" altLang="en-US" sz="3200" dirty="0">
+                <a:solidFill>
+                  <a:schemeClr val="tx1"/>
+                </a:solidFill>
+                <a:sym typeface="+mn-ea"/>
+              </a:rPr>
+            </a:br>
+            <a:r>
+              <a:rPr lang="en-US" altLang="zh-CN" sz="2000" dirty="0">
+                <a:solidFill>
+                  <a:schemeClr val="tx1"/>
+                </a:solidFill>
+                <a:sym typeface="+mn-ea"/>
+              </a:rPr>
+              <a:t>- HTML</a:t>
+            </a:r>
+            <a:r>
+              <a:rPr lang="zh-CN" altLang="en-US" sz="2000" dirty="0">
+                <a:solidFill>
+                  <a:schemeClr val="tx1"/>
+                </a:solidFill>
+                <a:sym typeface="+mn-ea"/>
+              </a:rPr>
+              <a:t>事件处理程序</a:t>
+            </a:r>
+            <a:br>
+              <a:rPr lang="zh-CN" altLang="en-US" sz="2000" dirty="0">
+                <a:solidFill>
+                  <a:schemeClr val="tx1"/>
+                </a:solidFill>
+                <a:sym typeface="+mn-ea"/>
+              </a:rPr>
+            </a:br>
+            <a:r>
+              <a:rPr lang="en-US" altLang="zh-CN" sz="2000" dirty="0">
+                <a:solidFill>
+                  <a:schemeClr val="tx1"/>
+                </a:solidFill>
+                <a:sym typeface="+mn-ea"/>
+              </a:rPr>
+              <a:t>- DOM0</a:t>
+            </a:r>
+            <a:r>
+              <a:rPr lang="zh-CN" altLang="en-US" sz="2000" dirty="0">
+                <a:solidFill>
+                  <a:schemeClr val="tx1"/>
+                </a:solidFill>
+                <a:sym typeface="+mn-ea"/>
+              </a:rPr>
+              <a:t>级事件处理程序 </a:t>
+            </a:r>
+            <a:r>
+              <a:rPr lang="en-US" altLang="zh-CN" sz="2000" dirty="0">
+                <a:solidFill>
+                  <a:schemeClr val="tx1"/>
+                </a:solidFill>
+                <a:sym typeface="+mn-ea"/>
+              </a:rPr>
+              <a:t>onclik</a:t>
+            </a:r>
+            <a:br>
+              <a:rPr lang="zh-CN" altLang="en-US" sz="2000" dirty="0">
+                <a:solidFill>
+                  <a:schemeClr val="tx1"/>
+                </a:solidFill>
+                <a:sym typeface="+mn-ea"/>
+              </a:rPr>
+            </a:br>
+            <a:r>
+              <a:rPr lang="en-US" altLang="zh-CN" sz="2000" dirty="0">
+                <a:solidFill>
+                  <a:schemeClr val="tx1"/>
+                </a:solidFill>
+                <a:sym typeface="+mn-ea"/>
+              </a:rPr>
+              <a:t>- DOM2</a:t>
+            </a:r>
+            <a:r>
+              <a:rPr lang="zh-CN" altLang="en-US" sz="2000" dirty="0">
+                <a:solidFill>
+                  <a:schemeClr val="tx1"/>
+                </a:solidFill>
+                <a:sym typeface="+mn-ea"/>
+              </a:rPr>
+              <a:t>级事件处理程序 </a:t>
+            </a:r>
+            <a:r>
+              <a:rPr lang="en-US" altLang="zh-CN" sz="2000" dirty="0">
+                <a:solidFill>
+                  <a:schemeClr val="tx1"/>
+                </a:solidFill>
+                <a:sym typeface="+mn-ea"/>
+              </a:rPr>
+              <a:t>addeventlistener </a:t>
+            </a:r>
+            <a:r>
+              <a:rPr lang="zh-CN" altLang="en-US" sz="2000" dirty="0">
+                <a:solidFill>
+                  <a:schemeClr val="tx1"/>
+                </a:solidFill>
+                <a:sym typeface="+mn-ea"/>
+              </a:rPr>
+              <a:t>可多次添加</a:t>
+            </a:r>
+            <a:endParaRPr lang="zh-CN" altLang="en-US" sz="2000" dirty="0">
+              <a:solidFill>
+                <a:schemeClr val="tx1"/>
+              </a:solidFill>
+              <a:sym typeface="+mn-ea"/>
+            </a:endParaRPr>
+          </a:p>
+          <a:p>
+            <a:pPr marL="0" indent="0">
+              <a:lnSpc>
+                <a:spcPct val="150000"/>
+              </a:lnSpc>
+              <a:buNone/>
+            </a:pPr>
+            <a:endParaRPr lang="en-US" altLang="zh-CN" sz="2000" dirty="0">
+              <a:solidFill>
+                <a:schemeClr val="tx1"/>
+              </a:solidFill>
+              <a:sym typeface="+mn-ea"/>
+            </a:endParaRPr>
+          </a:p>
+          <a:p>
+            <a:pPr marL="0" indent="0">
+              <a:lnSpc>
+                <a:spcPct val="160000"/>
+              </a:lnSpc>
+              <a:buNone/>
+            </a:pPr>
+            <a:endParaRPr lang="en-US" altLang="zh-CN" sz="1800" dirty="0">
+              <a:solidFill>
+                <a:schemeClr val="tx1"/>
+              </a:solidFill>
+              <a:sym typeface="+mn-ea"/>
+            </a:endParaRPr>
+          </a:p>
+        </p:txBody>
+      </p:sp>
+      <p:sp>
+        <p:nvSpPr>
+          <p:cNvPr id="3" name="内容占位符 2"/>
+          <p:cNvSpPr>
+            <a:spLocks noGrp="1"/>
+          </p:cNvSpPr>
+          <p:nvPr>
+            <p:ph sz="quarter" idx="11"/>
+          </p:nvPr>
+        </p:nvSpPr>
+        <p:spPr>
+          <a:xfrm>
+            <a:off x="947204" y="236943"/>
+            <a:ext cx="8191557" cy="490476"/>
+          </a:xfrm>
+        </p:spPr>
+        <p:txBody>
+          <a:bodyPr/>
+          <a:lstStyle/>
+          <a:p>
+            <a:r>
+              <a:rPr lang="en-US" altLang="zh-CN" dirty="0"/>
+              <a:t>JS</a:t>
+            </a:r>
+            <a:r>
+              <a:rPr lang="zh-CN" altLang="en-US" dirty="0"/>
+              <a:t>事件概述</a:t>
+            </a:r>
+            <a:endParaRPr lang="en-US" altLang="zh-CN" dirty="0"/>
+          </a:p>
+        </p:txBody>
+      </p:sp>
+      <p:sp>
+        <p:nvSpPr>
+          <p:cNvPr id="6" name="文本框 5"/>
+          <p:cNvSpPr txBox="1"/>
+          <p:nvPr/>
+        </p:nvSpPr>
+        <p:spPr>
+          <a:xfrm>
+            <a:off x="5575300" y="6339840"/>
+            <a:ext cx="5033010" cy="398780"/>
+          </a:xfrm>
+          <a:prstGeom prst="rect">
+            <a:avLst/>
+          </a:prstGeom>
+          <a:noFill/>
+        </p:spPr>
+        <p:txBody>
+          <a:bodyPr wrap="square" rtlCol="0">
+            <a:spAutoFit/>
+          </a:bodyPr>
+          <a:lstStyle/>
+          <a:p>
+            <a:r>
+              <a:rPr lang="zh-CN" altLang="en-US" sz="2000">
+                <a:solidFill>
+                  <a:srgbClr val="FF0000"/>
+                </a:solidFill>
+              </a:rPr>
+              <a:t>参见实例</a:t>
+            </a:r>
+            <a:r>
+              <a:rPr lang="en-US" altLang="zh-CN" sz="2000">
+                <a:solidFill>
+                  <a:srgbClr val="FF0000"/>
+                </a:solidFill>
+              </a:rPr>
+              <a:t>index03.html </a:t>
+            </a:r>
+            <a:r>
+              <a:rPr lang="zh-CN" altLang="en-US" sz="2000">
+                <a:solidFill>
+                  <a:srgbClr val="FF0000"/>
+                </a:solidFill>
+              </a:rPr>
+              <a:t>和 </a:t>
+            </a:r>
+            <a:r>
+              <a:rPr lang="en-US" altLang="zh-CN" sz="2000">
+                <a:solidFill>
+                  <a:srgbClr val="FF0000"/>
+                </a:solidFill>
+              </a:rPr>
+              <a:t>demo03.js</a:t>
+            </a:r>
+            <a:endParaRPr lang="en-US" altLang="zh-CN" sz="2000">
+              <a:solidFill>
+                <a:srgbClr val="FF0000"/>
+              </a:solidFill>
+            </a:endParaRPr>
+          </a:p>
+        </p:txBody>
+      </p:sp>
+    </p:spTree>
+  </p:cSld>
+  <p:clrMapOvr>
+    <a:masterClrMapping/>
+  </p:clrMapOvr>
+  <p:timing>
+    <p:tnLst>
+      <p:par>
+        <p:cTn id="1" dur="indefinite" restart="never" nodeType="tmRoot">
+          <p:childTnLst>
+            <p:seq concurrent="1" nextAc="seek">
+              <p:cTn id="2" dur="indefinite" nodeType="mainSeq">
+                <p:childTnLst>
+                  <p:par>
+                    <p:cTn id="3" fill="hold">
+                      <p:stCondLst>
+                        <p:cond delay="indefinite"/>
+                      </p:stCondLst>
+                      <p:childTnLst>
+                        <p:par>
+                          <p:cTn id="4" fill="hold">
+                            <p:stCondLst>
+                              <p:cond delay="0"/>
+                            </p:stCondLst>
+                            <p:childTnLst>
+                              <p:par>
+                                <p:cTn id="5" presetID="2" presetClass="entr" presetSubtype="4" fill="hold" nodeType="clickEffect">
+                                  <p:stCondLst>
+                                    <p:cond delay="0"/>
+                                  </p:stCondLst>
+                                  <p:childTnLst>
+                                    <p:set>
+                                      <p:cBhvr>
+                                        <p:cTn id="6" dur="1" fill="hold">
+                                          <p:stCondLst>
+                                            <p:cond delay="0"/>
+                                          </p:stCondLst>
+                                        </p:cTn>
+                                        <p:tgtEl>
+                                          <p:spTgt spid="2">
+                                            <p:txEl>
+                                              <p:pRg st="0" end="0"/>
+                                            </p:txEl>
+                                          </p:spTgt>
+                                        </p:tgtEl>
+                                        <p:attrNameLst>
+                                          <p:attrName>style.visibility</p:attrName>
+                                        </p:attrNameLst>
+                                      </p:cBhvr>
+                                      <p:to>
+                                        <p:strVal val="visible"/>
+                                      </p:to>
+                                    </p:set>
+                                    <p:anim calcmode="lin" valueType="num">
+                                      <p:cBhvr additive="base">
+                                        <p:cTn id="7" dur="500" fill="hold"/>
+                                        <p:tgtEl>
+                                          <p:spTgt spid="2">
+                                            <p:txEl>
+                                              <p:pRg st="0" end="0"/>
+                                            </p:txEl>
+                                          </p:spTgt>
+                                        </p:tgtEl>
+                                        <p:attrNameLst>
+                                          <p:attrName>ppt_x</p:attrName>
+                                        </p:attrNameLst>
+                                      </p:cBhvr>
+                                      <p:tavLst>
+                                        <p:tav tm="0">
+                                          <p:val>
+                                            <p:strVal val="#ppt_x"/>
+                                          </p:val>
+                                        </p:tav>
+                                        <p:tav tm="100000">
+                                          <p:val>
+                                            <p:strVal val="#ppt_x"/>
+                                          </p:val>
+                                        </p:tav>
+                                      </p:tavLst>
+                                    </p:anim>
+                                    <p:anim calcmode="lin" valueType="num">
+                                      <p:cBhvr additive="base">
+                                        <p:cTn id="8" dur="500" fill="hold"/>
+                                        <p:tgtEl>
+                                          <p:spTgt spid="2">
+                                            <p:txEl>
+                                              <p:pRg st="0" end="0"/>
+                                            </p:txEl>
+                                          </p:spTgt>
+                                        </p:tgtEl>
+                                        <p:attrNameLst>
+                                          <p:attrName>ppt_y</p:attrName>
+                                        </p:attrNameLst>
+                                      </p:cBhvr>
+                                      <p:tavLst>
+                                        <p:tav tm="0">
+                                          <p:val>
+                                            <p:strVal val="1+#ppt_h/2"/>
+                                          </p:val>
+                                        </p:tav>
+                                        <p:tav tm="100000">
+                                          <p:val>
+                                            <p:strVal val="#ppt_y"/>
+                                          </p:val>
+                                        </p:tav>
+                                      </p:tavLst>
+                                    </p:anim>
+                                  </p:childTnLst>
+                                </p:cTn>
+                              </p:par>
+                            </p:childTnLst>
+                          </p:cTn>
+                        </p:par>
+                        <p:par>
+                          <p:cTn id="9" fill="hold">
+                            <p:stCondLst>
+                              <p:cond delay="500"/>
+                            </p:stCondLst>
+                            <p:childTnLst>
+                              <p:par>
+                                <p:cTn id="10" presetID="2" presetClass="entr" presetSubtype="4" fill="hold" grpId="0" nodeType="afterEffect">
+                                  <p:stCondLst>
+                                    <p:cond delay="0"/>
+                                  </p:stCondLst>
+                                  <p:childTnLst>
+                                    <p:set>
+                                      <p:cBhvr>
+                                        <p:cTn id="11" dur="1" fill="hold">
+                                          <p:stCondLst>
+                                            <p:cond delay="0"/>
+                                          </p:stCondLst>
+                                        </p:cTn>
+                                        <p:tgtEl>
+                                          <p:spTgt spid="6"/>
+                                        </p:tgtEl>
+                                        <p:attrNameLst>
+                                          <p:attrName>style.visibility</p:attrName>
+                                        </p:attrNameLst>
+                                      </p:cBhvr>
+                                      <p:to>
+                                        <p:strVal val="visible"/>
+                                      </p:to>
+                                    </p:set>
+                                    <p:anim calcmode="lin" valueType="num">
+                                      <p:cBhvr additive="base">
+                                        <p:cTn id="12" dur="500" fill="hold"/>
+                                        <p:tgtEl>
+                                          <p:spTgt spid="6"/>
+                                        </p:tgtEl>
+                                        <p:attrNameLst>
+                                          <p:attrName>ppt_x</p:attrName>
+                                        </p:attrNameLst>
+                                      </p:cBhvr>
+                                      <p:tavLst>
+                                        <p:tav tm="0">
+                                          <p:val>
+                                            <p:strVal val="#ppt_x"/>
+                                          </p:val>
+                                        </p:tav>
+                                        <p:tav tm="100000">
+                                          <p:val>
+                                            <p:strVal val="#ppt_x"/>
+                                          </p:val>
+                                        </p:tav>
+                                      </p:tavLst>
+                                    </p:anim>
+                                    <p:anim calcmode="lin" valueType="num">
+                                      <p:cBhvr additive="base">
+                                        <p:cTn id="13" dur="500" fill="hold"/>
+                                        <p:tgtEl>
+                                          <p:spTgt spid="6"/>
+                                        </p:tgtEl>
+                                        <p:attrNameLst>
+                                          <p:attrName>ppt_y</p:attrName>
+                                        </p:attrNameLst>
+                                      </p:cBhvr>
+                                      <p:tavLst>
+                                        <p:tav tm="0">
+                                          <p:val>
+                                            <p:strVal val="1+#ppt_h/2"/>
+                                          </p:val>
+                                        </p:tav>
+                                        <p:tav tm="100000">
+                                          <p:val>
+                                            <p:strVal val="#ppt_y"/>
+                                          </p:val>
+                                        </p:tav>
+                                      </p:tavLst>
+                                    </p:anim>
+                                  </p:childTnLst>
+                                </p:cTn>
+                              </p:par>
+                            </p:childTnLst>
+                          </p:cTn>
+                        </p:par>
+                      </p:childTnLst>
+                    </p:cTn>
+                  </p:par>
+                </p:childTnLst>
+              </p:cTn>
+              <p:prevCondLst>
+                <p:cond evt="onPrev" delay="0">
+                  <p:tgtEl>
+                    <p:sldTgt/>
+                  </p:tgtEl>
+                </p:cond>
+              </p:prevCondLst>
+              <p:nextCondLst>
+                <p:cond evt="onNext" delay="0">
+                  <p:tgtEl>
+                    <p:sldTgt/>
+                  </p:tgtEl>
+                </p:cond>
+              </p:nextCondLst>
+            </p:seq>
+          </p:childTnLst>
+        </p:cTn>
+      </p:par>
+    </p:tnLst>
+    <p:bldLst>
+      <p:bldP spid="6" grpId="0"/>
+    </p:bldLst>
+  </p:timing>
+</p:sld>
+</file>
+
+<file path=ppt/slides/slide7.xml><?xml version="1.0" encoding="utf-8"?>
+<p:sld xmlns:a="http://schemas.openxmlformats.org/drawingml/2006/main" xmlns:r="http://schemas.openxmlformats.org/officeDocument/2006/relationships" xmlns:p="http://schemas.openxmlformats.org/presentationml/2006/main">
+  <p:cSld>
+    <p:spTree>
+      <p:nvGrpSpPr>
+        <p:cNvPr id="1" name=""/>
+        <p:cNvGrpSpPr/>
+        <p:nvPr/>
+      </p:nvGrpSpPr>
+      <p:grpSpPr>
+        <a:xfrm>
+          <a:off x="0" y="0"/>
+          <a:ext cx="0" cy="0"/>
+          <a:chOff x="0" y="0"/>
+          <a:chExt cx="0" cy="0"/>
+        </a:xfrm>
+      </p:grpSpPr>
+      <p:sp>
+        <p:nvSpPr>
+          <p:cNvPr id="2" name="内容占位符 1"/>
+          <p:cNvSpPr>
+            <a:spLocks noGrp="1"/>
+          </p:cNvSpPr>
+          <p:nvPr>
+            <p:ph sz="quarter" idx="10"/>
+          </p:nvPr>
+        </p:nvSpPr>
+        <p:spPr>
+          <a:xfrm>
+            <a:off x="927735" y="783590"/>
+            <a:ext cx="10781665" cy="5269230"/>
+          </a:xfrm>
+        </p:spPr>
+        <p:txBody>
+          <a:bodyPr/>
+          <a:lstStyle/>
+          <a:p>
+            <a:pPr>
+              <a:lnSpc>
+                <a:spcPct val="150000"/>
+              </a:lnSpc>
+            </a:pPr>
+            <a:r>
+              <a:rPr lang="zh-CN" altLang="en-US" sz="3200" dirty="0">
+                <a:solidFill>
+                  <a:schemeClr val="tx1"/>
+                </a:solidFill>
+                <a:sym typeface="+mn-ea"/>
+              </a:rPr>
+              <a:t>事件响应的兼容性问题</a:t>
+            </a:r>
+            <a:br>
+              <a:rPr lang="zh-CN" altLang="en-US" sz="3200" dirty="0">
+                <a:solidFill>
+                  <a:schemeClr val="tx1"/>
+                </a:solidFill>
+                <a:sym typeface="+mn-ea"/>
+              </a:rPr>
+            </a:br>
+            <a:endParaRPr lang="zh-CN" altLang="en-US" sz="2000" dirty="0">
+              <a:solidFill>
+                <a:schemeClr val="tx1"/>
+              </a:solidFill>
+              <a:sym typeface="+mn-ea"/>
+            </a:endParaRPr>
+          </a:p>
+          <a:p>
+            <a:pPr marL="0" indent="0">
+              <a:lnSpc>
+                <a:spcPct val="150000"/>
+              </a:lnSpc>
+              <a:buNone/>
+            </a:pPr>
+            <a:endParaRPr lang="en-US" altLang="zh-CN" sz="2000" dirty="0">
+              <a:solidFill>
+                <a:schemeClr val="tx1"/>
+              </a:solidFill>
+              <a:sym typeface="+mn-ea"/>
+            </a:endParaRPr>
+          </a:p>
+          <a:p>
+            <a:pPr marL="0" indent="0">
+              <a:lnSpc>
+                <a:spcPct val="160000"/>
+              </a:lnSpc>
+              <a:buNone/>
+            </a:pPr>
+            <a:endParaRPr lang="en-US" altLang="zh-CN" sz="1800" dirty="0">
+              <a:solidFill>
+                <a:schemeClr val="tx1"/>
+              </a:solidFill>
+              <a:sym typeface="+mn-ea"/>
+            </a:endParaRPr>
+          </a:p>
+        </p:txBody>
+      </p:sp>
+      <p:sp>
+        <p:nvSpPr>
+          <p:cNvPr id="3" name="内容占位符 2"/>
+          <p:cNvSpPr>
+            <a:spLocks noGrp="1"/>
+          </p:cNvSpPr>
+          <p:nvPr>
+            <p:ph sz="quarter" idx="11"/>
+          </p:nvPr>
+        </p:nvSpPr>
+        <p:spPr>
+          <a:xfrm>
+            <a:off x="947204" y="236943"/>
+            <a:ext cx="8191557" cy="490476"/>
+          </a:xfrm>
+        </p:spPr>
+        <p:txBody>
+          <a:bodyPr/>
+          <a:lstStyle/>
+          <a:p>
+            <a:r>
+              <a:rPr lang="en-US" altLang="zh-CN" dirty="0"/>
+              <a:t>JS</a:t>
+            </a:r>
+            <a:r>
+              <a:rPr lang="zh-CN" altLang="en-US" dirty="0"/>
+              <a:t>事件概述</a:t>
+            </a:r>
+            <a:endParaRPr lang="en-US" altLang="zh-CN" dirty="0"/>
+          </a:p>
+        </p:txBody>
+      </p:sp>
+      <p:sp>
+        <p:nvSpPr>
+          <p:cNvPr id="6" name="文本框 5"/>
+          <p:cNvSpPr txBox="1"/>
+          <p:nvPr/>
+        </p:nvSpPr>
+        <p:spPr>
+          <a:xfrm>
+            <a:off x="5575300" y="6339840"/>
+            <a:ext cx="5033010" cy="398780"/>
+          </a:xfrm>
+          <a:prstGeom prst="rect">
+            <a:avLst/>
+          </a:prstGeom>
+          <a:noFill/>
+        </p:spPr>
+        <p:txBody>
+          <a:bodyPr wrap="square" rtlCol="0">
+            <a:spAutoFit/>
+          </a:bodyPr>
+          <a:lstStyle/>
+          <a:p>
+            <a:r>
+              <a:rPr lang="zh-CN" altLang="en-US" sz="2000">
+                <a:solidFill>
+                  <a:srgbClr val="FF0000"/>
+                </a:solidFill>
+              </a:rPr>
+              <a:t>参见实例</a:t>
+            </a:r>
+            <a:r>
+              <a:rPr lang="en-US" altLang="zh-CN" sz="2000">
+                <a:solidFill>
+                  <a:srgbClr val="FF0000"/>
+                </a:solidFill>
+              </a:rPr>
+              <a:t>index03.html </a:t>
+            </a:r>
+            <a:r>
+              <a:rPr lang="zh-CN" altLang="en-US" sz="2000">
+                <a:solidFill>
+                  <a:srgbClr val="FF0000"/>
+                </a:solidFill>
+              </a:rPr>
+              <a:t>和 </a:t>
+            </a:r>
+            <a:r>
+              <a:rPr lang="en-US" altLang="zh-CN" sz="2000">
+                <a:solidFill>
+                  <a:srgbClr val="FF0000"/>
+                </a:solidFill>
+              </a:rPr>
+              <a:t>demo03.js</a:t>
+            </a:r>
+            <a:endParaRPr lang="en-US" altLang="zh-CN" sz="2000">
+              <a:solidFill>
+                <a:srgbClr val="FF0000"/>
+              </a:solidFill>
+            </a:endParaRPr>
+          </a:p>
+        </p:txBody>
+      </p:sp>
+    </p:spTree>
+  </p:cSld>
+  <p:clrMapOvr>
+    <a:masterClrMapping/>
+  </p:clrMapOvr>
+  <p:timing>
+    <p:tnLst>
+      <p:par>
+        <p:cTn id="1" dur="indefinite" restart="never" nodeType="tmRoot">
+          <p:childTnLst>
+            <p:seq concurrent="1" nextAc="seek">
+              <p:cTn id="2" dur="indefinite" nodeType="mainSeq">
+                <p:childTnLst>
+                  <p:par>
+                    <p:cTn id="3" fill="hold">
+                      <p:stCondLst>
+                        <p:cond delay="indefinite"/>
+                      </p:stCondLst>
+                      <p:childTnLst>
+                        <p:par>
+                          <p:cTn id="4" fill="hold">
+                            <p:stCondLst>
+                              <p:cond delay="0"/>
+                            </p:stCondLst>
+                            <p:childTnLst>
+                              <p:par>
+                                <p:cTn id="5" presetID="2" presetClass="entr" presetSubtype="4" fill="hold" nodeType="clickEffect">
+                                  <p:stCondLst>
+                                    <p:cond delay="0"/>
+                                  </p:stCondLst>
+                                  <p:childTnLst>
+                                    <p:set>
+                                      <p:cBhvr>
+                                        <p:cTn id="6" dur="1" fill="hold">
+                                          <p:stCondLst>
+                                            <p:cond delay="0"/>
+                                          </p:stCondLst>
+                                        </p:cTn>
+                                        <p:tgtEl>
+                                          <p:spTgt spid="2">
+                                            <p:txEl>
+                                              <p:pRg st="0" end="0"/>
+                                            </p:txEl>
+                                          </p:spTgt>
+                                        </p:tgtEl>
+                                        <p:attrNameLst>
+                                          <p:attrName>style.visibility</p:attrName>
+                                        </p:attrNameLst>
+                                      </p:cBhvr>
+                                      <p:to>
+                                        <p:strVal val="visible"/>
+                                      </p:to>
+                                    </p:set>
+                                    <p:anim calcmode="lin" valueType="num">
+                                      <p:cBhvr additive="base">
+                                        <p:cTn id="7" dur="500" fill="hold"/>
+                                        <p:tgtEl>
+                                          <p:spTgt spid="2">
+                                            <p:txEl>
+                                              <p:pRg st="0" end="0"/>
+                                            </p:txEl>
+                                          </p:spTgt>
+                                        </p:tgtEl>
+                                        <p:attrNameLst>
+                                          <p:attrName>ppt_x</p:attrName>
+                                        </p:attrNameLst>
+                                      </p:cBhvr>
+                                      <p:tavLst>
+                                        <p:tav tm="0">
+                                          <p:val>
+                                            <p:strVal val="#ppt_x"/>
+                                          </p:val>
+                                        </p:tav>
+                                        <p:tav tm="100000">
+                                          <p:val>
+                                            <p:strVal val="#ppt_x"/>
+                                          </p:val>
+                                        </p:tav>
+                                      </p:tavLst>
+                                    </p:anim>
+                                    <p:anim calcmode="lin" valueType="num">
+                                      <p:cBhvr additive="base">
+                                        <p:cTn id="8" dur="500" fill="hold"/>
+                                        <p:tgtEl>
+                                          <p:spTgt spid="2">
+                                            <p:txEl>
+                                              <p:pRg st="0" end="0"/>
+                                            </p:txEl>
+                                          </p:spTgt>
+                                        </p:tgtEl>
+                                        <p:attrNameLst>
+                                          <p:attrName>ppt_y</p:attrName>
+                                        </p:attrNameLst>
+                                      </p:cBhvr>
+                                      <p:tavLst>
+                                        <p:tav tm="0">
+                                          <p:val>
+                                            <p:strVal val="1+#ppt_h/2"/>
+                                          </p:val>
+                                        </p:tav>
+                                        <p:tav tm="100000">
+                                          <p:val>
+                                            <p:strVal val="#ppt_y"/>
+                                          </p:val>
+                                        </p:tav>
+                                      </p:tavLst>
+                                    </p:anim>
+                                  </p:childTnLst>
+                                </p:cTn>
+                              </p:par>
+                            </p:childTnLst>
+                          </p:cTn>
+                        </p:par>
+                        <p:par>
+                          <p:cTn id="9" fill="hold">
+                            <p:stCondLst>
+                              <p:cond delay="500"/>
+                            </p:stCondLst>
+                            <p:childTnLst>
+                              <p:par>
+                                <p:cTn id="10" presetID="2" presetClass="entr" presetSubtype="4" fill="hold" grpId="0" nodeType="afterEffect">
+                                  <p:stCondLst>
+                                    <p:cond delay="0"/>
+                                  </p:stCondLst>
+                                  <p:childTnLst>
+                                    <p:set>
+                                      <p:cBhvr>
+                                        <p:cTn id="11" dur="1" fill="hold">
+                                          <p:stCondLst>
+                                            <p:cond delay="0"/>
+                                          </p:stCondLst>
+                                        </p:cTn>
+                                        <p:tgtEl>
+                                          <p:spTgt spid="6"/>
+                                        </p:tgtEl>
+                                        <p:attrNameLst>
+                                          <p:attrName>style.visibility</p:attrName>
+                                        </p:attrNameLst>
+                                      </p:cBhvr>
+                                      <p:to>
+                                        <p:strVal val="visible"/>
+                                      </p:to>
+                                    </p:set>
+                                    <p:anim calcmode="lin" valueType="num">
+                                      <p:cBhvr additive="base">
+                                        <p:cTn id="12" dur="500" fill="hold"/>
+                                        <p:tgtEl>
+                                          <p:spTgt spid="6"/>
+                                        </p:tgtEl>
+                                        <p:attrNameLst>
+                                          <p:attrName>ppt_x</p:attrName>
+                                        </p:attrNameLst>
+                                      </p:cBhvr>
+                                      <p:tavLst>
+                                        <p:tav tm="0">
+                                          <p:val>
+                                            <p:strVal val="#ppt_x"/>
+                                          </p:val>
+                                        </p:tav>
+                                        <p:tav tm="100000">
+                                          <p:val>
+                                            <p:strVal val="#ppt_x"/>
+                                          </p:val>
+                                        </p:tav>
+                                      </p:tavLst>
+                                    </p:anim>
+                                    <p:anim calcmode="lin" valueType="num">
+                                      <p:cBhvr additive="base">
+                                        <p:cTn id="13" dur="500" fill="hold"/>
+                                        <p:tgtEl>
+                                          <p:spTgt spid="6"/>
+                                        </p:tgtEl>
+                                        <p:attrNameLst>
+                                          <p:attrName>ppt_y</p:attrName>
+                                        </p:attrNameLst>
+                                      </p:cBhvr>
+                                      <p:tavLst>
+                                        <p:tav tm="0">
+                                          <p:val>
+                                            <p:strVal val="1+#ppt_h/2"/>
+                                          </p:val>
+                                        </p:tav>
+                                        <p:tav tm="100000">
+                                          <p:val>
+                                            <p:strVal val="#ppt_y"/>
+                                          </p:val>
+                                        </p:tav>
+                                      </p:tavLst>
+                                    </p:anim>
+                                  </p:childTnLst>
+                                </p:cTn>
+                              </p:par>
+                            </p:childTnLst>
+                          </p:cTn>
+                        </p:par>
+                      </p:childTnLst>
+                    </p:cTn>
+                  </p:par>
+                </p:childTnLst>
+              </p:cTn>
+              <p:prevCondLst>
+                <p:cond evt="onPrev" delay="0">
+                  <p:tgtEl>
+                    <p:sldTgt/>
+                  </p:tgtEl>
+                </p:cond>
+              </p:prevCondLst>
+              <p:nextCondLst>
+                <p:cond evt="onNext" delay="0">
+                  <p:tgtEl>
+                    <p:sldTgt/>
+                  </p:tgtEl>
+                </p:cond>
+              </p:nextCondLst>
+            </p:seq>
+          </p:childTnLst>
+        </p:cTn>
+      </p:par>
+    </p:tnLst>
+    <p:bldLst>
+      <p:bldP spid="6" grpId="0"/>
+    </p:bldLst>
+  </p:timing>
+</p:sld>
+</file>
+
+<file path=ppt/slides/slide8.xml><?xml version="1.0" encoding="utf-8"?>
+<p:sld xmlns:a="http://schemas.openxmlformats.org/drawingml/2006/main" xmlns:r="http://schemas.openxmlformats.org/officeDocument/2006/relationships" xmlns:p="http://schemas.openxmlformats.org/presentationml/2006/main">
+  <p:cSld>
+    <p:spTree>
+      <p:nvGrpSpPr>
+        <p:cNvPr id="1" name=""/>
+        <p:cNvGrpSpPr/>
+        <p:nvPr/>
+      </p:nvGrpSpPr>
+      <p:grpSpPr>
+        <a:xfrm>
+          <a:off x="0" y="0"/>
+          <a:ext cx="0" cy="0"/>
+          <a:chOff x="0" y="0"/>
+          <a:chExt cx="0" cy="0"/>
+        </a:xfrm>
+      </p:grpSpPr>
+      <p:sp>
+        <p:nvSpPr>
+          <p:cNvPr id="5123" name="AutoShape 6"/>
+          <p:cNvSpPr>
+            <a:spLocks noChangeArrowheads="1"/>
+          </p:cNvSpPr>
+          <p:nvPr/>
+        </p:nvSpPr>
+        <p:spPr bwMode="auto">
+          <a:xfrm>
+            <a:off x="2566988" y="1339851"/>
+            <a:ext cx="6711950" cy="4214813"/>
+          </a:xfrm>
+          <a:prstGeom prst="roundRect">
+            <a:avLst>
+              <a:gd name="adj" fmla="val 16667"/>
+            </a:avLst>
+          </a:prstGeom>
+          <a:noFill/>
+          <a:ln w="28575">
+            <a:solidFill>
+              <a:srgbClr val="C0C0C0"/>
+            </a:solidFill>
+            <a:prstDash val="sysDot"/>
+            <a:round/>
+          </a:ln>
+          <a:extLst>
+            <a:ext uri="{909E8E84-426E-40DD-AFC4-6F175D3DCCD1}">
+              <a14:hiddenFill xmlns:a14="http://schemas.microsoft.com/office/drawing/2010/main">
+                <a:solidFill>
+                  <a:srgbClr val="FFFFFF"/>
+                </a:solidFill>
+              </a14:hiddenFill>
+            </a:ext>
+          </a:extLst>
+        </p:spPr>
+        <p:txBody>
+          <a:bodyPr wrap="none" anchor="ctr"/>
+          <a:lstStyle>
+            <a:lvl1pPr marL="457200" indent="-457200">
+              <a:defRPr sz="3200">
+                <a:solidFill>
+                  <a:schemeClr val="tx1"/>
+                </a:solidFill>
+                <a:latin typeface="Arial" panose="020B0604020202020204" pitchFamily="34" charset="0"/>
+                <a:ea typeface="微软雅黑" panose="020B0503020204020204" pitchFamily="34" charset="-122"/>
+              </a:defRPr>
+            </a:lvl1pPr>
+            <a:lvl2pPr marL="742950" indent="-285750">
+              <a:defRPr sz="3200">
+                <a:solidFill>
+                  <a:schemeClr val="tx1"/>
+                </a:solidFill>
+                <a:latin typeface="Arial" panose="020B0604020202020204" pitchFamily="34" charset="0"/>
+                <a:ea typeface="微软雅黑" panose="020B0503020204020204" pitchFamily="34" charset="-122"/>
+              </a:defRPr>
+            </a:lvl2pPr>
+            <a:lvl3pPr marL="1143000" indent="-228600">
+              <a:defRPr sz="3200">
+                <a:solidFill>
+                  <a:schemeClr val="tx1"/>
+                </a:solidFill>
+                <a:latin typeface="Arial" panose="020B0604020202020204" pitchFamily="34" charset="0"/>
+                <a:ea typeface="微软雅黑" panose="020B0503020204020204" pitchFamily="34" charset="-122"/>
+              </a:defRPr>
+            </a:lvl3pPr>
+            <a:lvl4pPr marL="1600200" indent="-228600">
+              <a:defRPr sz="3200">
+                <a:solidFill>
+                  <a:schemeClr val="tx1"/>
+                </a:solidFill>
+                <a:latin typeface="Arial" panose="020B0604020202020204" pitchFamily="34" charset="0"/>
+                <a:ea typeface="微软雅黑" panose="020B0503020204020204" pitchFamily="34" charset="-122"/>
+              </a:defRPr>
+            </a:lvl4pPr>
+            <a:lvl5pPr marL="2057400" indent="-228600">
+              <a:defRPr sz="3200">
+                <a:solidFill>
+                  <a:schemeClr val="tx1"/>
+                </a:solidFill>
+                <a:latin typeface="Arial" panose="020B0604020202020204" pitchFamily="34" charset="0"/>
+                <a:ea typeface="微软雅黑" panose="020B0503020204020204" pitchFamily="34" charset="-122"/>
+              </a:defRPr>
+            </a:lvl5pPr>
+            <a:lvl6pPr marL="2514600" indent="-228600" eaLnBrk="0" fontAlgn="base" hangingPunct="0">
+              <a:spcBef>
+                <a:spcPct val="0"/>
+              </a:spcBef>
+              <a:spcAft>
+                <a:spcPct val="0"/>
+              </a:spcAft>
+              <a:defRPr sz="3200">
+                <a:solidFill>
+                  <a:schemeClr val="tx1"/>
+                </a:solidFill>
+                <a:latin typeface="Arial" panose="020B0604020202020204" pitchFamily="34" charset="0"/>
+                <a:ea typeface="微软雅黑" panose="020B0503020204020204" pitchFamily="34" charset="-122"/>
+              </a:defRPr>
+            </a:lvl6pPr>
+            <a:lvl7pPr marL="2971800" indent="-228600" eaLnBrk="0" fontAlgn="base" hangingPunct="0">
+              <a:spcBef>
+                <a:spcPct val="0"/>
+              </a:spcBef>
+              <a:spcAft>
+                <a:spcPct val="0"/>
+              </a:spcAft>
+              <a:defRPr sz="3200">
+                <a:solidFill>
+                  <a:schemeClr val="tx1"/>
+                </a:solidFill>
+                <a:latin typeface="Arial" panose="020B0604020202020204" pitchFamily="34" charset="0"/>
+                <a:ea typeface="微软雅黑" panose="020B0503020204020204" pitchFamily="34" charset="-122"/>
+              </a:defRPr>
+            </a:lvl7pPr>
+            <a:lvl8pPr marL="3429000" indent="-228600" eaLnBrk="0" fontAlgn="base" hangingPunct="0">
+              <a:spcBef>
+                <a:spcPct val="0"/>
+              </a:spcBef>
+              <a:spcAft>
+                <a:spcPct val="0"/>
+              </a:spcAft>
+              <a:defRPr sz="3200">
+                <a:solidFill>
+                  <a:schemeClr val="tx1"/>
+                </a:solidFill>
+                <a:latin typeface="Arial" panose="020B0604020202020204" pitchFamily="34" charset="0"/>
+                <a:ea typeface="微软雅黑" panose="020B0503020204020204" pitchFamily="34" charset="-122"/>
+              </a:defRPr>
+            </a:lvl8pPr>
+            <a:lvl9pPr marL="3886200" indent="-228600" eaLnBrk="0" fontAlgn="base" hangingPunct="0">
+              <a:spcBef>
+                <a:spcPct val="0"/>
+              </a:spcBef>
+              <a:spcAft>
+                <a:spcPct val="0"/>
+              </a:spcAft>
+              <a:defRPr sz="3200">
+                <a:solidFill>
+                  <a:schemeClr val="tx1"/>
+                </a:solidFill>
+                <a:latin typeface="Arial" panose="020B0604020202020204" pitchFamily="34" charset="0"/>
+                <a:ea typeface="微软雅黑" panose="020B0503020204020204" pitchFamily="34" charset="-122"/>
+              </a:defRPr>
+            </a:lvl9pPr>
+          </a:lstStyle>
+          <a:p>
+            <a:pPr algn="l">
+              <a:lnSpc>
+                <a:spcPct val="150000"/>
+              </a:lnSpc>
+              <a:spcBef>
+                <a:spcPts val="1200"/>
+              </a:spcBef>
+              <a:spcAft>
+                <a:spcPts val="1200"/>
+              </a:spcAft>
+              <a:buClr>
+                <a:srgbClr val="92D050"/>
+              </a:buClr>
+              <a:buFont typeface="Wingdings" panose="05000000000000000000" pitchFamily="2" charset="2"/>
+              <a:buChar char="Ø"/>
+            </a:pPr>
+            <a:r>
+              <a:rPr lang="en-US" altLang="zh-CN" sz="2800" b="1">
+                <a:solidFill>
+                  <a:schemeClr val="tx1"/>
+                </a:solidFill>
+                <a:sym typeface="+mn-ea"/>
+              </a:rPr>
+              <a:t>JS</a:t>
+            </a:r>
+            <a:r>
+              <a:rPr lang="zh-CN" altLang="en-US" sz="2800" b="1">
+                <a:solidFill>
+                  <a:schemeClr val="tx1"/>
+                </a:solidFill>
+                <a:sym typeface="+mn-ea"/>
+              </a:rPr>
+              <a:t>事件及事件对象</a:t>
+            </a:r>
+            <a:endParaRPr lang="zh-CN" altLang="en-US" sz="2800" b="1">
+              <a:solidFill>
+                <a:schemeClr val="tx1"/>
+              </a:solidFill>
+              <a:sym typeface="+mn-ea"/>
+            </a:endParaRPr>
+          </a:p>
+          <a:p>
+            <a:pPr algn="l">
+              <a:lnSpc>
+                <a:spcPct val="150000"/>
+              </a:lnSpc>
+              <a:spcBef>
+                <a:spcPts val="1200"/>
+              </a:spcBef>
+              <a:spcAft>
+                <a:spcPts val="1200"/>
+              </a:spcAft>
+              <a:buClr>
+                <a:srgbClr val="92D050"/>
+              </a:buClr>
+              <a:buFont typeface="Wingdings" panose="05000000000000000000" pitchFamily="2" charset="2"/>
+              <a:buChar char="Ø"/>
+            </a:pPr>
+            <a:r>
+              <a:rPr lang="en-US" altLang="zh-CN" sz="2800" b="1"/>
+              <a:t>JS</a:t>
+            </a:r>
+            <a:r>
+              <a:rPr lang="zh-CN" altLang="en-US" sz="2800" b="1"/>
+              <a:t>事件响应</a:t>
+            </a:r>
+            <a:endParaRPr lang="zh-CN" altLang="en-US" sz="2800" b="1"/>
+          </a:p>
+          <a:p>
+            <a:pPr algn="l">
+              <a:lnSpc>
+                <a:spcPct val="150000"/>
+              </a:lnSpc>
+              <a:spcBef>
+                <a:spcPts val="1200"/>
+              </a:spcBef>
+              <a:spcAft>
+                <a:spcPts val="1200"/>
+              </a:spcAft>
+              <a:buClr>
+                <a:srgbClr val="92D050"/>
+              </a:buClr>
+              <a:buFont typeface="Wingdings" panose="05000000000000000000" pitchFamily="2" charset="2"/>
+              <a:buChar char="Ø"/>
+            </a:pPr>
+            <a:r>
+              <a:rPr lang="en-US" altLang="zh-CN" sz="2800" b="1">
+                <a:solidFill>
+                  <a:srgbClr val="FF0000"/>
+                </a:solidFill>
+                <a:sym typeface="+mn-ea"/>
+              </a:rPr>
+              <a:t>JS</a:t>
+            </a:r>
+            <a:r>
+              <a:rPr lang="zh-CN" altLang="en-US" sz="2800" b="1">
+                <a:solidFill>
+                  <a:srgbClr val="FF0000"/>
+                </a:solidFill>
+              </a:rPr>
+              <a:t>事件流（冒泡、捕获）</a:t>
+            </a:r>
+            <a:endParaRPr lang="zh-CN" altLang="en-US" sz="2800" b="1">
+              <a:solidFill>
+                <a:srgbClr val="FF0000"/>
+              </a:solidFill>
+            </a:endParaRPr>
+          </a:p>
+        </p:txBody>
+      </p:sp>
+      <p:sp>
+        <p:nvSpPr>
+          <p:cNvPr id="4" name="内容占位符 3"/>
+          <p:cNvSpPr txBox="1"/>
+          <p:nvPr/>
+        </p:nvSpPr>
+        <p:spPr>
+          <a:xfrm>
+            <a:off x="981657" y="236943"/>
+            <a:ext cx="8191557" cy="490476"/>
+          </a:xfrm>
+          <a:prstGeom prst="rect">
+            <a:avLst/>
+          </a:prstGeom>
+        </p:spPr>
+        <p:txBody>
+          <a:bodyPr/>
+          <a:lstStyle>
+            <a:lvl1pPr marL="167005" indent="-167005" algn="l" defTabSz="0" rtl="0" eaLnBrk="0" fontAlgn="base" hangingPunct="0">
+              <a:spcBef>
+                <a:spcPct val="0"/>
+              </a:spcBef>
+              <a:spcAft>
+                <a:spcPct val="15000"/>
+              </a:spcAft>
+              <a:buClr>
+                <a:schemeClr val="tx2"/>
+              </a:buClr>
+              <a:buFont typeface="Arial" panose="020B0604020202020204" pitchFamily="34" charset="0"/>
+              <a:buChar char="•"/>
+              <a:defRPr kumimoji="1" sz="1600">
+                <a:solidFill>
+                  <a:srgbClr val="006F53"/>
+                </a:solidFill>
+                <a:latin typeface="微软雅黑" panose="020B0503020204020204" pitchFamily="34" charset="-122"/>
+                <a:ea typeface="微软雅黑" panose="020B0503020204020204" pitchFamily="34" charset="-122"/>
+                <a:cs typeface="微软雅黑" panose="020B0503020204020204" pitchFamily="34" charset="-122"/>
+              </a:defRPr>
+            </a:lvl1pPr>
+            <a:lvl2pPr marL="398780" indent="-230505" algn="l" defTabSz="0" rtl="0" eaLnBrk="0" fontAlgn="base" hangingPunct="0">
+              <a:spcBef>
+                <a:spcPct val="0"/>
+              </a:spcBef>
+              <a:spcAft>
+                <a:spcPct val="15000"/>
+              </a:spcAft>
+              <a:buClr>
+                <a:schemeClr val="tx2"/>
+              </a:buClr>
+              <a:buFont typeface="Arial" panose="020B0604020202020204" pitchFamily="34" charset="0"/>
+              <a:buChar char="–"/>
+              <a:defRPr kumimoji="1" sz="2800">
+                <a:solidFill>
+                  <a:schemeClr val="bg2"/>
+                </a:solidFill>
+                <a:latin typeface="微软雅黑" panose="020B0503020204020204" pitchFamily="34" charset="-122"/>
+                <a:ea typeface="微软雅黑" panose="020B0503020204020204" pitchFamily="34" charset="-122"/>
+                <a:cs typeface="微软雅黑" panose="020B0503020204020204" pitchFamily="34" charset="-122"/>
+              </a:defRPr>
+            </a:lvl2pPr>
+            <a:lvl3pPr marL="400050" indent="182880" algn="l" defTabSz="0" rtl="0" eaLnBrk="0" fontAlgn="base" hangingPunct="0">
+              <a:spcBef>
+                <a:spcPct val="0"/>
+              </a:spcBef>
+              <a:spcAft>
+                <a:spcPct val="15000"/>
+              </a:spcAft>
+              <a:buClr>
+                <a:schemeClr val="tx2"/>
+              </a:buClr>
+              <a:buFont typeface="Arial" panose="020B0604020202020204" pitchFamily="34" charset="0"/>
+              <a:buChar char="•"/>
+              <a:defRPr kumimoji="1" sz="1600">
+                <a:solidFill>
+                  <a:schemeClr val="bg2"/>
+                </a:solidFill>
+                <a:latin typeface="微软雅黑" panose="020B0503020204020204" pitchFamily="34" charset="-122"/>
+                <a:ea typeface="微软雅黑" panose="020B0503020204020204" pitchFamily="34" charset="-122"/>
+                <a:cs typeface="微软雅黑" panose="020B0503020204020204" pitchFamily="34" charset="-122"/>
+              </a:defRPr>
+            </a:lvl3pPr>
+            <a:lvl4pPr marL="825500" indent="-241300" algn="l" defTabSz="0" rtl="0" eaLnBrk="0" fontAlgn="base" hangingPunct="0">
+              <a:spcBef>
+                <a:spcPct val="0"/>
+              </a:spcBef>
+              <a:spcAft>
+                <a:spcPct val="15000"/>
+              </a:spcAft>
+              <a:buClr>
+                <a:schemeClr val="tx2"/>
+              </a:buClr>
+              <a:buFont typeface="Arial" panose="020B0604020202020204" pitchFamily="34" charset="0"/>
+              <a:buChar char="–"/>
+              <a:defRPr kumimoji="1" sz="1600">
+                <a:solidFill>
+                  <a:schemeClr val="bg2"/>
+                </a:solidFill>
+                <a:latin typeface="微软雅黑" panose="020B0503020204020204" pitchFamily="34" charset="-122"/>
+                <a:ea typeface="微软雅黑" panose="020B0503020204020204" pitchFamily="34" charset="-122"/>
+                <a:cs typeface="微软雅黑" panose="020B0503020204020204" pitchFamily="34" charset="-122"/>
+              </a:defRPr>
+            </a:lvl4pPr>
+            <a:lvl5pPr marL="2057400" indent="-228600" algn="l" defTabSz="0" rtl="0" eaLnBrk="0" fontAlgn="base" hangingPunct="0">
+              <a:spcBef>
+                <a:spcPct val="0"/>
+              </a:spcBef>
+              <a:spcAft>
+                <a:spcPct val="25000"/>
+              </a:spcAft>
+              <a:buClr>
+                <a:schemeClr val="tx2"/>
+              </a:buClr>
+              <a:buFont typeface="Arial" panose="020B0604020202020204" pitchFamily="34" charset="0"/>
+              <a:buChar char="–"/>
+              <a:defRPr kumimoji="1" sz="2000">
+                <a:solidFill>
+                  <a:schemeClr val="tx1"/>
+                </a:solidFill>
+                <a:latin typeface="+mn-lt"/>
+                <a:ea typeface="微软雅黑" panose="020B0503020204020204" pitchFamily="34" charset="-122"/>
+                <a:cs typeface="微软雅黑" panose="020B0503020204020204" pitchFamily="34" charset="-122"/>
+              </a:defRPr>
+            </a:lvl5pPr>
+            <a:lvl6pPr marL="2514600" indent="-228600" algn="l" defTabSz="0" rtl="0" eaLnBrk="0" fontAlgn="base" hangingPunct="0">
+              <a:spcBef>
+                <a:spcPct val="0"/>
+              </a:spcBef>
+              <a:spcAft>
+                <a:spcPct val="25000"/>
+              </a:spcAft>
+              <a:buClr>
+                <a:schemeClr val="tx2"/>
+              </a:buClr>
+              <a:buFont typeface="Arial" panose="020B0604020202020204" pitchFamily="34" charset="0"/>
+              <a:buChar char="–"/>
+              <a:defRPr>
+                <a:solidFill>
+                  <a:schemeClr val="tx1"/>
+                </a:solidFill>
+                <a:latin typeface="+mn-lt"/>
+              </a:defRPr>
+            </a:lvl6pPr>
+            <a:lvl7pPr marL="2971800" indent="-228600" algn="l" defTabSz="0" rtl="0" eaLnBrk="0" fontAlgn="base" hangingPunct="0">
+              <a:spcBef>
+                <a:spcPct val="0"/>
+              </a:spcBef>
+              <a:spcAft>
+                <a:spcPct val="25000"/>
+              </a:spcAft>
+              <a:buClr>
+                <a:schemeClr val="tx2"/>
+              </a:buClr>
+              <a:buFont typeface="Arial" panose="020B0604020202020204" pitchFamily="34" charset="0"/>
+              <a:buChar char="–"/>
+              <a:defRPr>
+                <a:solidFill>
+                  <a:schemeClr val="tx1"/>
+                </a:solidFill>
+                <a:latin typeface="+mn-lt"/>
+              </a:defRPr>
+            </a:lvl7pPr>
+            <a:lvl8pPr marL="3429000" indent="-228600" algn="l" defTabSz="0" rtl="0" eaLnBrk="0" fontAlgn="base" hangingPunct="0">
+              <a:spcBef>
+                <a:spcPct val="0"/>
+              </a:spcBef>
+              <a:spcAft>
+                <a:spcPct val="25000"/>
+              </a:spcAft>
+              <a:buClr>
+                <a:schemeClr val="tx2"/>
+              </a:buClr>
+              <a:buFont typeface="Arial" panose="020B0604020202020204" pitchFamily="34" charset="0"/>
+              <a:buChar char="–"/>
+              <a:defRPr>
+                <a:solidFill>
+                  <a:schemeClr val="tx1"/>
+                </a:solidFill>
+                <a:latin typeface="+mn-lt"/>
+              </a:defRPr>
+            </a:lvl8pPr>
+            <a:lvl9pPr marL="3886200" indent="-228600" algn="l" defTabSz="0" rtl="0" eaLnBrk="0" fontAlgn="base" hangingPunct="0">
+              <a:spcBef>
+                <a:spcPct val="0"/>
+              </a:spcBef>
+              <a:spcAft>
+                <a:spcPct val="25000"/>
+              </a:spcAft>
+              <a:buClr>
+                <a:schemeClr val="tx2"/>
+              </a:buClr>
+              <a:buFont typeface="Arial" panose="020B0604020202020204" pitchFamily="34" charset="0"/>
+              <a:buChar char="–"/>
+              <a:defRPr>
+                <a:solidFill>
+                  <a:schemeClr val="tx1"/>
+                </a:solidFill>
+                <a:latin typeface="+mn-lt"/>
+              </a:defRPr>
+            </a:lvl9pPr>
+          </a:lstStyle>
+          <a:p>
+            <a:pPr marL="0" indent="0">
+              <a:buNone/>
+            </a:pPr>
+            <a:r>
+              <a:rPr lang="zh-CN" altLang="en-US" sz="3200" dirty="0" smtClean="0">
+                <a:solidFill>
+                  <a:srgbClr val="C00000"/>
+                </a:solidFill>
+                <a:cs typeface="+mn-cs"/>
+                <a:sym typeface="+mn-ea"/>
+              </a:rPr>
+              <a:t>内容提纲</a:t>
+            </a:r>
+            <a:endParaRPr lang="zh-CN" altLang="en-US" kern="0" dirty="0"/>
+          </a:p>
+        </p:txBody>
+      </p:sp>
+    </p:spTree>
+  </p:cSld>
+  <p:clrMapOvr>
+    <a:masterClrMapping/>
+  </p:clrMapOvr>
+  <p:timing>
+    <p:tnLst>
+      <p:par>
+        <p:cTn id="1" dur="indefinite" restart="never" nodeType="tmRoot"/>
+      </p:par>
+    </p:tnLst>
+  </p:timing>
+</p:sld>
+</file>
+
+<file path=ppt/slides/slide9.xml><?xml version="1.0" encoding="utf-8"?>
+<p:sld xmlns:a="http://schemas.openxmlformats.org/drawingml/2006/main" xmlns:r="http://schemas.openxmlformats.org/officeDocument/2006/relationships" xmlns:p="http://schemas.openxmlformats.org/presentationml/2006/main">
+  <p:cSld>
+    <p:spTree>
+      <p:nvGrpSpPr>
+        <p:cNvPr id="1" name=""/>
+        <p:cNvGrpSpPr/>
+        <p:nvPr/>
+      </p:nvGrpSpPr>
+      <p:grpSpPr>
+        <a:xfrm>
+          <a:off x="0" y="0"/>
+          <a:ext cx="0" cy="0"/>
+          <a:chOff x="0" y="0"/>
+          <a:chExt cx="0" cy="0"/>
+        </a:xfrm>
+      </p:grpSpPr>
+      <p:sp>
+        <p:nvSpPr>
+          <p:cNvPr id="2" name="内容占位符 1"/>
+          <p:cNvSpPr>
+            <a:spLocks noGrp="1"/>
+          </p:cNvSpPr>
+          <p:nvPr>
+            <p:ph sz="quarter" idx="10"/>
+          </p:nvPr>
+        </p:nvSpPr>
+        <p:spPr>
+          <a:xfrm>
+            <a:off x="927735" y="783590"/>
+            <a:ext cx="10781665" cy="5269230"/>
+          </a:xfrm>
+        </p:spPr>
+        <p:txBody>
+          <a:bodyPr/>
+          <a:lstStyle/>
+          <a:p>
+            <a:pPr>
+              <a:lnSpc>
+                <a:spcPct val="150000"/>
+              </a:lnSpc>
+            </a:pPr>
+            <a:r>
+              <a:rPr lang="zh-CN" sz="3200" dirty="0">
+                <a:solidFill>
+                  <a:schemeClr val="tx1"/>
+                </a:solidFill>
+                <a:sym typeface="+mn-ea"/>
+              </a:rPr>
+              <a:t>什么是事件流（冒泡方式，捕获方式）</a:t>
+            </a:r>
+            <a:endParaRPr lang="zh-CN" sz="3200" dirty="0">
+              <a:solidFill>
+                <a:schemeClr val="tx1"/>
+              </a:solidFill>
+              <a:sym typeface="+mn-ea"/>
+            </a:endParaRPr>
+          </a:p>
+          <a:p>
+            <a:pPr marL="0" indent="0">
+              <a:lnSpc>
+                <a:spcPct val="160000"/>
+              </a:lnSpc>
+              <a:buNone/>
+            </a:pPr>
+            <a:endParaRPr lang="en-US" altLang="zh-CN" sz="1800" dirty="0">
+              <a:solidFill>
+                <a:schemeClr val="tx1"/>
+              </a:solidFill>
+              <a:sym typeface="+mn-ea"/>
+            </a:endParaRPr>
+          </a:p>
+        </p:txBody>
+      </p:sp>
+      <p:sp>
+        <p:nvSpPr>
+          <p:cNvPr id="3" name="内容占位符 2"/>
+          <p:cNvSpPr>
+            <a:spLocks noGrp="1"/>
+          </p:cNvSpPr>
+          <p:nvPr>
+            <p:ph sz="quarter" idx="11"/>
+          </p:nvPr>
+        </p:nvSpPr>
+        <p:spPr>
+          <a:xfrm>
+            <a:off x="947204" y="236943"/>
+            <a:ext cx="8191557" cy="490476"/>
+          </a:xfrm>
+        </p:spPr>
+        <p:txBody>
+          <a:bodyPr/>
+          <a:lstStyle/>
+          <a:p>
+            <a:r>
+              <a:rPr lang="zh-CN" altLang="en-US" dirty="0"/>
+              <a:t>事件流</a:t>
+            </a:r>
+            <a:endParaRPr lang="zh-CN" altLang="en-US" dirty="0"/>
+          </a:p>
+        </p:txBody>
+      </p:sp>
+      <p:sp>
+        <p:nvSpPr>
+          <p:cNvPr id="6" name="文本框 5"/>
+          <p:cNvSpPr txBox="1"/>
+          <p:nvPr/>
+        </p:nvSpPr>
+        <p:spPr>
+          <a:xfrm>
+            <a:off x="5575300" y="6339840"/>
+            <a:ext cx="5033010" cy="398780"/>
+          </a:xfrm>
+          <a:prstGeom prst="rect">
+            <a:avLst/>
+          </a:prstGeom>
+          <a:noFill/>
+        </p:spPr>
+        <p:txBody>
+          <a:bodyPr wrap="square" rtlCol="0">
+            <a:spAutoFit/>
+          </a:bodyPr>
+          <a:lstStyle/>
+          <a:p>
+            <a:r>
+              <a:rPr lang="zh-CN" altLang="en-US" sz="2000">
+                <a:solidFill>
+                  <a:srgbClr val="FF0000"/>
+                </a:solidFill>
+              </a:rPr>
+              <a:t>参见实例</a:t>
+            </a:r>
+            <a:r>
+              <a:rPr lang="en-US" altLang="zh-CN" sz="2000">
+                <a:solidFill>
+                  <a:srgbClr val="FF0000"/>
+                </a:solidFill>
+              </a:rPr>
+              <a:t>Demo02 JSON </a:t>
+            </a:r>
+            <a:r>
+              <a:rPr lang="zh-CN" altLang="en-US" sz="2000">
+                <a:solidFill>
+                  <a:srgbClr val="FF0000"/>
+                </a:solidFill>
+              </a:rPr>
+              <a:t> </a:t>
+            </a:r>
+            <a:endParaRPr lang="en-US" altLang="zh-CN" sz="2000">
+              <a:solidFill>
+                <a:srgbClr val="FF0000"/>
+              </a:solidFill>
+            </a:endParaRPr>
+          </a:p>
+        </p:txBody>
+      </p:sp>
+      <p:pic>
+        <p:nvPicPr>
+          <p:cNvPr id="4" name="图片 3" descr="VOCN]RDVVH5)E`1OM7KH1VB"/>
+          <p:cNvPicPr>
+            <a:picLocks noChangeAspect="1"/>
+          </p:cNvPicPr>
+          <p:nvPr/>
+        </p:nvPicPr>
+        <p:blipFill>
+          <a:blip r:embed="rId1"/>
+          <a:stretch>
+            <a:fillRect/>
+          </a:stretch>
+        </p:blipFill>
+        <p:spPr>
+          <a:xfrm>
+            <a:off x="1193800" y="1605280"/>
+            <a:ext cx="4822190" cy="4376420"/>
+          </a:xfrm>
+          <a:prstGeom prst="rect">
+            <a:avLst/>
+          </a:prstGeom>
+        </p:spPr>
+      </p:pic>
+      <p:sp>
+        <p:nvSpPr>
+          <p:cNvPr id="7" name="文本框 6"/>
+          <p:cNvSpPr txBox="1"/>
+          <p:nvPr/>
+        </p:nvSpPr>
+        <p:spPr>
+          <a:xfrm>
+            <a:off x="6393180" y="1710690"/>
+            <a:ext cx="4215130" cy="3784600"/>
+          </a:xfrm>
+          <a:prstGeom prst="rect">
+            <a:avLst/>
+          </a:prstGeom>
+          <a:noFill/>
+        </p:spPr>
+        <p:txBody>
+          <a:bodyPr wrap="square" rtlCol="0">
+            <a:spAutoFit/>
+          </a:bodyPr>
+          <a:p>
+            <a:r>
+              <a:rPr lang="zh-CN" sz="2000">
+                <a:solidFill>
+                  <a:schemeClr val="tx1"/>
+                </a:solidFill>
+              </a:rPr>
+              <a:t>事件流</a:t>
+            </a:r>
+            <a:r>
+              <a:rPr sz="2000">
+                <a:solidFill>
+                  <a:schemeClr val="tx1"/>
+                </a:solidFill>
+              </a:rPr>
+              <a:t>指从页面中接收事件的顺序</a:t>
+            </a:r>
+            <a:r>
+              <a:rPr lang="zh-CN" sz="2000">
+                <a:solidFill>
+                  <a:schemeClr val="tx1"/>
+                </a:solidFill>
+              </a:rPr>
+              <a:t>包括（</a:t>
+            </a:r>
+            <a:r>
+              <a:rPr sz="2000">
+                <a:solidFill>
+                  <a:schemeClr val="tx1"/>
+                </a:solidFill>
+              </a:rPr>
+              <a:t>冒泡流和捕获流</a:t>
+            </a:r>
+            <a:r>
+              <a:rPr lang="zh-CN" sz="2000">
+                <a:solidFill>
+                  <a:schemeClr val="tx1"/>
+                </a:solidFill>
+              </a:rPr>
+              <a:t>）</a:t>
+            </a:r>
+            <a:endParaRPr lang="zh-CN" sz="2000">
+              <a:solidFill>
+                <a:schemeClr val="tx1"/>
+              </a:solidFill>
+            </a:endParaRPr>
+          </a:p>
+          <a:p>
+            <a:endParaRPr lang="zh-CN" sz="2000">
+              <a:solidFill>
+                <a:schemeClr val="tx1"/>
+              </a:solidFill>
+            </a:endParaRPr>
+          </a:p>
+          <a:p>
+            <a:r>
+              <a:rPr lang="zh-CN" altLang="en-US" sz="2000">
+                <a:sym typeface="+mn-ea"/>
+              </a:rPr>
+              <a:t>IE 提出的是冒泡流，而 Netscape 提出的是捕获流</a:t>
+            </a:r>
+            <a:endParaRPr lang="zh-CN" altLang="en-US" sz="2000">
+              <a:solidFill>
+                <a:schemeClr val="tx1"/>
+              </a:solidFill>
+            </a:endParaRPr>
+          </a:p>
+          <a:p>
+            <a:endParaRPr lang="zh-CN" altLang="en-US" sz="2000">
+              <a:solidFill>
+                <a:schemeClr val="tx1"/>
+              </a:solidFill>
+            </a:endParaRPr>
+          </a:p>
+          <a:p>
+            <a:r>
+              <a:rPr lang="zh-CN" altLang="en-US" sz="2000">
+                <a:solidFill>
+                  <a:schemeClr val="tx1"/>
+                </a:solidFill>
+              </a:rPr>
+              <a:t>当页面中发生某种事件（比如鼠标点击，鼠标滑过等）时，毫无疑问子元素和父元素都会接收到该事件，可具体顺序是怎样的呢？冒泡和捕获则描述了两种不同的顺序 </a:t>
+            </a:r>
+            <a:endParaRPr lang="zh-CN" altLang="en-US" sz="2000">
+              <a:solidFill>
+                <a:schemeClr val="tx1"/>
+              </a:solidFill>
+            </a:endParaRPr>
+          </a:p>
+          <a:p>
+            <a:endParaRPr lang="zh-CN" altLang="en-US" sz="2000">
+              <a:solidFill>
+                <a:schemeClr val="tx1"/>
+              </a:solidFill>
+            </a:endParaRPr>
+          </a:p>
+        </p:txBody>
+      </p:sp>
+    </p:spTree>
+  </p:cSld>
+  <p:clrMapOvr>
+    <a:masterClrMapping/>
+  </p:clrMapOvr>
+  <p:timing>
+    <p:tnLst>
+      <p:par>
+        <p:cTn id="1" dur="indefinite" restart="never" nodeType="tmRoot">
+          <p:childTnLst>
+            <p:seq concurrent="1" nextAc="seek">
+              <p:cTn id="2" dur="indefinite" nodeType="mainSeq">
+                <p:childTnLst>
+                  <p:par>
+                    <p:cTn id="3" fill="hold">
+                      <p:stCondLst>
+                        <p:cond delay="indefinite"/>
+                      </p:stCondLst>
+                      <p:childTnLst>
+                        <p:par>
+                          <p:cTn id="4" fill="hold">
+                            <p:stCondLst>
+                              <p:cond delay="0"/>
+                            </p:stCondLst>
+                            <p:childTnLst>
+                              <p:par>
+                                <p:cTn id="5" presetID="2" presetClass="entr" presetSubtype="4" fill="hold" nodeType="clickEffect">
+                                  <p:stCondLst>
+                                    <p:cond delay="0"/>
+                                  </p:stCondLst>
+                                  <p:childTnLst>
+                                    <p:set>
+                                      <p:cBhvr>
+                                        <p:cTn id="6" dur="1" fill="hold">
+                                          <p:stCondLst>
+                                            <p:cond delay="0"/>
+                                          </p:stCondLst>
+                                        </p:cTn>
+                                        <p:tgtEl>
+                                          <p:spTgt spid="2">
+                                            <p:txEl>
+                                              <p:pRg st="0" end="0"/>
+                                            </p:txEl>
+                                          </p:spTgt>
+                                        </p:tgtEl>
+                                        <p:attrNameLst>
+                                          <p:attrName>style.visibility</p:attrName>
+                                        </p:attrNameLst>
+                                      </p:cBhvr>
+                                      <p:to>
+                                        <p:strVal val="visible"/>
+                                      </p:to>
+                                    </p:set>
+                                    <p:anim calcmode="lin" valueType="num">
+                                      <p:cBhvr additive="base">
+                                        <p:cTn id="7" dur="500" fill="hold"/>
+                                        <p:tgtEl>
+                                          <p:spTgt spid="2">
+                                            <p:txEl>
+                                              <p:pRg st="0" end="0"/>
+                                            </p:txEl>
+                                          </p:spTgt>
+                                        </p:tgtEl>
+                                        <p:attrNameLst>
+                                          <p:attrName>ppt_x</p:attrName>
+                                        </p:attrNameLst>
+                                      </p:cBhvr>
+                                      <p:tavLst>
+                                        <p:tav tm="0">
+                                          <p:val>
+                                            <p:strVal val="#ppt_x"/>
+                                          </p:val>
+                                        </p:tav>
+                                        <p:tav tm="100000">
+                                          <p:val>
+                                            <p:strVal val="#ppt_x"/>
+                                          </p:val>
+                                        </p:tav>
+                                      </p:tavLst>
+                                    </p:anim>
+                                    <p:anim calcmode="lin" valueType="num">
+                                      <p:cBhvr additive="base">
+                                        <p:cTn id="8" dur="500" fill="hold"/>
+                                        <p:tgtEl>
+                                          <p:spTgt spid="2">
+                                            <p:txEl>
+                                              <p:pRg st="0" end="0"/>
+                                            </p:txEl>
+                                          </p:spTgt>
+                                        </p:tgtEl>
+                                        <p:attrNameLst>
+                                          <p:attrName>ppt_y</p:attrName>
+                                        </p:attrNameLst>
+                                      </p:cBhvr>
+                                      <p:tavLst>
+                                        <p:tav tm="0">
+                                          <p:val>
+                                            <p:strVal val="1+#ppt_h/2"/>
+                                          </p:val>
+                                        </p:tav>
+                                        <p:tav tm="100000">
+                                          <p:val>
+                                            <p:strVal val="#ppt_y"/>
+                                          </p:val>
+                                        </p:tav>
+                                      </p:tavLst>
+                                    </p:anim>
+                                  </p:childTnLst>
+                                </p:cTn>
+                              </p:par>
+                            </p:childTnLst>
+                          </p:cTn>
+                        </p:par>
+                        <p:par>
+                          <p:cTn id="9" fill="hold">
+                            <p:stCondLst>
+                              <p:cond delay="500"/>
+                            </p:stCondLst>
+                            <p:childTnLst>
+                              <p:par>
+                                <p:cTn id="10" presetID="2" presetClass="entr" presetSubtype="4" fill="hold" grpId="0" nodeType="afterEffect">
+                                  <p:stCondLst>
+                                    <p:cond delay="0"/>
+                                  </p:stCondLst>
+                                  <p:childTnLst>
+                                    <p:set>
+                                      <p:cBhvr>
+                                        <p:cTn id="11" dur="1" fill="hold">
+                                          <p:stCondLst>
+                                            <p:cond delay="0"/>
+                                          </p:stCondLst>
+                                        </p:cTn>
+                                        <p:tgtEl>
+                                          <p:spTgt spid="6"/>
+                                        </p:tgtEl>
+                                        <p:attrNameLst>
+                                          <p:attrName>style.visibility</p:attrName>
+                                        </p:attrNameLst>
+                                      </p:cBhvr>
+                                      <p:to>
+                                        <p:strVal val="visible"/>
+                                      </p:to>
+                                    </p:set>
+                                    <p:anim calcmode="lin" valueType="num">
+                                      <p:cBhvr additive="base">
+                                        <p:cTn id="12" dur="500" fill="hold"/>
+                                        <p:tgtEl>
+                                          <p:spTgt spid="6"/>
+                                        </p:tgtEl>
+                                        <p:attrNameLst>
+                                          <p:attrName>ppt_x</p:attrName>
+                                        </p:attrNameLst>
+                                      </p:cBhvr>
+                                      <p:tavLst>
+                                        <p:tav tm="0">
+                                          <p:val>
+                                            <p:strVal val="#ppt_x"/>
+                                          </p:val>
+                                        </p:tav>
+                                        <p:tav tm="100000">
+                                          <p:val>
+                                            <p:strVal val="#ppt_x"/>
+                                          </p:val>
+                                        </p:tav>
+                                      </p:tavLst>
+                                    </p:anim>
+                                    <p:anim calcmode="lin" valueType="num">
+                                      <p:cBhvr additive="base">
+                                        <p:cTn id="13" dur="500" fill="hold"/>
+                                        <p:tgtEl>
+                                          <p:spTgt spid="6"/>
+                                        </p:tgtEl>
+                                        <p:attrNameLst>
+                                          <p:attrName>ppt_y</p:attrName>
+                                        </p:attrNameLst>
+                                      </p:cBhvr>
+                                      <p:tavLst>
+                                        <p:tav tm="0">
+                                          <p:val>
+                                            <p:strVal val="1+#ppt_h/2"/>
+                                          </p:val>
+                                        </p:tav>
+                                        <p:tav tm="100000">
+                                          <p:val>
+                                            <p:strVal val="#ppt_y"/>
+                                          </p:val>
+                                        </p:tav>
+                                      </p:tavLst>
+                                    </p:anim>
+                                  </p:childTnLst>
+                                </p:cTn>
+                              </p:par>
+                            </p:childTnLst>
+                          </p:cTn>
+                        </p:par>
+                        <p:par>
+                          <p:cTn id="14" fill="hold">
+                            <p:stCondLst>
+                              <p:cond delay="1000"/>
+                            </p:stCondLst>
+                            <p:childTnLst>
+                              <p:par>
+                                <p:cTn id="15" presetID="2" presetClass="entr" presetSubtype="4" fill="hold" grpId="0" nodeType="afterEffect">
+                                  <p:stCondLst>
+                                    <p:cond delay="0"/>
+                                  </p:stCondLst>
+                                  <p:childTnLst>
+                                    <p:set>
+                                      <p:cBhvr>
+                                        <p:cTn id="16" dur="1" fill="hold">
+                                          <p:stCondLst>
+                                            <p:cond delay="0"/>
+                                          </p:stCondLst>
+                                        </p:cTn>
+                                        <p:tgtEl>
+                                          <p:spTgt spid="7"/>
+                                        </p:tgtEl>
+                                        <p:attrNameLst>
+                                          <p:attrName>style.visibility</p:attrName>
+                                        </p:attrNameLst>
+                                      </p:cBhvr>
+                                      <p:to>
+                                        <p:strVal val="visible"/>
+                                      </p:to>
+                                    </p:set>
+                                    <p:anim calcmode="lin" valueType="num">
+                                      <p:cBhvr additive="base">
+                                        <p:cTn id="17" dur="500" fill="hold"/>
+                                        <p:tgtEl>
+                                          <p:spTgt spid="7"/>
+                                        </p:tgtEl>
+                                        <p:attrNameLst>
+                                          <p:attrName>ppt_x</p:attrName>
+                                        </p:attrNameLst>
+                                      </p:cBhvr>
+                                      <p:tavLst>
+                                        <p:tav tm="0">
+                                          <p:val>
+                                            <p:strVal val="#ppt_x"/>
+                                          </p:val>
+                                        </p:tav>
+                                        <p:tav tm="100000">
+                                          <p:val>
+                                            <p:strVal val="#ppt_x"/>
+                                          </p:val>
+                                        </p:tav>
+                                      </p:tavLst>
+                                    </p:anim>
+                                    <p:anim calcmode="lin" valueType="num">
+                                      <p:cBhvr additive="base">
+                                        <p:cTn id="18" dur="500" fill="hold"/>
+                                        <p:tgtEl>
+                                          <p:spTgt spid="7"/>
+                                        </p:tgtEl>
+                                        <p:attrNameLst>
+                                          <p:attrName>ppt_y</p:attrName>
+                                        </p:attrNameLst>
+                                      </p:cBhvr>
+                                      <p:tavLst>
+                                        <p:tav tm="0">
+                                          <p:val>
+                                            <p:strVal val="1+#ppt_h/2"/>
+                                          </p:val>
+                                        </p:tav>
+                                        <p:tav tm="100000">
+                                          <p:val>
+                                            <p:strVal val="#ppt_y"/>
+                                          </p:val>
+                                        </p:tav>
+                                      </p:tavLst>
+                                    </p:anim>
+                                  </p:childTnLst>
+                                </p:cTn>
+                              </p:par>
+                            </p:childTnLst>
+                          </p:cTn>
+                        </p:par>
+                      </p:childTnLst>
+                    </p:cTn>
+                  </p:par>
+                </p:childTnLst>
+              </p:cTn>
+              <p:prevCondLst>
+                <p:cond evt="onPrev" delay="0">
+                  <p:tgtEl>
+                    <p:sldTgt/>
+                  </p:tgtEl>
+                </p:cond>
+              </p:prevCondLst>
+              <p:nextCondLst>
+                <p:cond evt="onNext" delay="0">
+                  <p:tgtEl>
+                    <p:sldTgt/>
+                  </p:tgtEl>
+                </p:cond>
+              </p:nextCondLst>
+            </p:seq>
+          </p:childTnLst>
+        </p:cTn>
+      </p:par>
+    </p:tnLst>
+    <p:bldLst>
+      <p:bldP spid="6" grpId="0"/>
+      <p:bldP spid="7" grpId="0"/>
+    </p:bldLst>
   </p:timing>
 </p:sld>
 </file>
